--- a/ObjectCategorizationAndSegmentation_Leibe.pptx
+++ b/ObjectCategorizationAndSegmentation_Leibe.pptx
@@ -7,14 +7,17 @@
   <p:sldIdLst>
     <p:sldId id="256" r:id="rId2"/>
     <p:sldId id="257" r:id="rId3"/>
-    <p:sldId id="259" r:id="rId4"/>
-    <p:sldId id="258" r:id="rId5"/>
-    <p:sldId id="260" r:id="rId6"/>
-    <p:sldId id="264" r:id="rId7"/>
-    <p:sldId id="261" r:id="rId8"/>
-    <p:sldId id="265" r:id="rId9"/>
-    <p:sldId id="263" r:id="rId10"/>
-    <p:sldId id="262" r:id="rId11"/>
+    <p:sldId id="258" r:id="rId4"/>
+    <p:sldId id="260" r:id="rId5"/>
+    <p:sldId id="264" r:id="rId6"/>
+    <p:sldId id="261" r:id="rId7"/>
+    <p:sldId id="263" r:id="rId8"/>
+    <p:sldId id="266" r:id="rId9"/>
+    <p:sldId id="265" r:id="rId10"/>
+    <p:sldId id="267" r:id="rId11"/>
+    <p:sldId id="269" r:id="rId12"/>
+    <p:sldId id="268" r:id="rId13"/>
+    <p:sldId id="262" r:id="rId14"/>
   </p:sldIdLst>
   <p:sldSz cx="12192000" cy="6858000"/>
   <p:notesSz cx="6858000" cy="9144000"/>
@@ -3546,6 +3549,394 @@
           <a:p>
             <a:r>
               <a:rPr lang="en-US" dirty="0" smtClean="0"/>
+              <a:t>Probabilistic Interpretation of the voting scheme</a:t>
+            </a:r>
+            <a:endParaRPr lang="en-US" dirty="0"/>
+          </a:p>
+        </p:txBody>
+      </p:sp>
+      <p:sp>
+        <p:nvSpPr>
+          <p:cNvPr id="3" name="Content Placeholder 2"/>
+          <p:cNvSpPr>
+            <a:spLocks noGrp="1"/>
+          </p:cNvSpPr>
+          <p:nvPr>
+            <p:ph idx="1"/>
+          </p:nvPr>
+        </p:nvSpPr>
+        <p:spPr>
+          <a:xfrm>
+            <a:off x="838200" y="1825625"/>
+            <a:ext cx="11122152" cy="4351338"/>
+          </a:xfrm>
+        </p:spPr>
+        <p:txBody>
+          <a:bodyPr>
+            <a:normAutofit fontScale="92500" lnSpcReduction="10000"/>
+          </a:bodyPr>
+          <a:lstStyle/>
+          <a:p>
+            <a:r>
+              <a:rPr lang="en-US" dirty="0" smtClean="0"/>
+              <a:t>Given an image patch e, at location </a:t>
+            </a:r>
+            <a:r>
+              <a:rPr lang="en-US" dirty="0" smtClean="0">
+                <a:latin typeface="Brush Script MT" panose="03060802040406070304" pitchFamily="66" charset="0"/>
+              </a:rPr>
+              <a:t>l</a:t>
+            </a:r>
+            <a:r>
+              <a:rPr lang="en-US" dirty="0" smtClean="0"/>
+              <a:t>, it activates a set {I</a:t>
+            </a:r>
+            <a:r>
+              <a:rPr lang="en-US" baseline="-25000" dirty="0" smtClean="0"/>
+              <a:t>i</a:t>
+            </a:r>
+            <a:r>
+              <a:rPr lang="en-US" dirty="0" smtClean="0"/>
+              <a:t>} of code-book entries. The contribution of each entry will be weighted by p(</a:t>
+            </a:r>
+            <a:r>
+              <a:rPr lang="en-US" dirty="0" err="1" smtClean="0"/>
+              <a:t>I</a:t>
+            </a:r>
+            <a:r>
+              <a:rPr lang="en-US" baseline="-25000" dirty="0" err="1" smtClean="0"/>
+              <a:t>i</a:t>
+            </a:r>
+            <a:r>
+              <a:rPr lang="en-US" dirty="0" err="1" smtClean="0"/>
+              <a:t>|e,</a:t>
+            </a:r>
+            <a:r>
+              <a:rPr lang="en-US" dirty="0" err="1" smtClean="0">
+                <a:latin typeface="Brush Script MT" panose="03060802040406070304" pitchFamily="66" charset="0"/>
+              </a:rPr>
+              <a:t>l</a:t>
+            </a:r>
+            <a:r>
+              <a:rPr lang="en-US" dirty="0" smtClean="0"/>
+              <a:t>).</a:t>
+            </a:r>
+          </a:p>
+          <a:p>
+            <a:r>
+              <a:rPr lang="en-US" dirty="0" smtClean="0"/>
+              <a:t>An activated entry casts its vote for its object o</a:t>
+            </a:r>
+            <a:r>
+              <a:rPr lang="en-US" baseline="-25000" dirty="0" smtClean="0"/>
+              <a:t>n </a:t>
+            </a:r>
+            <a:r>
+              <a:rPr lang="en-US" dirty="0" smtClean="0"/>
+              <a:t>at multiple positions x.</a:t>
+            </a:r>
+          </a:p>
+          <a:p>
+            <a:endParaRPr lang="en-US" dirty="0"/>
+          </a:p>
+          <a:p>
+            <a:endParaRPr lang="en-US" dirty="0" smtClean="0"/>
+          </a:p>
+          <a:p>
+            <a:endParaRPr lang="en-US" dirty="0"/>
+          </a:p>
+          <a:p>
+            <a:endParaRPr lang="en-US" dirty="0" smtClean="0"/>
+          </a:p>
+          <a:p>
+            <a:endParaRPr lang="en-US" dirty="0" smtClean="0"/>
+          </a:p>
+          <a:p>
+            <a:endParaRPr lang="en-US" dirty="0"/>
+          </a:p>
+          <a:p>
+            <a:r>
+              <a:rPr lang="en-US" dirty="0" smtClean="0"/>
+              <a:t>Mean-shift search corresponds to a </a:t>
+            </a:r>
+            <a:r>
+              <a:rPr lang="en-US" dirty="0" err="1" smtClean="0"/>
+              <a:t>Parzen</a:t>
+            </a:r>
+            <a:r>
+              <a:rPr lang="en-US" dirty="0" smtClean="0"/>
+              <a:t> window density estimate.</a:t>
+            </a:r>
+          </a:p>
+        </p:txBody>
+      </p:sp>
+      <p:pic>
+        <p:nvPicPr>
+          <p:cNvPr id="5" name="Picture 4"/>
+          <p:cNvPicPr>
+            <a:picLocks noChangeAspect="1"/>
+          </p:cNvPicPr>
+          <p:nvPr/>
+        </p:nvPicPr>
+        <p:blipFill>
+          <a:blip r:embed="rId2"/>
+          <a:stretch>
+            <a:fillRect/>
+          </a:stretch>
+        </p:blipFill>
+        <p:spPr>
+          <a:xfrm>
+            <a:off x="4322826" y="3255645"/>
+            <a:ext cx="4152900" cy="590550"/>
+          </a:xfrm>
+          <a:prstGeom prst="rect">
+            <a:avLst/>
+          </a:prstGeom>
+        </p:spPr>
+      </p:pic>
+      <p:pic>
+        <p:nvPicPr>
+          <p:cNvPr id="6" name="Picture 5"/>
+          <p:cNvPicPr>
+            <a:picLocks noChangeAspect="1"/>
+          </p:cNvPicPr>
+          <p:nvPr/>
+        </p:nvPicPr>
+        <p:blipFill>
+          <a:blip r:embed="rId3"/>
+          <a:stretch>
+            <a:fillRect/>
+          </a:stretch>
+        </p:blipFill>
+        <p:spPr>
+          <a:xfrm>
+            <a:off x="4322826" y="3846195"/>
+            <a:ext cx="4762500" cy="1314450"/>
+          </a:xfrm>
+          <a:prstGeom prst="rect">
+            <a:avLst/>
+          </a:prstGeom>
+        </p:spPr>
+      </p:pic>
+      <p:pic>
+        <p:nvPicPr>
+          <p:cNvPr id="7" name="Picture 6"/>
+          <p:cNvPicPr>
+            <a:picLocks noChangeAspect="1"/>
+          </p:cNvPicPr>
+          <p:nvPr/>
+        </p:nvPicPr>
+        <p:blipFill>
+          <a:blip r:embed="rId4"/>
+          <a:stretch>
+            <a:fillRect/>
+          </a:stretch>
+        </p:blipFill>
+        <p:spPr>
+          <a:xfrm>
+            <a:off x="4127754" y="5043678"/>
+            <a:ext cx="4486275" cy="695325"/>
+          </a:xfrm>
+          <a:prstGeom prst="rect">
+            <a:avLst/>
+          </a:prstGeom>
+        </p:spPr>
+      </p:pic>
+    </p:spTree>
+    <p:extLst>
+      <p:ext uri="{BB962C8B-B14F-4D97-AF65-F5344CB8AC3E}">
+        <p14:creationId xmlns:p14="http://schemas.microsoft.com/office/powerpoint/2010/main" val="3890224926"/>
+      </p:ext>
+    </p:extLst>
+  </p:cSld>
+  <p:clrMapOvr>
+    <a:masterClrMapping/>
+  </p:clrMapOvr>
+</p:sld>
+</file>
+
+<file path=ppt/slides/slide11.xml><?xml version="1.0" encoding="utf-8"?>
+<p:sld xmlns:a="http://schemas.openxmlformats.org/drawingml/2006/main" xmlns:r="http://schemas.openxmlformats.org/officeDocument/2006/relationships" xmlns:p="http://schemas.openxmlformats.org/presentationml/2006/main">
+  <p:cSld>
+    <p:spTree>
+      <p:nvGrpSpPr>
+        <p:cNvPr id="1" name=""/>
+        <p:cNvGrpSpPr/>
+        <p:nvPr/>
+      </p:nvGrpSpPr>
+      <p:grpSpPr>
+        <a:xfrm>
+          <a:off x="0" y="0"/>
+          <a:ext cx="0" cy="0"/>
+          <a:chOff x="0" y="0"/>
+          <a:chExt cx="0" cy="0"/>
+        </a:xfrm>
+      </p:grpSpPr>
+      <p:sp>
+        <p:nvSpPr>
+          <p:cNvPr id="2" name="Title 1"/>
+          <p:cNvSpPr>
+            <a:spLocks noGrp="1"/>
+          </p:cNvSpPr>
+          <p:nvPr>
+            <p:ph type="title"/>
+          </p:nvPr>
+        </p:nvSpPr>
+        <p:spPr/>
+        <p:txBody>
+          <a:bodyPr/>
+          <a:lstStyle/>
+          <a:p>
+            <a:r>
+              <a:rPr lang="en-US" dirty="0" smtClean="0"/>
+              <a:t>Reducing </a:t>
+            </a:r>
+            <a:r>
+              <a:rPr lang="en-US" smtClean="0"/>
+              <a:t>false positives</a:t>
+            </a:r>
+            <a:endParaRPr lang="en-US"/>
+          </a:p>
+        </p:txBody>
+      </p:sp>
+      <p:sp>
+        <p:nvSpPr>
+          <p:cNvPr id="3" name="Content Placeholder 2"/>
+          <p:cNvSpPr>
+            <a:spLocks noGrp="1"/>
+          </p:cNvSpPr>
+          <p:nvPr>
+            <p:ph idx="1"/>
+          </p:nvPr>
+        </p:nvSpPr>
+        <p:spPr/>
+        <p:txBody>
+          <a:bodyPr/>
+          <a:lstStyle/>
+          <a:p>
+            <a:endParaRPr lang="en-US"/>
+          </a:p>
+        </p:txBody>
+      </p:sp>
+    </p:spTree>
+    <p:extLst>
+      <p:ext uri="{BB962C8B-B14F-4D97-AF65-F5344CB8AC3E}">
+        <p14:creationId xmlns:p14="http://schemas.microsoft.com/office/powerpoint/2010/main" val="3942624674"/>
+      </p:ext>
+    </p:extLst>
+  </p:cSld>
+  <p:clrMapOvr>
+    <a:masterClrMapping/>
+  </p:clrMapOvr>
+</p:sld>
+</file>
+
+<file path=ppt/slides/slide12.xml><?xml version="1.0" encoding="utf-8"?>
+<p:sld xmlns:a="http://schemas.openxmlformats.org/drawingml/2006/main" xmlns:r="http://schemas.openxmlformats.org/officeDocument/2006/relationships" xmlns:p="http://schemas.openxmlformats.org/presentationml/2006/main">
+  <p:cSld>
+    <p:spTree>
+      <p:nvGrpSpPr>
+        <p:cNvPr id="1" name=""/>
+        <p:cNvGrpSpPr/>
+        <p:nvPr/>
+      </p:nvGrpSpPr>
+      <p:grpSpPr>
+        <a:xfrm>
+          <a:off x="0" y="0"/>
+          <a:ext cx="0" cy="0"/>
+          <a:chOff x="0" y="0"/>
+          <a:chExt cx="0" cy="0"/>
+        </a:xfrm>
+      </p:grpSpPr>
+      <p:sp>
+        <p:nvSpPr>
+          <p:cNvPr id="2" name="Title 1"/>
+          <p:cNvSpPr>
+            <a:spLocks noGrp="1"/>
+          </p:cNvSpPr>
+          <p:nvPr>
+            <p:ph type="title"/>
+          </p:nvPr>
+        </p:nvSpPr>
+        <p:spPr/>
+        <p:txBody>
+          <a:bodyPr/>
+          <a:lstStyle/>
+          <a:p>
+            <a:r>
+              <a:rPr lang="en-US" dirty="0" smtClean="0"/>
+              <a:t>Object Segmentation</a:t>
+            </a:r>
+            <a:endParaRPr lang="en-US" dirty="0"/>
+          </a:p>
+        </p:txBody>
+      </p:sp>
+      <p:sp>
+        <p:nvSpPr>
+          <p:cNvPr id="3" name="Content Placeholder 2"/>
+          <p:cNvSpPr>
+            <a:spLocks noGrp="1"/>
+          </p:cNvSpPr>
+          <p:nvPr>
+            <p:ph idx="1"/>
+          </p:nvPr>
+        </p:nvSpPr>
+        <p:spPr/>
+        <p:txBody>
+          <a:bodyPr/>
+          <a:lstStyle/>
+          <a:p>
+            <a:endParaRPr lang="en-US"/>
+          </a:p>
+        </p:txBody>
+      </p:sp>
+    </p:spTree>
+    <p:extLst>
+      <p:ext uri="{BB962C8B-B14F-4D97-AF65-F5344CB8AC3E}">
+        <p14:creationId xmlns:p14="http://schemas.microsoft.com/office/powerpoint/2010/main" val="3886725788"/>
+      </p:ext>
+    </p:extLst>
+  </p:cSld>
+  <p:clrMapOvr>
+    <a:masterClrMapping/>
+  </p:clrMapOvr>
+</p:sld>
+</file>
+
+<file path=ppt/slides/slide13.xml><?xml version="1.0" encoding="utf-8"?>
+<p:sld xmlns:a="http://schemas.openxmlformats.org/drawingml/2006/main" xmlns:r="http://schemas.openxmlformats.org/officeDocument/2006/relationships" xmlns:p="http://schemas.openxmlformats.org/presentationml/2006/main">
+  <p:cSld>
+    <p:spTree>
+      <p:nvGrpSpPr>
+        <p:cNvPr id="1" name=""/>
+        <p:cNvGrpSpPr/>
+        <p:nvPr/>
+      </p:nvGrpSpPr>
+      <p:grpSpPr>
+        <a:xfrm>
+          <a:off x="0" y="0"/>
+          <a:ext cx="0" cy="0"/>
+          <a:chOff x="0" y="0"/>
+          <a:chExt cx="0" cy="0"/>
+        </a:xfrm>
+      </p:grpSpPr>
+      <p:sp>
+        <p:nvSpPr>
+          <p:cNvPr id="2" name="Title 1"/>
+          <p:cNvSpPr>
+            <a:spLocks noGrp="1"/>
+          </p:cNvSpPr>
+          <p:nvPr>
+            <p:ph type="title"/>
+          </p:nvPr>
+        </p:nvSpPr>
+        <p:spPr/>
+        <p:txBody>
+          <a:bodyPr/>
+          <a:lstStyle/>
+          <a:p>
+            <a:r>
+              <a:rPr lang="en-US" dirty="0" smtClean="0"/>
               <a:t>Potential discussion topics</a:t>
             </a:r>
             <a:endParaRPr lang="en-US" dirty="0"/>
@@ -3761,7 +4152,7 @@
           <a:p>
             <a:r>
               <a:rPr lang="en-US" dirty="0" smtClean="0"/>
-              <a:t>Local code-book creation</a:t>
+              <a:t>Local code-book creation – Interest Point Detection</a:t>
             </a:r>
             <a:endParaRPr lang="en-US" dirty="0"/>
           </a:p>
@@ -3769,72 +4160,74 @@
       </p:sp>
       <p:sp>
         <p:nvSpPr>
-          <p:cNvPr id="5" name="TextBox 4"/>
-          <p:cNvSpPr txBox="1"/>
-          <p:nvPr/>
-        </p:nvSpPr>
-        <p:spPr>
-          <a:xfrm>
-            <a:off x="660892" y="5377653"/>
-            <a:ext cx="2604687" cy="646331"/>
-          </a:xfrm>
-          <a:prstGeom prst="rect">
-            <a:avLst/>
-          </a:prstGeom>
-          <a:noFill/>
-        </p:spPr>
-        <p:txBody>
-          <a:bodyPr wrap="none" rtlCol="0">
-            <a:spAutoFit/>
-          </a:bodyPr>
-          <a:lstStyle/>
-          <a:p>
-            <a:r>
-              <a:rPr lang="en-US" b="1" dirty="0" smtClean="0"/>
-              <a:t>Training images + </a:t>
-            </a:r>
-          </a:p>
-          <a:p>
-            <a:r>
-              <a:rPr lang="en-US" b="1" dirty="0" smtClean="0"/>
-              <a:t>Labels (object categories)</a:t>
+          <p:cNvPr id="3" name="Content Placeholder 2"/>
+          <p:cNvSpPr>
+            <a:spLocks noGrp="1"/>
+          </p:cNvSpPr>
+          <p:nvPr>
+            <p:ph idx="1"/>
+          </p:nvPr>
+        </p:nvSpPr>
+        <p:spPr/>
+        <p:txBody>
+          <a:bodyPr/>
+          <a:lstStyle/>
+          <a:p>
+            <a:r>
+              <a:rPr lang="en-US" dirty="0" smtClean="0"/>
+              <a:t>First, detect interest points using Harris detectors</a:t>
+            </a:r>
+          </a:p>
+          <a:p>
+            <a:pPr lvl="1"/>
+            <a:r>
+              <a:rPr lang="en-US" dirty="0" smtClean="0"/>
+              <a:t>Compute sample covariance matrix M for (2D) intensity gradient at each pixel.</a:t>
+            </a:r>
+          </a:p>
+          <a:p>
+            <a:pPr lvl="1"/>
+            <a:r>
+              <a:rPr lang="en-US" dirty="0" smtClean="0"/>
+              <a:t>Compute corner response (C = f(</a:t>
+            </a:r>
+            <a:r>
+              <a:rPr lang="en-US" dirty="0" err="1" smtClean="0"/>
+              <a:t>EigenVals</a:t>
+            </a:r>
+            <a:r>
+              <a:rPr lang="en-US" dirty="0" smtClean="0"/>
+              <a:t>(M))). </a:t>
+            </a:r>
+          </a:p>
+          <a:p>
+            <a:pPr lvl="1"/>
+            <a:r>
+              <a:rPr lang="en-US" dirty="0" smtClean="0"/>
+              <a:t>Interest points – maxima of </a:t>
+            </a:r>
+            <a:r>
+              <a:rPr lang="en-US" dirty="0" err="1" smtClean="0"/>
+              <a:t>thresholded</a:t>
+            </a:r>
+            <a:r>
+              <a:rPr lang="en-US" dirty="0" smtClean="0"/>
+              <a:t> C.</a:t>
+            </a:r>
+          </a:p>
+          <a:p>
+            <a:pPr lvl="1"/>
+            <a:r>
+              <a:rPr lang="en-US" dirty="0" smtClean="0"/>
+              <a:t>Take 25X25 pixel patches.</a:t>
             </a:r>
             <a:endParaRPr lang="en-US" b="1" dirty="0"/>
-          </a:p>
-        </p:txBody>
-      </p:sp>
-      <p:sp>
-        <p:nvSpPr>
-          <p:cNvPr id="6" name="Rectangle 5"/>
-          <p:cNvSpPr/>
-          <p:nvPr/>
-        </p:nvSpPr>
-        <p:spPr>
-          <a:xfrm>
-            <a:off x="1389243" y="4698421"/>
-            <a:ext cx="498855" cy="369332"/>
-          </a:xfrm>
-          <a:prstGeom prst="rect">
-            <a:avLst/>
-          </a:prstGeom>
-        </p:spPr>
-        <p:txBody>
-          <a:bodyPr wrap="none">
-            <a:spAutoFit/>
-          </a:bodyPr>
-          <a:lstStyle/>
-          <a:p>
-            <a:r>
-              <a:rPr lang="en-US" dirty="0" smtClean="0"/>
-              <a:t>Car</a:t>
-            </a:r>
-            <a:endParaRPr lang="en-US" dirty="0"/>
           </a:p>
         </p:txBody>
       </p:sp>
       <p:pic>
         <p:nvPicPr>
-          <p:cNvPr id="8" name="Picture 7"/>
+          <p:cNvPr id="15" name="Picture 14"/>
           <p:cNvPicPr>
             <a:picLocks noChangeAspect="1"/>
           </p:cNvPicPr>
@@ -3848,8 +4241,8 @@
         </p:blipFill>
         <p:spPr>
           <a:xfrm>
-            <a:off x="7281096" y="2563122"/>
-            <a:ext cx="3686891" cy="493780"/>
+            <a:off x="7461873" y="2689224"/>
+            <a:ext cx="990600" cy="1504950"/>
           </a:xfrm>
           <a:prstGeom prst="rect">
             <a:avLst/>
@@ -3858,7 +4251,7 @@
       </p:pic>
       <p:pic>
         <p:nvPicPr>
-          <p:cNvPr id="9" name="Picture 8"/>
+          <p:cNvPr id="16" name="Picture 15"/>
           <p:cNvPicPr>
             <a:picLocks noChangeAspect="1"/>
           </p:cNvPicPr>
@@ -3872,8 +4265,8 @@
         </p:blipFill>
         <p:spPr>
           <a:xfrm>
-            <a:off x="7211397" y="3042488"/>
-            <a:ext cx="3569068" cy="547257"/>
+            <a:off x="8474386" y="2698749"/>
+            <a:ext cx="952500" cy="1495425"/>
           </a:xfrm>
           <a:prstGeom prst="rect">
             <a:avLst/>
@@ -3882,7 +4275,7 @@
       </p:pic>
       <p:pic>
         <p:nvPicPr>
-          <p:cNvPr id="10" name="Picture 9"/>
+          <p:cNvPr id="18" name="Picture 17"/>
           <p:cNvPicPr>
             <a:picLocks noChangeAspect="1"/>
           </p:cNvPicPr>
@@ -3896,8 +4289,449 @@
         </p:blipFill>
         <p:spPr>
           <a:xfrm>
-            <a:off x="7211397" y="3646168"/>
-            <a:ext cx="3817823" cy="519432"/>
+            <a:off x="11033705" y="2714943"/>
+            <a:ext cx="1028461" cy="1504950"/>
+          </a:xfrm>
+          <a:prstGeom prst="rect">
+            <a:avLst/>
+          </a:prstGeom>
+        </p:spPr>
+      </p:pic>
+      <p:sp>
+        <p:nvSpPr>
+          <p:cNvPr id="19" name="Oval 18"/>
+          <p:cNvSpPr/>
+          <p:nvPr/>
+        </p:nvSpPr>
+        <p:spPr>
+          <a:xfrm>
+            <a:off x="11328400" y="3379154"/>
+            <a:ext cx="60960" cy="71120"/>
+          </a:xfrm>
+          <a:prstGeom prst="ellipse">
+            <a:avLst/>
+          </a:prstGeom>
+        </p:spPr>
+        <p:style>
+          <a:lnRef idx="2">
+            <a:schemeClr val="accent1">
+              <a:shade val="50000"/>
+            </a:schemeClr>
+          </a:lnRef>
+          <a:fillRef idx="1">
+            <a:schemeClr val="accent1"/>
+          </a:fillRef>
+          <a:effectRef idx="0">
+            <a:schemeClr val="accent1"/>
+          </a:effectRef>
+          <a:fontRef idx="minor">
+            <a:schemeClr val="lt1"/>
+          </a:fontRef>
+        </p:style>
+        <p:txBody>
+          <a:bodyPr rtlCol="0" anchor="ctr"/>
+          <a:lstStyle/>
+          <a:p>
+            <a:pPr algn="ctr"/>
+            <a:endParaRPr lang="en-US"/>
+          </a:p>
+        </p:txBody>
+      </p:sp>
+      <p:sp>
+        <p:nvSpPr>
+          <p:cNvPr id="21" name="Oval 20"/>
+          <p:cNvSpPr/>
+          <p:nvPr/>
+        </p:nvSpPr>
+        <p:spPr>
+          <a:xfrm>
+            <a:off x="11308080" y="3816034"/>
+            <a:ext cx="60960" cy="71120"/>
+          </a:xfrm>
+          <a:prstGeom prst="ellipse">
+            <a:avLst/>
+          </a:prstGeom>
+        </p:spPr>
+        <p:style>
+          <a:lnRef idx="2">
+            <a:schemeClr val="accent1">
+              <a:shade val="50000"/>
+            </a:schemeClr>
+          </a:lnRef>
+          <a:fillRef idx="1">
+            <a:schemeClr val="accent1"/>
+          </a:fillRef>
+          <a:effectRef idx="0">
+            <a:schemeClr val="accent1"/>
+          </a:effectRef>
+          <a:fontRef idx="minor">
+            <a:schemeClr val="lt1"/>
+          </a:fontRef>
+        </p:style>
+        <p:txBody>
+          <a:bodyPr rtlCol="0" anchor="ctr"/>
+          <a:lstStyle/>
+          <a:p>
+            <a:pPr algn="ctr"/>
+            <a:endParaRPr lang="en-US"/>
+          </a:p>
+        </p:txBody>
+      </p:sp>
+      <p:sp>
+        <p:nvSpPr>
+          <p:cNvPr id="22" name="Oval 21"/>
+          <p:cNvSpPr/>
+          <p:nvPr/>
+        </p:nvSpPr>
+        <p:spPr>
+          <a:xfrm>
+            <a:off x="11612880" y="3175954"/>
+            <a:ext cx="60960" cy="71120"/>
+          </a:xfrm>
+          <a:prstGeom prst="ellipse">
+            <a:avLst/>
+          </a:prstGeom>
+        </p:spPr>
+        <p:style>
+          <a:lnRef idx="2">
+            <a:schemeClr val="accent1">
+              <a:shade val="50000"/>
+            </a:schemeClr>
+          </a:lnRef>
+          <a:fillRef idx="1">
+            <a:schemeClr val="accent1"/>
+          </a:fillRef>
+          <a:effectRef idx="0">
+            <a:schemeClr val="accent1"/>
+          </a:effectRef>
+          <a:fontRef idx="minor">
+            <a:schemeClr val="lt1"/>
+          </a:fontRef>
+        </p:style>
+        <p:txBody>
+          <a:bodyPr rtlCol="0" anchor="ctr"/>
+          <a:lstStyle/>
+          <a:p>
+            <a:pPr algn="ctr"/>
+            <a:endParaRPr lang="en-US"/>
+          </a:p>
+        </p:txBody>
+      </p:sp>
+      <p:sp>
+        <p:nvSpPr>
+          <p:cNvPr id="24" name="Oval 23"/>
+          <p:cNvSpPr/>
+          <p:nvPr/>
+        </p:nvSpPr>
+        <p:spPr>
+          <a:xfrm>
+            <a:off x="11450320" y="3927794"/>
+            <a:ext cx="60960" cy="71120"/>
+          </a:xfrm>
+          <a:prstGeom prst="ellipse">
+            <a:avLst/>
+          </a:prstGeom>
+        </p:spPr>
+        <p:style>
+          <a:lnRef idx="2">
+            <a:schemeClr val="accent1">
+              <a:shade val="50000"/>
+            </a:schemeClr>
+          </a:lnRef>
+          <a:fillRef idx="1">
+            <a:schemeClr val="accent1"/>
+          </a:fillRef>
+          <a:effectRef idx="0">
+            <a:schemeClr val="accent1"/>
+          </a:effectRef>
+          <a:fontRef idx="minor">
+            <a:schemeClr val="lt1"/>
+          </a:fontRef>
+        </p:style>
+        <p:txBody>
+          <a:bodyPr rtlCol="0" anchor="ctr"/>
+          <a:lstStyle/>
+          <a:p>
+            <a:pPr algn="ctr"/>
+            <a:endParaRPr lang="en-US"/>
+          </a:p>
+        </p:txBody>
+      </p:sp>
+      <p:sp>
+        <p:nvSpPr>
+          <p:cNvPr id="25" name="Oval 24"/>
+          <p:cNvSpPr/>
+          <p:nvPr/>
+        </p:nvSpPr>
+        <p:spPr>
+          <a:xfrm>
+            <a:off x="11907520" y="3663634"/>
+            <a:ext cx="60960" cy="71120"/>
+          </a:xfrm>
+          <a:prstGeom prst="ellipse">
+            <a:avLst/>
+          </a:prstGeom>
+        </p:spPr>
+        <p:style>
+          <a:lnRef idx="2">
+            <a:schemeClr val="accent1">
+              <a:shade val="50000"/>
+            </a:schemeClr>
+          </a:lnRef>
+          <a:fillRef idx="1">
+            <a:schemeClr val="accent1"/>
+          </a:fillRef>
+          <a:effectRef idx="0">
+            <a:schemeClr val="accent1"/>
+          </a:effectRef>
+          <a:fontRef idx="minor">
+            <a:schemeClr val="lt1"/>
+          </a:fontRef>
+        </p:style>
+        <p:txBody>
+          <a:bodyPr rtlCol="0" anchor="ctr"/>
+          <a:lstStyle/>
+          <a:p>
+            <a:pPr algn="ctr"/>
+            <a:endParaRPr lang="en-US"/>
+          </a:p>
+        </p:txBody>
+      </p:sp>
+      <p:sp>
+        <p:nvSpPr>
+          <p:cNvPr id="26" name="Oval 25"/>
+          <p:cNvSpPr/>
+          <p:nvPr/>
+        </p:nvSpPr>
+        <p:spPr>
+          <a:xfrm>
+            <a:off x="11673840" y="3501074"/>
+            <a:ext cx="60960" cy="71120"/>
+          </a:xfrm>
+          <a:prstGeom prst="ellipse">
+            <a:avLst/>
+          </a:prstGeom>
+        </p:spPr>
+        <p:style>
+          <a:lnRef idx="2">
+            <a:schemeClr val="accent1">
+              <a:shade val="50000"/>
+            </a:schemeClr>
+          </a:lnRef>
+          <a:fillRef idx="1">
+            <a:schemeClr val="accent1"/>
+          </a:fillRef>
+          <a:effectRef idx="0">
+            <a:schemeClr val="accent1"/>
+          </a:effectRef>
+          <a:fontRef idx="minor">
+            <a:schemeClr val="lt1"/>
+          </a:fontRef>
+        </p:style>
+        <p:txBody>
+          <a:bodyPr rtlCol="0" anchor="ctr"/>
+          <a:lstStyle/>
+          <a:p>
+            <a:pPr algn="ctr"/>
+            <a:endParaRPr lang="en-US"/>
+          </a:p>
+        </p:txBody>
+      </p:sp>
+      <p:sp>
+        <p:nvSpPr>
+          <p:cNvPr id="27" name="Oval 26"/>
+          <p:cNvSpPr/>
+          <p:nvPr/>
+        </p:nvSpPr>
+        <p:spPr>
+          <a:xfrm>
+            <a:off x="11389360" y="2739074"/>
+            <a:ext cx="60960" cy="71120"/>
+          </a:xfrm>
+          <a:prstGeom prst="ellipse">
+            <a:avLst/>
+          </a:prstGeom>
+        </p:spPr>
+        <p:style>
+          <a:lnRef idx="2">
+            <a:schemeClr val="accent1">
+              <a:shade val="50000"/>
+            </a:schemeClr>
+          </a:lnRef>
+          <a:fillRef idx="1">
+            <a:schemeClr val="accent1"/>
+          </a:fillRef>
+          <a:effectRef idx="0">
+            <a:schemeClr val="accent1"/>
+          </a:effectRef>
+          <a:fontRef idx="minor">
+            <a:schemeClr val="lt1"/>
+          </a:fontRef>
+        </p:style>
+        <p:txBody>
+          <a:bodyPr rtlCol="0" anchor="ctr"/>
+          <a:lstStyle/>
+          <a:p>
+            <a:pPr algn="ctr"/>
+            <a:endParaRPr lang="en-US"/>
+          </a:p>
+        </p:txBody>
+      </p:sp>
+      <p:pic>
+        <p:nvPicPr>
+          <p:cNvPr id="28" name="Picture 27"/>
+          <p:cNvPicPr>
+            <a:picLocks noChangeAspect="1"/>
+          </p:cNvPicPr>
+          <p:nvPr/>
+        </p:nvPicPr>
+        <p:blipFill>
+          <a:blip r:embed="rId5"/>
+          <a:stretch>
+            <a:fillRect/>
+          </a:stretch>
+        </p:blipFill>
+        <p:spPr>
+          <a:xfrm>
+            <a:off x="9468571" y="2714943"/>
+            <a:ext cx="916380" cy="1479232"/>
+          </a:xfrm>
+          <a:prstGeom prst="rect">
+            <a:avLst/>
+          </a:prstGeom>
+        </p:spPr>
+      </p:pic>
+      <p:cxnSp>
+        <p:nvCxnSpPr>
+          <p:cNvPr id="30" name="Straight Arrow Connector 29"/>
+          <p:cNvCxnSpPr/>
+          <p:nvPr/>
+        </p:nvCxnSpPr>
+        <p:spPr>
+          <a:xfrm>
+            <a:off x="10515600" y="3379154"/>
+            <a:ext cx="386080" cy="0"/>
+          </a:xfrm>
+          <a:prstGeom prst="straightConnector1">
+            <a:avLst/>
+          </a:prstGeom>
+          <a:ln>
+            <a:tailEnd type="triangle"/>
+          </a:ln>
+        </p:spPr>
+        <p:style>
+          <a:lnRef idx="1">
+            <a:schemeClr val="accent1"/>
+          </a:lnRef>
+          <a:fillRef idx="0">
+            <a:schemeClr val="accent1"/>
+          </a:fillRef>
+          <a:effectRef idx="0">
+            <a:schemeClr val="accent1"/>
+          </a:effectRef>
+          <a:fontRef idx="minor">
+            <a:schemeClr val="tx1"/>
+          </a:fontRef>
+        </p:style>
+      </p:cxnSp>
+      <p:sp>
+        <p:nvSpPr>
+          <p:cNvPr id="31" name="Oval 30"/>
+          <p:cNvSpPr/>
+          <p:nvPr/>
+        </p:nvSpPr>
+        <p:spPr>
+          <a:xfrm>
+            <a:off x="11775440" y="3897314"/>
+            <a:ext cx="60960" cy="71120"/>
+          </a:xfrm>
+          <a:prstGeom prst="ellipse">
+            <a:avLst/>
+          </a:prstGeom>
+        </p:spPr>
+        <p:style>
+          <a:lnRef idx="2">
+            <a:schemeClr val="accent1">
+              <a:shade val="50000"/>
+            </a:schemeClr>
+          </a:lnRef>
+          <a:fillRef idx="1">
+            <a:schemeClr val="accent1"/>
+          </a:fillRef>
+          <a:effectRef idx="0">
+            <a:schemeClr val="accent1"/>
+          </a:effectRef>
+          <a:fontRef idx="minor">
+            <a:schemeClr val="lt1"/>
+          </a:fontRef>
+        </p:style>
+        <p:txBody>
+          <a:bodyPr rtlCol="0" anchor="ctr"/>
+          <a:lstStyle/>
+          <a:p>
+            <a:pPr algn="ctr"/>
+            <a:endParaRPr lang="en-US"/>
+          </a:p>
+        </p:txBody>
+      </p:sp>
+      <p:sp>
+        <p:nvSpPr>
+          <p:cNvPr id="32" name="Oval 31"/>
+          <p:cNvSpPr/>
+          <p:nvPr/>
+        </p:nvSpPr>
+        <p:spPr>
+          <a:xfrm>
+            <a:off x="11155680" y="3582354"/>
+            <a:ext cx="60960" cy="71120"/>
+          </a:xfrm>
+          <a:prstGeom prst="ellipse">
+            <a:avLst/>
+          </a:prstGeom>
+        </p:spPr>
+        <p:style>
+          <a:lnRef idx="2">
+            <a:schemeClr val="accent1">
+              <a:shade val="50000"/>
+            </a:schemeClr>
+          </a:lnRef>
+          <a:fillRef idx="1">
+            <a:schemeClr val="accent1"/>
+          </a:fillRef>
+          <a:effectRef idx="0">
+            <a:schemeClr val="accent1"/>
+          </a:effectRef>
+          <a:fontRef idx="minor">
+            <a:schemeClr val="lt1"/>
+          </a:fontRef>
+        </p:style>
+        <p:txBody>
+          <a:bodyPr rtlCol="0" anchor="ctr"/>
+          <a:lstStyle/>
+          <a:p>
+            <a:pPr algn="ctr"/>
+            <a:endParaRPr lang="en-US"/>
+          </a:p>
+        </p:txBody>
+      </p:sp>
+      <p:pic>
+        <p:nvPicPr>
+          <p:cNvPr id="36" name="Picture 35"/>
+          <p:cNvPicPr>
+            <a:picLocks noChangeAspect="1"/>
+          </p:cNvPicPr>
+          <p:nvPr/>
+        </p:nvPicPr>
+        <p:blipFill>
+          <a:blip r:embed="rId6"/>
+          <a:stretch>
+            <a:fillRect/>
+          </a:stretch>
+        </p:blipFill>
+        <p:spPr>
+          <a:xfrm>
+            <a:off x="5490754" y="4219893"/>
+            <a:ext cx="1411593" cy="1332191"/>
           </a:xfrm>
           <a:prstGeom prst="rect">
             <a:avLst/>
@@ -3906,21 +4740,22 @@
       </p:pic>
       <p:pic>
         <p:nvPicPr>
-          <p:cNvPr id="23" name="Picture 22"/>
+          <p:cNvPr id="37" name="Picture 36"/>
           <p:cNvPicPr>
             <a:picLocks noChangeAspect="1"/>
           </p:cNvPicPr>
           <p:nvPr/>
         </p:nvPicPr>
-        <p:blipFill rotWithShape="1">
-          <a:blip r:embed="rId5"/>
-          <a:srcRect t="-1" b="50735"/>
-          <a:stretch/>
+        <p:blipFill>
+          <a:blip r:embed="rId7"/>
+          <a:stretch>
+            <a:fillRect/>
+          </a:stretch>
         </p:blipFill>
         <p:spPr>
           <a:xfrm>
-            <a:off x="3630859" y="2641686"/>
-            <a:ext cx="3093252" cy="1523914"/>
+            <a:off x="3746091" y="4219893"/>
+            <a:ext cx="1500823" cy="1332191"/>
           </a:xfrm>
           <a:prstGeom prst="rect">
             <a:avLst/>
@@ -3929,13 +4764,13 @@
       </p:pic>
       <p:sp>
         <p:nvSpPr>
-          <p:cNvPr id="24" name="Rectangle 23"/>
+          <p:cNvPr id="38" name="Rectangle 37"/>
           <p:cNvSpPr/>
           <p:nvPr/>
         </p:nvSpPr>
         <p:spPr>
           <a:xfrm>
-            <a:off x="5547523" y="3526917"/>
+            <a:off x="6564984" y="4674985"/>
             <a:ext cx="183148" cy="211003"/>
           </a:xfrm>
           <a:prstGeom prst="rect">
@@ -3965,7 +4800,7 @@
             <a:pPr algn="ctr"/>
             <a:r>
               <a:rPr lang="en-US" dirty="0" smtClean="0"/>
-              <a:t>3</a:t>
+              <a:t>6</a:t>
             </a:r>
             <a:endParaRPr lang="en-US" dirty="0"/>
           </a:p>
@@ -3973,13 +4808,13 @@
       </p:sp>
       <p:sp>
         <p:nvSpPr>
-          <p:cNvPr id="25" name="Rectangle 24"/>
+          <p:cNvPr id="39" name="Rectangle 38"/>
           <p:cNvSpPr/>
           <p:nvPr/>
         </p:nvSpPr>
         <p:spPr>
           <a:xfrm>
-            <a:off x="4732419" y="3534649"/>
+            <a:off x="6196550" y="4548792"/>
             <a:ext cx="183148" cy="211003"/>
           </a:xfrm>
           <a:prstGeom prst="rect">
@@ -4009,778 +4844,7 @@
             <a:pPr algn="ctr"/>
             <a:r>
               <a:rPr lang="en-US" dirty="0" smtClean="0"/>
-              <a:t>6</a:t>
-            </a:r>
-            <a:endParaRPr lang="en-US" dirty="0"/>
-          </a:p>
-        </p:txBody>
-      </p:sp>
-      <p:sp>
-        <p:nvSpPr>
-          <p:cNvPr id="26" name="Rectangle 25"/>
-          <p:cNvSpPr/>
-          <p:nvPr/>
-        </p:nvSpPr>
-        <p:spPr>
-          <a:xfrm>
-            <a:off x="6434992" y="3508774"/>
-            <a:ext cx="183148" cy="211003"/>
-          </a:xfrm>
-          <a:prstGeom prst="rect">
-            <a:avLst/>
-          </a:prstGeom>
-        </p:spPr>
-        <p:style>
-          <a:lnRef idx="2">
-            <a:schemeClr val="accent2">
-              <a:shade val="50000"/>
-            </a:schemeClr>
-          </a:lnRef>
-          <a:fillRef idx="1">
-            <a:schemeClr val="accent2"/>
-          </a:fillRef>
-          <a:effectRef idx="0">
-            <a:schemeClr val="accent2"/>
-          </a:effectRef>
-          <a:fontRef idx="minor">
-            <a:schemeClr val="lt1"/>
-          </a:fontRef>
-        </p:style>
-        <p:txBody>
-          <a:bodyPr rtlCol="0" anchor="ctr"/>
-          <a:lstStyle/>
-          <a:p>
-            <a:pPr algn="ctr"/>
-            <a:r>
-              <a:rPr lang="en-US" dirty="0" smtClean="0"/>
-              <a:t>1</a:t>
-            </a:r>
-            <a:endParaRPr lang="en-US" dirty="0"/>
-          </a:p>
-        </p:txBody>
-      </p:sp>
-      <p:sp>
-        <p:nvSpPr>
-          <p:cNvPr id="27" name="Rectangle 26"/>
-          <p:cNvSpPr/>
-          <p:nvPr/>
-        </p:nvSpPr>
-        <p:spPr>
-          <a:xfrm>
-            <a:off x="6192240" y="3508775"/>
-            <a:ext cx="183148" cy="211003"/>
-          </a:xfrm>
-          <a:prstGeom prst="rect">
-            <a:avLst/>
-          </a:prstGeom>
-        </p:spPr>
-        <p:style>
-          <a:lnRef idx="2">
-            <a:schemeClr val="accent2">
-              <a:shade val="50000"/>
-            </a:schemeClr>
-          </a:lnRef>
-          <a:fillRef idx="1">
-            <a:schemeClr val="accent2"/>
-          </a:fillRef>
-          <a:effectRef idx="0">
-            <a:schemeClr val="accent2"/>
-          </a:effectRef>
-          <a:fontRef idx="minor">
-            <a:schemeClr val="lt1"/>
-          </a:fontRef>
-        </p:style>
-        <p:txBody>
-          <a:bodyPr rtlCol="0" anchor="ctr"/>
-          <a:lstStyle/>
-          <a:p>
-            <a:pPr algn="ctr"/>
-            <a:r>
-              <a:rPr lang="en-US" dirty="0" smtClean="0"/>
-              <a:t>2</a:t>
-            </a:r>
-            <a:endParaRPr lang="en-US" dirty="0"/>
-          </a:p>
-        </p:txBody>
-      </p:sp>
-      <p:sp>
-        <p:nvSpPr>
-          <p:cNvPr id="28" name="Rectangle 27"/>
-          <p:cNvSpPr/>
-          <p:nvPr/>
-        </p:nvSpPr>
-        <p:spPr>
-          <a:xfrm>
-            <a:off x="5307687" y="3525854"/>
-            <a:ext cx="183148" cy="211003"/>
-          </a:xfrm>
-          <a:prstGeom prst="rect">
-            <a:avLst/>
-          </a:prstGeom>
-        </p:spPr>
-        <p:style>
-          <a:lnRef idx="2">
-            <a:schemeClr val="accent2">
-              <a:shade val="50000"/>
-            </a:schemeClr>
-          </a:lnRef>
-          <a:fillRef idx="1">
-            <a:schemeClr val="accent2"/>
-          </a:fillRef>
-          <a:effectRef idx="0">
-            <a:schemeClr val="accent2"/>
-          </a:effectRef>
-          <a:fontRef idx="minor">
-            <a:schemeClr val="lt1"/>
-          </a:fontRef>
-        </p:style>
-        <p:txBody>
-          <a:bodyPr rtlCol="0" anchor="ctr"/>
-          <a:lstStyle/>
-          <a:p>
-            <a:pPr algn="ctr"/>
-            <a:r>
-              <a:rPr lang="en-US" dirty="0" smtClean="0"/>
-              <a:t>4</a:t>
-            </a:r>
-            <a:endParaRPr lang="en-US" dirty="0"/>
-          </a:p>
-        </p:txBody>
-      </p:sp>
-      <p:sp>
-        <p:nvSpPr>
-          <p:cNvPr id="29" name="Rectangle 28"/>
-          <p:cNvSpPr/>
-          <p:nvPr/>
-        </p:nvSpPr>
-        <p:spPr>
-          <a:xfrm>
-            <a:off x="3822720" y="3544587"/>
-            <a:ext cx="183148" cy="211003"/>
-          </a:xfrm>
-          <a:prstGeom prst="rect">
-            <a:avLst/>
-          </a:prstGeom>
-        </p:spPr>
-        <p:style>
-          <a:lnRef idx="2">
-            <a:schemeClr val="accent2">
-              <a:shade val="50000"/>
-            </a:schemeClr>
-          </a:lnRef>
-          <a:fillRef idx="1">
-            <a:schemeClr val="accent2"/>
-          </a:fillRef>
-          <a:effectRef idx="0">
-            <a:schemeClr val="accent2"/>
-          </a:effectRef>
-          <a:fontRef idx="minor">
-            <a:schemeClr val="lt1"/>
-          </a:fontRef>
-        </p:style>
-        <p:txBody>
-          <a:bodyPr rtlCol="0" anchor="ctr"/>
-          <a:lstStyle/>
-          <a:p>
-            <a:pPr algn="ctr"/>
-            <a:r>
-              <a:rPr lang="en-US" dirty="0"/>
-              <a:t>8</a:t>
-            </a:r>
-          </a:p>
-        </p:txBody>
-      </p:sp>
-      <p:sp>
-        <p:nvSpPr>
-          <p:cNvPr id="30" name="Rectangle 29"/>
-          <p:cNvSpPr/>
-          <p:nvPr/>
-        </p:nvSpPr>
-        <p:spPr>
-          <a:xfrm>
-            <a:off x="4958964" y="3535792"/>
-            <a:ext cx="183148" cy="211003"/>
-          </a:xfrm>
-          <a:prstGeom prst="rect">
-            <a:avLst/>
-          </a:prstGeom>
-        </p:spPr>
-        <p:style>
-          <a:lnRef idx="2">
-            <a:schemeClr val="accent2">
-              <a:shade val="50000"/>
-            </a:schemeClr>
-          </a:lnRef>
-          <a:fillRef idx="1">
-            <a:schemeClr val="accent2"/>
-          </a:fillRef>
-          <a:effectRef idx="0">
-            <a:schemeClr val="accent2"/>
-          </a:effectRef>
-          <a:fontRef idx="minor">
-            <a:schemeClr val="lt1"/>
-          </a:fontRef>
-        </p:style>
-        <p:txBody>
-          <a:bodyPr rtlCol="0" anchor="ctr"/>
-          <a:lstStyle/>
-          <a:p>
-            <a:pPr algn="ctr"/>
-            <a:r>
-              <a:rPr lang="en-US" dirty="0" smtClean="0"/>
               <a:t>5</a:t>
-            </a:r>
-            <a:endParaRPr lang="en-US" dirty="0"/>
-          </a:p>
-        </p:txBody>
-      </p:sp>
-      <p:sp>
-        <p:nvSpPr>
-          <p:cNvPr id="31" name="Rectangle 30"/>
-          <p:cNvSpPr/>
-          <p:nvPr/>
-        </p:nvSpPr>
-        <p:spPr>
-          <a:xfrm>
-            <a:off x="4049333" y="3544587"/>
-            <a:ext cx="183148" cy="211003"/>
-          </a:xfrm>
-          <a:prstGeom prst="rect">
-            <a:avLst/>
-          </a:prstGeom>
-        </p:spPr>
-        <p:style>
-          <a:lnRef idx="2">
-            <a:schemeClr val="accent2">
-              <a:shade val="50000"/>
-            </a:schemeClr>
-          </a:lnRef>
-          <a:fillRef idx="1">
-            <a:schemeClr val="accent2"/>
-          </a:fillRef>
-          <a:effectRef idx="0">
-            <a:schemeClr val="accent2"/>
-          </a:effectRef>
-          <a:fontRef idx="minor">
-            <a:schemeClr val="lt1"/>
-          </a:fontRef>
-        </p:style>
-        <p:txBody>
-          <a:bodyPr rtlCol="0" anchor="ctr"/>
-          <a:lstStyle/>
-          <a:p>
-            <a:pPr algn="ctr"/>
-            <a:r>
-              <a:rPr lang="en-US" dirty="0" smtClean="0"/>
-              <a:t>7</a:t>
-            </a:r>
-            <a:endParaRPr lang="en-US" dirty="0"/>
-          </a:p>
-        </p:txBody>
-      </p:sp>
-      <p:pic>
-        <p:nvPicPr>
-          <p:cNvPr id="32" name="Picture 31"/>
-          <p:cNvPicPr>
-            <a:picLocks noChangeAspect="1"/>
-          </p:cNvPicPr>
-          <p:nvPr/>
-        </p:nvPicPr>
-        <p:blipFill>
-          <a:blip r:embed="rId6"/>
-          <a:stretch>
-            <a:fillRect/>
-          </a:stretch>
-        </p:blipFill>
-        <p:spPr>
-          <a:xfrm>
-            <a:off x="660892" y="1690688"/>
-            <a:ext cx="1955558" cy="3007733"/>
-          </a:xfrm>
-          <a:prstGeom prst="rect">
-            <a:avLst/>
-          </a:prstGeom>
-        </p:spPr>
-      </p:pic>
-      <p:sp>
-        <p:nvSpPr>
-          <p:cNvPr id="34" name="TextBox 33"/>
-          <p:cNvSpPr txBox="1"/>
-          <p:nvPr/>
-        </p:nvSpPr>
-        <p:spPr>
-          <a:xfrm>
-            <a:off x="4121045" y="4402199"/>
-            <a:ext cx="2536592" cy="923330"/>
-          </a:xfrm>
-          <a:prstGeom prst="rect">
-            <a:avLst/>
-          </a:prstGeom>
-          <a:noFill/>
-        </p:spPr>
-        <p:txBody>
-          <a:bodyPr wrap="none" rtlCol="0">
-            <a:spAutoFit/>
-          </a:bodyPr>
-          <a:lstStyle/>
-          <a:p>
-            <a:r>
-              <a:rPr lang="en-US" b="1" dirty="0" smtClean="0"/>
-              <a:t>Interest Point Detection</a:t>
-            </a:r>
-          </a:p>
-          <a:p>
-            <a:r>
-              <a:rPr lang="en-US" b="1" dirty="0" smtClean="0"/>
-              <a:t>      (Harris Detector)</a:t>
-            </a:r>
-          </a:p>
-          <a:p>
-            <a:r>
-              <a:rPr lang="en-US" b="1" dirty="0" smtClean="0"/>
-              <a:t>      25 X 25 </a:t>
-            </a:r>
-            <a:r>
-              <a:rPr lang="en-US" b="1" dirty="0" err="1" smtClean="0"/>
-              <a:t>px</a:t>
-            </a:r>
-            <a:r>
-              <a:rPr lang="en-US" b="1" dirty="0" smtClean="0"/>
-              <a:t> patches</a:t>
-            </a:r>
-            <a:endParaRPr lang="en-US" b="1" dirty="0"/>
-          </a:p>
-        </p:txBody>
-      </p:sp>
-      <p:sp>
-        <p:nvSpPr>
-          <p:cNvPr id="35" name="TextBox 34"/>
-          <p:cNvSpPr txBox="1"/>
-          <p:nvPr/>
-        </p:nvSpPr>
-        <p:spPr>
-          <a:xfrm>
-            <a:off x="8570838" y="4402199"/>
-            <a:ext cx="1718163" cy="369332"/>
-          </a:xfrm>
-          <a:prstGeom prst="rect">
-            <a:avLst/>
-          </a:prstGeom>
-          <a:noFill/>
-        </p:spPr>
-        <p:txBody>
-          <a:bodyPr wrap="none" rtlCol="0">
-            <a:spAutoFit/>
-          </a:bodyPr>
-          <a:lstStyle/>
-          <a:p>
-            <a:r>
-              <a:rPr lang="en-US" b="1" dirty="0" smtClean="0"/>
-              <a:t>Patch Clustering</a:t>
-            </a:r>
-          </a:p>
-        </p:txBody>
-      </p:sp>
-      <p:pic>
-        <p:nvPicPr>
-          <p:cNvPr id="36" name="Picture 35"/>
-          <p:cNvPicPr>
-            <a:picLocks noChangeAspect="1"/>
-          </p:cNvPicPr>
-          <p:nvPr/>
-        </p:nvPicPr>
-        <p:blipFill>
-          <a:blip r:embed="rId7"/>
-          <a:stretch>
-            <a:fillRect/>
-          </a:stretch>
-        </p:blipFill>
-        <p:spPr>
-          <a:xfrm>
-            <a:off x="10967987" y="2602927"/>
-            <a:ext cx="838200" cy="414170"/>
-          </a:xfrm>
-          <a:prstGeom prst="rect">
-            <a:avLst/>
-          </a:prstGeom>
-        </p:spPr>
-      </p:pic>
-      <p:sp>
-        <p:nvSpPr>
-          <p:cNvPr id="50" name="Rectangle 49"/>
-          <p:cNvSpPr/>
-          <p:nvPr/>
-        </p:nvSpPr>
-        <p:spPr>
-          <a:xfrm>
-            <a:off x="9641503" y="2298442"/>
-            <a:ext cx="183148" cy="211003"/>
-          </a:xfrm>
-          <a:prstGeom prst="rect">
-            <a:avLst/>
-          </a:prstGeom>
-        </p:spPr>
-        <p:style>
-          <a:lnRef idx="2">
-            <a:schemeClr val="accent2">
-              <a:shade val="50000"/>
-            </a:schemeClr>
-          </a:lnRef>
-          <a:fillRef idx="1">
-            <a:schemeClr val="accent2"/>
-          </a:fillRef>
-          <a:effectRef idx="0">
-            <a:schemeClr val="accent2"/>
-          </a:effectRef>
-          <a:fontRef idx="minor">
-            <a:schemeClr val="lt1"/>
-          </a:fontRef>
-        </p:style>
-        <p:txBody>
-          <a:bodyPr rtlCol="0" anchor="ctr"/>
-          <a:lstStyle/>
-          <a:p>
-            <a:pPr algn="ctr"/>
-            <a:r>
-              <a:rPr lang="en-US" dirty="0" smtClean="0"/>
-              <a:t>3</a:t>
-            </a:r>
-            <a:endParaRPr lang="en-US" dirty="0"/>
-          </a:p>
-        </p:txBody>
-      </p:sp>
-      <p:sp>
-        <p:nvSpPr>
-          <p:cNvPr id="51" name="Rectangle 50"/>
-          <p:cNvSpPr/>
-          <p:nvPr/>
-        </p:nvSpPr>
-        <p:spPr>
-          <a:xfrm>
-            <a:off x="8217892" y="2306637"/>
-            <a:ext cx="183148" cy="211003"/>
-          </a:xfrm>
-          <a:prstGeom prst="rect">
-            <a:avLst/>
-          </a:prstGeom>
-        </p:spPr>
-        <p:style>
-          <a:lnRef idx="2">
-            <a:schemeClr val="accent2">
-              <a:shade val="50000"/>
-            </a:schemeClr>
-          </a:lnRef>
-          <a:fillRef idx="1">
-            <a:schemeClr val="accent2"/>
-          </a:fillRef>
-          <a:effectRef idx="0">
-            <a:schemeClr val="accent2"/>
-          </a:effectRef>
-          <a:fontRef idx="minor">
-            <a:schemeClr val="lt1"/>
-          </a:fontRef>
-        </p:style>
-        <p:txBody>
-          <a:bodyPr rtlCol="0" anchor="ctr"/>
-          <a:lstStyle/>
-          <a:p>
-            <a:pPr algn="ctr"/>
-            <a:r>
-              <a:rPr lang="en-US" dirty="0" smtClean="0"/>
-              <a:t>6</a:t>
-            </a:r>
-            <a:endParaRPr lang="en-US" dirty="0"/>
-          </a:p>
-        </p:txBody>
-      </p:sp>
-      <p:sp>
-        <p:nvSpPr>
-          <p:cNvPr id="52" name="Rectangle 51"/>
-          <p:cNvSpPr/>
-          <p:nvPr/>
-        </p:nvSpPr>
-        <p:spPr>
-          <a:xfrm>
-            <a:off x="10126905" y="2301992"/>
-            <a:ext cx="183148" cy="211003"/>
-          </a:xfrm>
-          <a:prstGeom prst="rect">
-            <a:avLst/>
-          </a:prstGeom>
-        </p:spPr>
-        <p:style>
-          <a:lnRef idx="2">
-            <a:schemeClr val="accent2">
-              <a:shade val="50000"/>
-            </a:schemeClr>
-          </a:lnRef>
-          <a:fillRef idx="1">
-            <a:schemeClr val="accent2"/>
-          </a:fillRef>
-          <a:effectRef idx="0">
-            <a:schemeClr val="accent2"/>
-          </a:effectRef>
-          <a:fontRef idx="minor">
-            <a:schemeClr val="lt1"/>
-          </a:fontRef>
-        </p:style>
-        <p:txBody>
-          <a:bodyPr rtlCol="0" anchor="ctr"/>
-          <a:lstStyle/>
-          <a:p>
-            <a:pPr algn="ctr"/>
-            <a:r>
-              <a:rPr lang="en-US" dirty="0" smtClean="0"/>
-              <a:t>1</a:t>
-            </a:r>
-            <a:endParaRPr lang="en-US" dirty="0"/>
-          </a:p>
-        </p:txBody>
-      </p:sp>
-      <p:sp>
-        <p:nvSpPr>
-          <p:cNvPr id="53" name="Rectangle 52"/>
-          <p:cNvSpPr/>
-          <p:nvPr/>
-        </p:nvSpPr>
-        <p:spPr>
-          <a:xfrm>
-            <a:off x="11495147" y="2317261"/>
-            <a:ext cx="183148" cy="211003"/>
-          </a:xfrm>
-          <a:prstGeom prst="rect">
-            <a:avLst/>
-          </a:prstGeom>
-        </p:spPr>
-        <p:style>
-          <a:lnRef idx="2">
-            <a:schemeClr val="accent2">
-              <a:shade val="50000"/>
-            </a:schemeClr>
-          </a:lnRef>
-          <a:fillRef idx="1">
-            <a:schemeClr val="accent2"/>
-          </a:fillRef>
-          <a:effectRef idx="0">
-            <a:schemeClr val="accent2"/>
-          </a:effectRef>
-          <a:fontRef idx="minor">
-            <a:schemeClr val="lt1"/>
-          </a:fontRef>
-        </p:style>
-        <p:txBody>
-          <a:bodyPr rtlCol="0" anchor="ctr"/>
-          <a:lstStyle/>
-          <a:p>
-            <a:pPr algn="ctr"/>
-            <a:r>
-              <a:rPr lang="en-US" dirty="0" smtClean="0"/>
-              <a:t>2</a:t>
-            </a:r>
-            <a:endParaRPr lang="en-US" dirty="0"/>
-          </a:p>
-        </p:txBody>
-      </p:sp>
-      <p:sp>
-        <p:nvSpPr>
-          <p:cNvPr id="54" name="Rectangle 53"/>
-          <p:cNvSpPr/>
-          <p:nvPr/>
-        </p:nvSpPr>
-        <p:spPr>
-          <a:xfrm>
-            <a:off x="9156101" y="2295696"/>
-            <a:ext cx="183148" cy="211003"/>
-          </a:xfrm>
-          <a:prstGeom prst="rect">
-            <a:avLst/>
-          </a:prstGeom>
-        </p:spPr>
-        <p:style>
-          <a:lnRef idx="2">
-            <a:schemeClr val="accent2">
-              <a:shade val="50000"/>
-            </a:schemeClr>
-          </a:lnRef>
-          <a:fillRef idx="1">
-            <a:schemeClr val="accent2"/>
-          </a:fillRef>
-          <a:effectRef idx="0">
-            <a:schemeClr val="accent2"/>
-          </a:effectRef>
-          <a:fontRef idx="minor">
-            <a:schemeClr val="lt1"/>
-          </a:fontRef>
-        </p:style>
-        <p:txBody>
-          <a:bodyPr rtlCol="0" anchor="ctr"/>
-          <a:lstStyle/>
-          <a:p>
-            <a:pPr algn="ctr"/>
-            <a:r>
-              <a:rPr lang="en-US" dirty="0" smtClean="0"/>
-              <a:t>4</a:t>
-            </a:r>
-            <a:endParaRPr lang="en-US" dirty="0"/>
-          </a:p>
-        </p:txBody>
-      </p:sp>
-      <p:sp>
-        <p:nvSpPr>
-          <p:cNvPr id="55" name="Rectangle 54"/>
-          <p:cNvSpPr/>
-          <p:nvPr/>
-        </p:nvSpPr>
-        <p:spPr>
-          <a:xfrm>
-            <a:off x="11024735" y="2322656"/>
-            <a:ext cx="183148" cy="211003"/>
-          </a:xfrm>
-          <a:prstGeom prst="rect">
-            <a:avLst/>
-          </a:prstGeom>
-        </p:spPr>
-        <p:style>
-          <a:lnRef idx="2">
-            <a:schemeClr val="accent2">
-              <a:shade val="50000"/>
-            </a:schemeClr>
-          </a:lnRef>
-          <a:fillRef idx="1">
-            <a:schemeClr val="accent2"/>
-          </a:fillRef>
-          <a:effectRef idx="0">
-            <a:schemeClr val="accent2"/>
-          </a:effectRef>
-          <a:fontRef idx="minor">
-            <a:schemeClr val="lt1"/>
-          </a:fontRef>
-        </p:style>
-        <p:txBody>
-          <a:bodyPr rtlCol="0" anchor="ctr"/>
-          <a:lstStyle/>
-          <a:p>
-            <a:pPr algn="ctr"/>
-            <a:r>
-              <a:rPr lang="en-US" dirty="0"/>
-              <a:t>8</a:t>
-            </a:r>
-          </a:p>
-        </p:txBody>
-      </p:sp>
-      <p:sp>
-        <p:nvSpPr>
-          <p:cNvPr id="56" name="Rectangle 55"/>
-          <p:cNvSpPr/>
-          <p:nvPr/>
-        </p:nvSpPr>
-        <p:spPr>
-          <a:xfrm>
-            <a:off x="8711186" y="2301262"/>
-            <a:ext cx="183148" cy="211003"/>
-          </a:xfrm>
-          <a:prstGeom prst="rect">
-            <a:avLst/>
-          </a:prstGeom>
-        </p:spPr>
-        <p:style>
-          <a:lnRef idx="2">
-            <a:schemeClr val="accent2">
-              <a:shade val="50000"/>
-            </a:schemeClr>
-          </a:lnRef>
-          <a:fillRef idx="1">
-            <a:schemeClr val="accent2"/>
-          </a:fillRef>
-          <a:effectRef idx="0">
-            <a:schemeClr val="accent2"/>
-          </a:effectRef>
-          <a:fontRef idx="minor">
-            <a:schemeClr val="lt1"/>
-          </a:fontRef>
-        </p:style>
-        <p:txBody>
-          <a:bodyPr rtlCol="0" anchor="ctr"/>
-          <a:lstStyle/>
-          <a:p>
-            <a:pPr algn="ctr"/>
-            <a:r>
-              <a:rPr lang="en-US" dirty="0" smtClean="0"/>
-              <a:t>5</a:t>
-            </a:r>
-            <a:endParaRPr lang="en-US" dirty="0"/>
-          </a:p>
-        </p:txBody>
-      </p:sp>
-      <p:sp>
-        <p:nvSpPr>
-          <p:cNvPr id="57" name="Rectangle 56"/>
-          <p:cNvSpPr/>
-          <p:nvPr/>
-        </p:nvSpPr>
-        <p:spPr>
-          <a:xfrm>
-            <a:off x="10597317" y="2295696"/>
-            <a:ext cx="183148" cy="211003"/>
-          </a:xfrm>
-          <a:prstGeom prst="rect">
-            <a:avLst/>
-          </a:prstGeom>
-        </p:spPr>
-        <p:style>
-          <a:lnRef idx="2">
-            <a:schemeClr val="accent2">
-              <a:shade val="50000"/>
-            </a:schemeClr>
-          </a:lnRef>
-          <a:fillRef idx="1">
-            <a:schemeClr val="accent2"/>
-          </a:fillRef>
-          <a:effectRef idx="0">
-            <a:schemeClr val="accent2"/>
-          </a:effectRef>
-          <a:fontRef idx="minor">
-            <a:schemeClr val="lt1"/>
-          </a:fontRef>
-        </p:style>
-        <p:txBody>
-          <a:bodyPr rtlCol="0" anchor="ctr"/>
-          <a:lstStyle/>
-          <a:p>
-            <a:pPr algn="ctr"/>
-            <a:r>
-              <a:rPr lang="en-US" dirty="0" smtClean="0"/>
-              <a:t>7</a:t>
-            </a:r>
-            <a:endParaRPr lang="en-US" dirty="0"/>
-          </a:p>
-        </p:txBody>
-      </p:sp>
-      <p:sp>
-        <p:nvSpPr>
-          <p:cNvPr id="58" name="TextBox 57"/>
-          <p:cNvSpPr txBox="1"/>
-          <p:nvPr/>
-        </p:nvSpPr>
-        <p:spPr>
-          <a:xfrm>
-            <a:off x="11806187" y="2528264"/>
-            <a:ext cx="343364" cy="369332"/>
-          </a:xfrm>
-          <a:prstGeom prst="rect">
-            <a:avLst/>
-          </a:prstGeom>
-          <a:noFill/>
-        </p:spPr>
-        <p:txBody>
-          <a:bodyPr wrap="none" rtlCol="0">
-            <a:spAutoFit/>
-          </a:bodyPr>
-          <a:lstStyle/>
-          <a:p>
-            <a:r>
-              <a:rPr lang="en-US" dirty="0" smtClean="0"/>
-              <a:t>…</a:t>
             </a:r>
             <a:endParaRPr lang="en-US" dirty="0"/>
           </a:p>
@@ -4789,7 +4853,7 @@
     </p:spTree>
     <p:extLst>
       <p:ext uri="{BB962C8B-B14F-4D97-AF65-F5344CB8AC3E}">
-        <p14:creationId xmlns:p14="http://schemas.microsoft.com/office/powerpoint/2010/main" val="3481838831"/>
+        <p14:creationId xmlns:p14="http://schemas.microsoft.com/office/powerpoint/2010/main" val="477686783"/>
       </p:ext>
     </p:extLst>
   </p:cSld>
@@ -4826,93 +4890,33 @@
             <p:ph type="title"/>
           </p:nvPr>
         </p:nvSpPr>
-        <p:spPr/>
+        <p:spPr>
+          <a:xfrm>
+            <a:off x="891021" y="386920"/>
+            <a:ext cx="10515600" cy="1325563"/>
+          </a:xfrm>
+        </p:spPr>
         <p:txBody>
           <a:bodyPr/>
           <a:lstStyle/>
           <a:p>
             <a:r>
               <a:rPr lang="en-US" dirty="0" smtClean="0"/>
-              <a:t>Local code-book creation – Interest Point Detection</a:t>
+              <a:t>Local code-book creation – Agglomerative Clustering</a:t>
             </a:r>
             <a:endParaRPr lang="en-US" dirty="0"/>
-          </a:p>
-        </p:txBody>
-      </p:sp>
-      <p:sp>
-        <p:nvSpPr>
-          <p:cNvPr id="3" name="Content Placeholder 2"/>
-          <p:cNvSpPr>
-            <a:spLocks noGrp="1"/>
-          </p:cNvSpPr>
-          <p:nvPr>
-            <p:ph idx="1"/>
-          </p:nvPr>
-        </p:nvSpPr>
-        <p:spPr/>
-        <p:txBody>
-          <a:bodyPr/>
-          <a:lstStyle/>
-          <a:p>
-            <a:r>
-              <a:rPr lang="en-US" dirty="0" smtClean="0"/>
-              <a:t>First, detect interest points using Harris detectors</a:t>
-            </a:r>
-          </a:p>
-          <a:p>
-            <a:pPr lvl="1"/>
-            <a:r>
-              <a:rPr lang="en-US" dirty="0" smtClean="0"/>
-              <a:t>Compute sample covariance matrix M for (2D) intensity gradient at each pixel.</a:t>
-            </a:r>
-          </a:p>
-          <a:p>
-            <a:pPr lvl="1"/>
-            <a:r>
-              <a:rPr lang="en-US" dirty="0" smtClean="0"/>
-              <a:t>Compute corner response (C = f(</a:t>
-            </a:r>
-            <a:r>
-              <a:rPr lang="en-US" dirty="0" err="1" smtClean="0"/>
-              <a:t>EigenVals</a:t>
-            </a:r>
-            <a:r>
-              <a:rPr lang="en-US" dirty="0" smtClean="0"/>
-              <a:t>(M))). </a:t>
-            </a:r>
-          </a:p>
-          <a:p>
-            <a:pPr lvl="1"/>
-            <a:r>
-              <a:rPr lang="en-US" dirty="0" smtClean="0"/>
-              <a:t>Interest points – maxima of </a:t>
-            </a:r>
-            <a:r>
-              <a:rPr lang="en-US" dirty="0" err="1" smtClean="0"/>
-              <a:t>thresholded</a:t>
-            </a:r>
-            <a:r>
-              <a:rPr lang="en-US" dirty="0" smtClean="0"/>
-              <a:t> C.</a:t>
-            </a:r>
-          </a:p>
-          <a:p>
-            <a:pPr lvl="1"/>
-            <a:r>
-              <a:rPr lang="en-US" dirty="0" smtClean="0"/>
-              <a:t>Take 25X25 pixel patches.</a:t>
-            </a:r>
-            <a:endParaRPr lang="en-US" b="1" dirty="0"/>
           </a:p>
         </p:txBody>
       </p:sp>
       <p:pic>
         <p:nvPicPr>
-          <p:cNvPr id="15" name="Picture 14"/>
+          <p:cNvPr id="4" name="Content Placeholder 3"/>
           <p:cNvPicPr>
-            <a:picLocks noChangeAspect="1"/>
+            <a:picLocks noGrp="1" noChangeAspect="1"/>
           </p:cNvPicPr>
-          <p:nvPr/>
+          <p:nvPr>
+            <p:ph idx="1"/>
+          </p:nvPr>
         </p:nvPicPr>
         <p:blipFill>
           <a:blip r:embed="rId2"/>
@@ -4922,8 +4926,8 @@
         </p:blipFill>
         <p:spPr>
           <a:xfrm>
-            <a:off x="7461873" y="2689224"/>
-            <a:ext cx="990600" cy="1504950"/>
+            <a:off x="8519434" y="3688647"/>
+            <a:ext cx="2887187" cy="503754"/>
           </a:xfrm>
           <a:prstGeom prst="rect">
             <a:avLst/>
@@ -4932,7 +4936,7 @@
       </p:pic>
       <p:pic>
         <p:nvPicPr>
-          <p:cNvPr id="16" name="Picture 15"/>
+          <p:cNvPr id="5" name="Picture 4"/>
           <p:cNvPicPr>
             <a:picLocks noChangeAspect="1"/>
           </p:cNvPicPr>
@@ -4946,8 +4950,196 @@
         </p:blipFill>
         <p:spPr>
           <a:xfrm>
-            <a:off x="8474386" y="2698749"/>
-            <a:ext cx="952500" cy="1495425"/>
+            <a:off x="6746282" y="1807565"/>
+            <a:ext cx="3371850" cy="638175"/>
+          </a:xfrm>
+          <a:prstGeom prst="rect">
+            <a:avLst/>
+          </a:prstGeom>
+        </p:spPr>
+      </p:pic>
+      <p:pic>
+        <p:nvPicPr>
+          <p:cNvPr id="9" name="Picture 8"/>
+          <p:cNvPicPr>
+            <a:picLocks noChangeAspect="1"/>
+          </p:cNvPicPr>
+          <p:nvPr/>
+        </p:nvPicPr>
+        <p:blipFill>
+          <a:blip r:embed="rId4"/>
+          <a:stretch>
+            <a:fillRect/>
+          </a:stretch>
+        </p:blipFill>
+        <p:spPr>
+          <a:xfrm>
+            <a:off x="1893710" y="4617689"/>
+            <a:ext cx="1438275" cy="466725"/>
+          </a:xfrm>
+          <a:prstGeom prst="rect">
+            <a:avLst/>
+          </a:prstGeom>
+        </p:spPr>
+      </p:pic>
+      <p:pic>
+        <p:nvPicPr>
+          <p:cNvPr id="11" name="Picture 10"/>
+          <p:cNvPicPr>
+            <a:picLocks noChangeAspect="1"/>
+          </p:cNvPicPr>
+          <p:nvPr/>
+        </p:nvPicPr>
+        <p:blipFill>
+          <a:blip r:embed="rId5"/>
+          <a:stretch>
+            <a:fillRect/>
+          </a:stretch>
+        </p:blipFill>
+        <p:spPr>
+          <a:xfrm>
+            <a:off x="7722496" y="5356268"/>
+            <a:ext cx="1571625" cy="476250"/>
+          </a:xfrm>
+          <a:prstGeom prst="rect">
+            <a:avLst/>
+          </a:prstGeom>
+        </p:spPr>
+      </p:pic>
+      <p:sp>
+        <p:nvSpPr>
+          <p:cNvPr id="12" name="TextBox 11"/>
+          <p:cNvSpPr txBox="1"/>
+          <p:nvPr/>
+        </p:nvSpPr>
+        <p:spPr>
+          <a:xfrm>
+            <a:off x="908498" y="1941987"/>
+            <a:ext cx="5978175" cy="369332"/>
+          </a:xfrm>
+          <a:prstGeom prst="rect">
+            <a:avLst/>
+          </a:prstGeom>
+          <a:noFill/>
+        </p:spPr>
+        <p:txBody>
+          <a:bodyPr wrap="none" rtlCol="0">
+            <a:spAutoFit/>
+          </a:bodyPr>
+          <a:lstStyle/>
+          <a:p>
+            <a:r>
+              <a:rPr lang="en-US" dirty="0" smtClean="0"/>
+              <a:t>For a pair of patches (</a:t>
+            </a:r>
+            <a:r>
+              <a:rPr lang="en-US" dirty="0" err="1" smtClean="0"/>
+              <a:t>p,q</a:t>
+            </a:r>
+            <a:r>
+              <a:rPr lang="en-US" dirty="0" smtClean="0"/>
+              <a:t>): Normalized Grayscale correlation =</a:t>
+            </a:r>
+            <a:endParaRPr lang="en-US" dirty="0"/>
+          </a:p>
+        </p:txBody>
+      </p:sp>
+      <p:pic>
+        <p:nvPicPr>
+          <p:cNvPr id="13" name="Picture 12"/>
+          <p:cNvPicPr>
+            <a:picLocks noChangeAspect="1"/>
+          </p:cNvPicPr>
+          <p:nvPr/>
+        </p:nvPicPr>
+        <p:blipFill>
+          <a:blip r:embed="rId6"/>
+          <a:stretch>
+            <a:fillRect/>
+          </a:stretch>
+        </p:blipFill>
+        <p:spPr>
+          <a:xfrm>
+            <a:off x="3897585" y="2406401"/>
+            <a:ext cx="643729" cy="588944"/>
+          </a:xfrm>
+          <a:prstGeom prst="rect">
+            <a:avLst/>
+          </a:prstGeom>
+        </p:spPr>
+      </p:pic>
+      <p:pic>
+        <p:nvPicPr>
+          <p:cNvPr id="14" name="Picture 13"/>
+          <p:cNvPicPr>
+            <a:picLocks noChangeAspect="1"/>
+          </p:cNvPicPr>
+          <p:nvPr/>
+        </p:nvPicPr>
+        <p:blipFill>
+          <a:blip r:embed="rId7"/>
+          <a:stretch>
+            <a:fillRect/>
+          </a:stretch>
+        </p:blipFill>
+        <p:spPr>
+          <a:xfrm>
+            <a:off x="4541314" y="2406401"/>
+            <a:ext cx="620451" cy="593475"/>
+          </a:xfrm>
+          <a:prstGeom prst="rect">
+            <a:avLst/>
+          </a:prstGeom>
+        </p:spPr>
+      </p:pic>
+      <p:sp>
+        <p:nvSpPr>
+          <p:cNvPr id="15" name="TextBox 14"/>
+          <p:cNvSpPr txBox="1"/>
+          <p:nvPr/>
+        </p:nvSpPr>
+        <p:spPr>
+          <a:xfrm>
+            <a:off x="5288397" y="2462754"/>
+            <a:ext cx="1116011" cy="369332"/>
+          </a:xfrm>
+          <a:prstGeom prst="rect">
+            <a:avLst/>
+          </a:prstGeom>
+          <a:noFill/>
+        </p:spPr>
+        <p:txBody>
+          <a:bodyPr wrap="none" rtlCol="0">
+            <a:spAutoFit/>
+          </a:bodyPr>
+          <a:lstStyle/>
+          <a:p>
+            <a:r>
+              <a:rPr lang="en-US" dirty="0" smtClean="0"/>
+              <a:t>NGC = 0.9</a:t>
+            </a:r>
+            <a:endParaRPr lang="en-US" dirty="0"/>
+          </a:p>
+        </p:txBody>
+      </p:sp>
+      <p:pic>
+        <p:nvPicPr>
+          <p:cNvPr id="17" name="Picture 16"/>
+          <p:cNvPicPr>
+            <a:picLocks noChangeAspect="1"/>
+          </p:cNvPicPr>
+          <p:nvPr/>
+        </p:nvPicPr>
+        <p:blipFill>
+          <a:blip r:embed="rId6"/>
+          <a:stretch>
+            <a:fillRect/>
+          </a:stretch>
+        </p:blipFill>
+        <p:spPr>
+          <a:xfrm>
+            <a:off x="3897585" y="3136838"/>
+            <a:ext cx="643729" cy="588944"/>
           </a:xfrm>
           <a:prstGeom prst="rect">
             <a:avLst/>
@@ -4963,6 +5155,120 @@
           <p:nvPr/>
         </p:nvPicPr>
         <p:blipFill>
+          <a:blip r:embed="rId8"/>
+          <a:stretch>
+            <a:fillRect/>
+          </a:stretch>
+        </p:blipFill>
+        <p:spPr>
+          <a:xfrm>
+            <a:off x="4549442" y="3132307"/>
+            <a:ext cx="612323" cy="599012"/>
+          </a:xfrm>
+          <a:prstGeom prst="rect">
+            <a:avLst/>
+          </a:prstGeom>
+        </p:spPr>
+      </p:pic>
+      <p:sp>
+        <p:nvSpPr>
+          <p:cNvPr id="21" name="TextBox 20"/>
+          <p:cNvSpPr txBox="1"/>
+          <p:nvPr/>
+        </p:nvSpPr>
+        <p:spPr>
+          <a:xfrm>
+            <a:off x="5282578" y="3246644"/>
+            <a:ext cx="1116011" cy="369332"/>
+          </a:xfrm>
+          <a:prstGeom prst="rect">
+            <a:avLst/>
+          </a:prstGeom>
+          <a:noFill/>
+        </p:spPr>
+        <p:txBody>
+          <a:bodyPr wrap="none" rtlCol="0">
+            <a:spAutoFit/>
+          </a:bodyPr>
+          <a:lstStyle/>
+          <a:p>
+            <a:r>
+              <a:rPr lang="en-US" dirty="0" smtClean="0"/>
+              <a:t>NGC = 0.4</a:t>
+            </a:r>
+            <a:endParaRPr lang="en-US" dirty="0"/>
+          </a:p>
+        </p:txBody>
+      </p:sp>
+      <p:sp>
+        <p:nvSpPr>
+          <p:cNvPr id="22" name="TextBox 21"/>
+          <p:cNvSpPr txBox="1"/>
+          <p:nvPr/>
+        </p:nvSpPr>
+        <p:spPr>
+          <a:xfrm>
+            <a:off x="908498" y="3803316"/>
+            <a:ext cx="8994123" cy="646331"/>
+          </a:xfrm>
+          <a:prstGeom prst="rect">
+            <a:avLst/>
+          </a:prstGeom>
+          <a:noFill/>
+        </p:spPr>
+        <p:txBody>
+          <a:bodyPr wrap="square" rtlCol="0">
+            <a:spAutoFit/>
+          </a:bodyPr>
+          <a:lstStyle/>
+          <a:p>
+            <a:r>
+              <a:rPr lang="en-US" dirty="0" smtClean="0"/>
+              <a:t>Start with each patch as a separate cluster. Merge two clusters if they are similar.</a:t>
+            </a:r>
+          </a:p>
+          <a:p>
+            <a:r>
+              <a:rPr lang="en-US" dirty="0" smtClean="0"/>
+              <a:t>(Average of pair-wise NGCs of each pair in C1 X C2. t = 0.7 for their experiments)</a:t>
+            </a:r>
+            <a:endParaRPr lang="en-US" dirty="0"/>
+          </a:p>
+        </p:txBody>
+      </p:sp>
+      <p:pic>
+        <p:nvPicPr>
+          <p:cNvPr id="23" name="Picture 22"/>
+          <p:cNvPicPr>
+            <a:picLocks noChangeAspect="1"/>
+          </p:cNvPicPr>
+          <p:nvPr/>
+        </p:nvPicPr>
+        <p:blipFill>
+          <a:blip r:embed="rId9"/>
+          <a:stretch>
+            <a:fillRect/>
+          </a:stretch>
+        </p:blipFill>
+        <p:spPr>
+          <a:xfrm>
+            <a:off x="1978551" y="5432468"/>
+            <a:ext cx="828675" cy="400050"/>
+          </a:xfrm>
+          <a:prstGeom prst="rect">
+            <a:avLst/>
+          </a:prstGeom>
+        </p:spPr>
+      </p:pic>
+      <p:pic>
+        <p:nvPicPr>
+          <p:cNvPr id="24" name="Picture 23"/>
+          <p:cNvPicPr>
+            <a:picLocks noChangeAspect="1"/>
+          </p:cNvPicPr>
+          <p:nvPr/>
+        </p:nvPicPr>
+        <p:blipFill>
           <a:blip r:embed="rId4"/>
           <a:stretch>
             <a:fillRect/>
@@ -4970,312 +5276,8 @@
         </p:blipFill>
         <p:spPr>
           <a:xfrm>
-            <a:off x="11033705" y="2714943"/>
-            <a:ext cx="1028461" cy="1504950"/>
-          </a:xfrm>
-          <a:prstGeom prst="rect">
-            <a:avLst/>
-          </a:prstGeom>
-        </p:spPr>
-      </p:pic>
-      <p:sp>
-        <p:nvSpPr>
-          <p:cNvPr id="19" name="Oval 18"/>
-          <p:cNvSpPr/>
-          <p:nvPr/>
-        </p:nvSpPr>
-        <p:spPr>
-          <a:xfrm>
-            <a:off x="11328400" y="3379154"/>
-            <a:ext cx="60960" cy="71120"/>
-          </a:xfrm>
-          <a:prstGeom prst="ellipse">
-            <a:avLst/>
-          </a:prstGeom>
-        </p:spPr>
-        <p:style>
-          <a:lnRef idx="2">
-            <a:schemeClr val="accent1">
-              <a:shade val="50000"/>
-            </a:schemeClr>
-          </a:lnRef>
-          <a:fillRef idx="1">
-            <a:schemeClr val="accent1"/>
-          </a:fillRef>
-          <a:effectRef idx="0">
-            <a:schemeClr val="accent1"/>
-          </a:effectRef>
-          <a:fontRef idx="minor">
-            <a:schemeClr val="lt1"/>
-          </a:fontRef>
-        </p:style>
-        <p:txBody>
-          <a:bodyPr rtlCol="0" anchor="ctr"/>
-          <a:lstStyle/>
-          <a:p>
-            <a:pPr algn="ctr"/>
-            <a:endParaRPr lang="en-US"/>
-          </a:p>
-        </p:txBody>
-      </p:sp>
-      <p:sp>
-        <p:nvSpPr>
-          <p:cNvPr id="21" name="Oval 20"/>
-          <p:cNvSpPr/>
-          <p:nvPr/>
-        </p:nvSpPr>
-        <p:spPr>
-          <a:xfrm>
-            <a:off x="11308080" y="3816034"/>
-            <a:ext cx="60960" cy="71120"/>
-          </a:xfrm>
-          <a:prstGeom prst="ellipse">
-            <a:avLst/>
-          </a:prstGeom>
-        </p:spPr>
-        <p:style>
-          <a:lnRef idx="2">
-            <a:schemeClr val="accent1">
-              <a:shade val="50000"/>
-            </a:schemeClr>
-          </a:lnRef>
-          <a:fillRef idx="1">
-            <a:schemeClr val="accent1"/>
-          </a:fillRef>
-          <a:effectRef idx="0">
-            <a:schemeClr val="accent1"/>
-          </a:effectRef>
-          <a:fontRef idx="minor">
-            <a:schemeClr val="lt1"/>
-          </a:fontRef>
-        </p:style>
-        <p:txBody>
-          <a:bodyPr rtlCol="0" anchor="ctr"/>
-          <a:lstStyle/>
-          <a:p>
-            <a:pPr algn="ctr"/>
-            <a:endParaRPr lang="en-US"/>
-          </a:p>
-        </p:txBody>
-      </p:sp>
-      <p:sp>
-        <p:nvSpPr>
-          <p:cNvPr id="22" name="Oval 21"/>
-          <p:cNvSpPr/>
-          <p:nvPr/>
-        </p:nvSpPr>
-        <p:spPr>
-          <a:xfrm>
-            <a:off x="11612880" y="3175954"/>
-            <a:ext cx="60960" cy="71120"/>
-          </a:xfrm>
-          <a:prstGeom prst="ellipse">
-            <a:avLst/>
-          </a:prstGeom>
-        </p:spPr>
-        <p:style>
-          <a:lnRef idx="2">
-            <a:schemeClr val="accent1">
-              <a:shade val="50000"/>
-            </a:schemeClr>
-          </a:lnRef>
-          <a:fillRef idx="1">
-            <a:schemeClr val="accent1"/>
-          </a:fillRef>
-          <a:effectRef idx="0">
-            <a:schemeClr val="accent1"/>
-          </a:effectRef>
-          <a:fontRef idx="minor">
-            <a:schemeClr val="lt1"/>
-          </a:fontRef>
-        </p:style>
-        <p:txBody>
-          <a:bodyPr rtlCol="0" anchor="ctr"/>
-          <a:lstStyle/>
-          <a:p>
-            <a:pPr algn="ctr"/>
-            <a:endParaRPr lang="en-US"/>
-          </a:p>
-        </p:txBody>
-      </p:sp>
-      <p:sp>
-        <p:nvSpPr>
-          <p:cNvPr id="24" name="Oval 23"/>
-          <p:cNvSpPr/>
-          <p:nvPr/>
-        </p:nvSpPr>
-        <p:spPr>
-          <a:xfrm>
-            <a:off x="11450320" y="3927794"/>
-            <a:ext cx="60960" cy="71120"/>
-          </a:xfrm>
-          <a:prstGeom prst="ellipse">
-            <a:avLst/>
-          </a:prstGeom>
-        </p:spPr>
-        <p:style>
-          <a:lnRef idx="2">
-            <a:schemeClr val="accent1">
-              <a:shade val="50000"/>
-            </a:schemeClr>
-          </a:lnRef>
-          <a:fillRef idx="1">
-            <a:schemeClr val="accent1"/>
-          </a:fillRef>
-          <a:effectRef idx="0">
-            <a:schemeClr val="accent1"/>
-          </a:effectRef>
-          <a:fontRef idx="minor">
-            <a:schemeClr val="lt1"/>
-          </a:fontRef>
-        </p:style>
-        <p:txBody>
-          <a:bodyPr rtlCol="0" anchor="ctr"/>
-          <a:lstStyle/>
-          <a:p>
-            <a:pPr algn="ctr"/>
-            <a:endParaRPr lang="en-US"/>
-          </a:p>
-        </p:txBody>
-      </p:sp>
-      <p:sp>
-        <p:nvSpPr>
-          <p:cNvPr id="25" name="Oval 24"/>
-          <p:cNvSpPr/>
-          <p:nvPr/>
-        </p:nvSpPr>
-        <p:spPr>
-          <a:xfrm>
-            <a:off x="11907520" y="3663634"/>
-            <a:ext cx="60960" cy="71120"/>
-          </a:xfrm>
-          <a:prstGeom prst="ellipse">
-            <a:avLst/>
-          </a:prstGeom>
-        </p:spPr>
-        <p:style>
-          <a:lnRef idx="2">
-            <a:schemeClr val="accent1">
-              <a:shade val="50000"/>
-            </a:schemeClr>
-          </a:lnRef>
-          <a:fillRef idx="1">
-            <a:schemeClr val="accent1"/>
-          </a:fillRef>
-          <a:effectRef idx="0">
-            <a:schemeClr val="accent1"/>
-          </a:effectRef>
-          <a:fontRef idx="minor">
-            <a:schemeClr val="lt1"/>
-          </a:fontRef>
-        </p:style>
-        <p:txBody>
-          <a:bodyPr rtlCol="0" anchor="ctr"/>
-          <a:lstStyle/>
-          <a:p>
-            <a:pPr algn="ctr"/>
-            <a:endParaRPr lang="en-US"/>
-          </a:p>
-        </p:txBody>
-      </p:sp>
-      <p:sp>
-        <p:nvSpPr>
-          <p:cNvPr id="26" name="Oval 25"/>
-          <p:cNvSpPr/>
-          <p:nvPr/>
-        </p:nvSpPr>
-        <p:spPr>
-          <a:xfrm>
-            <a:off x="11673840" y="3501074"/>
-            <a:ext cx="60960" cy="71120"/>
-          </a:xfrm>
-          <a:prstGeom prst="ellipse">
-            <a:avLst/>
-          </a:prstGeom>
-        </p:spPr>
-        <p:style>
-          <a:lnRef idx="2">
-            <a:schemeClr val="accent1">
-              <a:shade val="50000"/>
-            </a:schemeClr>
-          </a:lnRef>
-          <a:fillRef idx="1">
-            <a:schemeClr val="accent1"/>
-          </a:fillRef>
-          <a:effectRef idx="0">
-            <a:schemeClr val="accent1"/>
-          </a:effectRef>
-          <a:fontRef idx="minor">
-            <a:schemeClr val="lt1"/>
-          </a:fontRef>
-        </p:style>
-        <p:txBody>
-          <a:bodyPr rtlCol="0" anchor="ctr"/>
-          <a:lstStyle/>
-          <a:p>
-            <a:pPr algn="ctr"/>
-            <a:endParaRPr lang="en-US"/>
-          </a:p>
-        </p:txBody>
-      </p:sp>
-      <p:sp>
-        <p:nvSpPr>
-          <p:cNvPr id="27" name="Oval 26"/>
-          <p:cNvSpPr/>
-          <p:nvPr/>
-        </p:nvSpPr>
-        <p:spPr>
-          <a:xfrm>
-            <a:off x="11389360" y="2739074"/>
-            <a:ext cx="60960" cy="71120"/>
-          </a:xfrm>
-          <a:prstGeom prst="ellipse">
-            <a:avLst/>
-          </a:prstGeom>
-        </p:spPr>
-        <p:style>
-          <a:lnRef idx="2">
-            <a:schemeClr val="accent1">
-              <a:shade val="50000"/>
-            </a:schemeClr>
-          </a:lnRef>
-          <a:fillRef idx="1">
-            <a:schemeClr val="accent1"/>
-          </a:fillRef>
-          <a:effectRef idx="0">
-            <a:schemeClr val="accent1"/>
-          </a:effectRef>
-          <a:fontRef idx="minor">
-            <a:schemeClr val="lt1"/>
-          </a:fontRef>
-        </p:style>
-        <p:txBody>
-          <a:bodyPr rtlCol="0" anchor="ctr"/>
-          <a:lstStyle/>
-          <a:p>
-            <a:pPr algn="ctr"/>
-            <a:endParaRPr lang="en-US"/>
-          </a:p>
-        </p:txBody>
-      </p:sp>
-      <p:pic>
-        <p:nvPicPr>
-          <p:cNvPr id="28" name="Picture 27"/>
-          <p:cNvPicPr>
-            <a:picLocks noChangeAspect="1"/>
-          </p:cNvPicPr>
-          <p:nvPr/>
-        </p:nvPicPr>
-        <p:blipFill>
-          <a:blip r:embed="rId5"/>
-          <a:stretch>
-            <a:fillRect/>
-          </a:stretch>
-        </p:blipFill>
-        <p:spPr>
-          <a:xfrm>
-            <a:off x="9468571" y="2714943"/>
-            <a:ext cx="916380" cy="1479232"/>
+            <a:off x="7722496" y="4557082"/>
+            <a:ext cx="1438275" cy="466725"/>
           </a:xfrm>
           <a:prstGeom prst="rect">
             <a:avLst/>
@@ -5284,14 +5286,14 @@
       </p:pic>
       <p:cxnSp>
         <p:nvCxnSpPr>
-          <p:cNvPr id="30" name="Straight Arrow Connector 29"/>
+          <p:cNvPr id="26" name="Straight Arrow Connector 25"/>
           <p:cNvCxnSpPr/>
           <p:nvPr/>
         </p:nvCxnSpPr>
         <p:spPr>
           <a:xfrm>
-            <a:off x="10515600" y="3379154"/>
-            <a:ext cx="386080" cy="0"/>
+            <a:off x="2111604" y="5084414"/>
+            <a:ext cx="0" cy="348054"/>
           </a:xfrm>
           <a:prstGeom prst="straightConnector1">
             <a:avLst/>
@@ -5317,102 +5319,355 @@
       </p:cxnSp>
       <p:sp>
         <p:nvSpPr>
-          <p:cNvPr id="31" name="Oval 30"/>
-          <p:cNvSpPr/>
-          <p:nvPr/>
-        </p:nvSpPr>
-        <p:spPr>
-          <a:xfrm>
-            <a:off x="11775440" y="3897314"/>
-            <a:ext cx="60960" cy="71120"/>
-          </a:xfrm>
-          <a:prstGeom prst="ellipse">
-            <a:avLst/>
-          </a:prstGeom>
+          <p:cNvPr id="27" name="TextBox 26"/>
+          <p:cNvSpPr txBox="1"/>
+          <p:nvPr/>
+        </p:nvSpPr>
+        <p:spPr>
+          <a:xfrm>
+            <a:off x="1422369" y="5037316"/>
+            <a:ext cx="875561" cy="261610"/>
+          </a:xfrm>
+          <a:prstGeom prst="rect">
+            <a:avLst/>
+          </a:prstGeom>
+          <a:noFill/>
+        </p:spPr>
+        <p:txBody>
+          <a:bodyPr wrap="none" rtlCol="0">
+            <a:spAutoFit/>
+          </a:bodyPr>
+          <a:lstStyle/>
+          <a:p>
+            <a:r>
+              <a:rPr lang="en-US" sz="1100" dirty="0" smtClean="0"/>
+              <a:t>NGC</a:t>
+            </a:r>
+            <a:r>
+              <a:rPr lang="en-US" sz="1100" baseline="-25000" dirty="0" smtClean="0"/>
+              <a:t>0,0</a:t>
+            </a:r>
+            <a:r>
+              <a:rPr lang="en-US" sz="1100" dirty="0" smtClean="0"/>
+              <a:t> = 0.9</a:t>
+            </a:r>
+            <a:endParaRPr lang="en-US" sz="1100" dirty="0"/>
+          </a:p>
+        </p:txBody>
+      </p:sp>
+      <p:cxnSp>
+        <p:nvCxnSpPr>
+          <p:cNvPr id="28" name="Straight Arrow Connector 27"/>
+          <p:cNvCxnSpPr>
+            <a:stCxn id="27" idx="3"/>
+          </p:cNvCxnSpPr>
+          <p:nvPr/>
+        </p:nvCxnSpPr>
+        <p:spPr>
+          <a:xfrm>
+            <a:off x="2297930" y="5168121"/>
+            <a:ext cx="314917" cy="264347"/>
+          </a:xfrm>
+          <a:prstGeom prst="straightConnector1">
+            <a:avLst/>
+          </a:prstGeom>
+          <a:ln>
+            <a:tailEnd type="triangle"/>
+          </a:ln>
         </p:spPr>
         <p:style>
-          <a:lnRef idx="2">
-            <a:schemeClr val="accent1">
-              <a:shade val="50000"/>
-            </a:schemeClr>
+          <a:lnRef idx="1">
+            <a:schemeClr val="accent1"/>
           </a:lnRef>
-          <a:fillRef idx="1">
+          <a:fillRef idx="0">
             <a:schemeClr val="accent1"/>
           </a:fillRef>
           <a:effectRef idx="0">
             <a:schemeClr val="accent1"/>
           </a:effectRef>
           <a:fontRef idx="minor">
-            <a:schemeClr val="lt1"/>
+            <a:schemeClr val="tx1"/>
           </a:fontRef>
         </p:style>
-        <p:txBody>
-          <a:bodyPr rtlCol="0" anchor="ctr"/>
-          <a:lstStyle/>
-          <a:p>
-            <a:pPr algn="ctr"/>
-            <a:endParaRPr lang="en-US"/>
-          </a:p>
-        </p:txBody>
-      </p:sp>
-      <p:sp>
-        <p:nvSpPr>
-          <p:cNvPr id="32" name="Oval 31"/>
-          <p:cNvSpPr/>
-          <p:nvPr/>
-        </p:nvSpPr>
-        <p:spPr>
-          <a:xfrm>
-            <a:off x="11155680" y="3582354"/>
-            <a:ext cx="60960" cy="71120"/>
-          </a:xfrm>
-          <a:prstGeom prst="ellipse">
-            <a:avLst/>
-          </a:prstGeom>
+      </p:cxnSp>
+      <p:cxnSp>
+        <p:nvCxnSpPr>
+          <p:cNvPr id="31" name="Straight Arrow Connector 30"/>
+          <p:cNvCxnSpPr/>
+          <p:nvPr/>
+        </p:nvCxnSpPr>
+        <p:spPr>
+          <a:xfrm>
+            <a:off x="2612847" y="5084414"/>
+            <a:ext cx="0" cy="271854"/>
+          </a:xfrm>
+          <a:prstGeom prst="straightConnector1">
+            <a:avLst/>
+          </a:prstGeom>
+          <a:ln>
+            <a:tailEnd type="triangle"/>
+          </a:ln>
         </p:spPr>
         <p:style>
-          <a:lnRef idx="2">
-            <a:schemeClr val="accent1">
-              <a:shade val="50000"/>
-            </a:schemeClr>
+          <a:lnRef idx="1">
+            <a:schemeClr val="accent1"/>
           </a:lnRef>
-          <a:fillRef idx="1">
+          <a:fillRef idx="0">
             <a:schemeClr val="accent1"/>
           </a:fillRef>
           <a:effectRef idx="0">
             <a:schemeClr val="accent1"/>
           </a:effectRef>
           <a:fontRef idx="minor">
-            <a:schemeClr val="lt1"/>
+            <a:schemeClr val="tx1"/>
           </a:fontRef>
         </p:style>
-        <p:txBody>
-          <a:bodyPr rtlCol="0" anchor="ctr"/>
-          <a:lstStyle/>
-          <a:p>
-            <a:pPr algn="ctr"/>
-            <a:endParaRPr lang="en-US"/>
+      </p:cxnSp>
+      <p:cxnSp>
+        <p:nvCxnSpPr>
+          <p:cNvPr id="32" name="Straight Arrow Connector 31"/>
+          <p:cNvCxnSpPr>
+            <a:stCxn id="9" idx="2"/>
+          </p:cNvCxnSpPr>
+          <p:nvPr/>
+        </p:nvCxnSpPr>
+        <p:spPr>
+          <a:xfrm flipH="1">
+            <a:off x="2111601" y="5084414"/>
+            <a:ext cx="501247" cy="298219"/>
+          </a:xfrm>
+          <a:prstGeom prst="straightConnector1">
+            <a:avLst/>
+          </a:prstGeom>
+          <a:ln>
+            <a:tailEnd type="triangle"/>
+          </a:ln>
+        </p:spPr>
+        <p:style>
+          <a:lnRef idx="1">
+            <a:schemeClr val="accent1"/>
+          </a:lnRef>
+          <a:fillRef idx="0">
+            <a:schemeClr val="accent1"/>
+          </a:fillRef>
+          <a:effectRef idx="0">
+            <a:schemeClr val="accent1"/>
+          </a:effectRef>
+          <a:fontRef idx="minor">
+            <a:schemeClr val="tx1"/>
+          </a:fontRef>
+        </p:style>
+      </p:cxnSp>
+      <p:cxnSp>
+        <p:nvCxnSpPr>
+          <p:cNvPr id="36" name="Straight Arrow Connector 35"/>
+          <p:cNvCxnSpPr/>
+          <p:nvPr/>
+        </p:nvCxnSpPr>
+        <p:spPr>
+          <a:xfrm flipH="1">
+            <a:off x="2111602" y="5037316"/>
+            <a:ext cx="952111" cy="395152"/>
+          </a:xfrm>
+          <a:prstGeom prst="straightConnector1">
+            <a:avLst/>
+          </a:prstGeom>
+          <a:ln>
+            <a:tailEnd type="triangle"/>
+          </a:ln>
+        </p:spPr>
+        <p:style>
+          <a:lnRef idx="1">
+            <a:schemeClr val="accent1"/>
+          </a:lnRef>
+          <a:fillRef idx="0">
+            <a:schemeClr val="accent1"/>
+          </a:fillRef>
+          <a:effectRef idx="0">
+            <a:schemeClr val="accent1"/>
+          </a:effectRef>
+          <a:fontRef idx="minor">
+            <a:schemeClr val="tx1"/>
+          </a:fontRef>
+        </p:style>
+      </p:cxnSp>
+      <p:cxnSp>
+        <p:nvCxnSpPr>
+          <p:cNvPr id="39" name="Straight Arrow Connector 38"/>
+          <p:cNvCxnSpPr/>
+          <p:nvPr/>
+        </p:nvCxnSpPr>
+        <p:spPr>
+          <a:xfrm flipH="1">
+            <a:off x="2600565" y="5037316"/>
+            <a:ext cx="463147" cy="395152"/>
+          </a:xfrm>
+          <a:prstGeom prst="straightConnector1">
+            <a:avLst/>
+          </a:prstGeom>
+          <a:ln>
+            <a:tailEnd type="triangle"/>
+          </a:ln>
+        </p:spPr>
+        <p:style>
+          <a:lnRef idx="1">
+            <a:schemeClr val="accent1"/>
+          </a:lnRef>
+          <a:fillRef idx="0">
+            <a:schemeClr val="accent1"/>
+          </a:fillRef>
+          <a:effectRef idx="0">
+            <a:schemeClr val="accent1"/>
+          </a:effectRef>
+          <a:fontRef idx="minor">
+            <a:schemeClr val="tx1"/>
+          </a:fontRef>
+        </p:style>
+      </p:cxnSp>
+      <p:sp>
+        <p:nvSpPr>
+          <p:cNvPr id="45" name="TextBox 44"/>
+          <p:cNvSpPr txBox="1"/>
+          <p:nvPr/>
+        </p:nvSpPr>
+        <p:spPr>
+          <a:xfrm>
+            <a:off x="3448334" y="5063136"/>
+            <a:ext cx="2707536" cy="646331"/>
+          </a:xfrm>
+          <a:prstGeom prst="rect">
+            <a:avLst/>
+          </a:prstGeom>
+          <a:noFill/>
+        </p:spPr>
+        <p:txBody>
+          <a:bodyPr wrap="none" rtlCol="0">
+            <a:spAutoFit/>
+          </a:bodyPr>
+          <a:lstStyle/>
+          <a:p>
+            <a:r>
+              <a:rPr lang="en-US" dirty="0" smtClean="0"/>
+              <a:t>Similarity(C1, C2) = 0.85</a:t>
+            </a:r>
+          </a:p>
+          <a:p>
+            <a:r>
+              <a:rPr lang="en-US" dirty="0" smtClean="0"/>
+              <a:t>(C1 and C2 will be merged)</a:t>
+            </a:r>
+            <a:endParaRPr lang="en-US" dirty="0"/>
+          </a:p>
+        </p:txBody>
+      </p:sp>
+      <p:sp>
+        <p:nvSpPr>
+          <p:cNvPr id="46" name="TextBox 45"/>
+          <p:cNvSpPr txBox="1"/>
+          <p:nvPr/>
+        </p:nvSpPr>
+        <p:spPr>
+          <a:xfrm>
+            <a:off x="9596181" y="4990836"/>
+            <a:ext cx="1571264" cy="369332"/>
+          </a:xfrm>
+          <a:prstGeom prst="rect">
+            <a:avLst/>
+          </a:prstGeom>
+          <a:noFill/>
+        </p:spPr>
+        <p:txBody>
+          <a:bodyPr wrap="none" rtlCol="0">
+            <a:spAutoFit/>
+          </a:bodyPr>
+          <a:lstStyle/>
+          <a:p>
+            <a:r>
+              <a:rPr lang="en-US" dirty="0" smtClean="0"/>
+              <a:t>Similarity = 0.4</a:t>
+            </a:r>
+            <a:endParaRPr lang="en-US" dirty="0"/>
+          </a:p>
+        </p:txBody>
+      </p:sp>
+      <p:sp>
+        <p:nvSpPr>
+          <p:cNvPr id="47" name="TextBox 46"/>
+          <p:cNvSpPr txBox="1"/>
+          <p:nvPr/>
+        </p:nvSpPr>
+        <p:spPr>
+          <a:xfrm>
+            <a:off x="1547146" y="4385711"/>
+            <a:ext cx="425116" cy="369332"/>
+          </a:xfrm>
+          <a:prstGeom prst="rect">
+            <a:avLst/>
+          </a:prstGeom>
+          <a:noFill/>
+        </p:spPr>
+        <p:txBody>
+          <a:bodyPr wrap="none" rtlCol="0">
+            <a:spAutoFit/>
+          </a:bodyPr>
+          <a:lstStyle/>
+          <a:p>
+            <a:r>
+              <a:rPr lang="en-US" dirty="0" smtClean="0"/>
+              <a:t>C1</a:t>
+            </a:r>
+            <a:endParaRPr lang="en-US" dirty="0"/>
+          </a:p>
+        </p:txBody>
+      </p:sp>
+      <p:sp>
+        <p:nvSpPr>
+          <p:cNvPr id="48" name="TextBox 47"/>
+          <p:cNvSpPr txBox="1"/>
+          <p:nvPr/>
+        </p:nvSpPr>
+        <p:spPr>
+          <a:xfrm>
+            <a:off x="1547146" y="5727533"/>
+            <a:ext cx="425116" cy="369332"/>
+          </a:xfrm>
+          <a:prstGeom prst="rect">
+            <a:avLst/>
+          </a:prstGeom>
+          <a:noFill/>
+        </p:spPr>
+        <p:txBody>
+          <a:bodyPr wrap="none" rtlCol="0">
+            <a:spAutoFit/>
+          </a:bodyPr>
+          <a:lstStyle/>
+          <a:p>
+            <a:r>
+              <a:rPr lang="en-US" dirty="0" smtClean="0"/>
+              <a:t>C2</a:t>
+            </a:r>
+            <a:endParaRPr lang="en-US" dirty="0"/>
           </a:p>
         </p:txBody>
       </p:sp>
       <p:pic>
         <p:nvPicPr>
-          <p:cNvPr id="36" name="Picture 35"/>
+          <p:cNvPr id="50" name="Picture 49"/>
           <p:cNvPicPr>
             <a:picLocks noChangeAspect="1"/>
           </p:cNvPicPr>
           <p:nvPr/>
         </p:nvPicPr>
         <p:blipFill>
-          <a:blip r:embed="rId6"/>
+          <a:blip r:embed="rId10"/>
           <a:stretch>
             <a:fillRect/>
           </a:stretch>
         </p:blipFill>
         <p:spPr>
           <a:xfrm>
-            <a:off x="5490754" y="4219893"/>
-            <a:ext cx="1411593" cy="1332191"/>
+            <a:off x="4352828" y="6364220"/>
+            <a:ext cx="3686891" cy="493780"/>
           </a:xfrm>
           <a:prstGeom prst="rect">
             <a:avLst/>
@@ -5421,22 +5676,22 @@
       </p:pic>
       <p:pic>
         <p:nvPicPr>
-          <p:cNvPr id="37" name="Picture 36"/>
+          <p:cNvPr id="51" name="Picture 50"/>
           <p:cNvPicPr>
             <a:picLocks noChangeAspect="1"/>
           </p:cNvPicPr>
           <p:nvPr/>
         </p:nvPicPr>
         <p:blipFill>
-          <a:blip r:embed="rId7"/>
+          <a:blip r:embed="rId11"/>
           <a:stretch>
             <a:fillRect/>
           </a:stretch>
         </p:blipFill>
         <p:spPr>
           <a:xfrm>
-            <a:off x="3746091" y="4219893"/>
-            <a:ext cx="1500823" cy="1332191"/>
+            <a:off x="8039719" y="6404025"/>
+            <a:ext cx="838200" cy="414170"/>
           </a:xfrm>
           <a:prstGeom prst="rect">
             <a:avLst/>
@@ -5445,87 +5700,29 @@
       </p:pic>
       <p:sp>
         <p:nvSpPr>
-          <p:cNvPr id="38" name="Rectangle 37"/>
-          <p:cNvSpPr/>
-          <p:nvPr/>
-        </p:nvSpPr>
-        <p:spPr>
-          <a:xfrm>
-            <a:off x="6564984" y="4674985"/>
-            <a:ext cx="183148" cy="211003"/>
-          </a:xfrm>
-          <a:prstGeom prst="rect">
-            <a:avLst/>
-          </a:prstGeom>
-        </p:spPr>
-        <p:style>
-          <a:lnRef idx="2">
-            <a:schemeClr val="accent2">
-              <a:shade val="50000"/>
-            </a:schemeClr>
-          </a:lnRef>
-          <a:fillRef idx="1">
-            <a:schemeClr val="accent2"/>
-          </a:fillRef>
-          <a:effectRef idx="0">
-            <a:schemeClr val="accent2"/>
-          </a:effectRef>
-          <a:fontRef idx="minor">
-            <a:schemeClr val="lt1"/>
-          </a:fontRef>
-        </p:style>
-        <p:txBody>
-          <a:bodyPr rtlCol="0" anchor="ctr"/>
-          <a:lstStyle/>
-          <a:p>
-            <a:pPr algn="ctr"/>
+          <p:cNvPr id="52" name="TextBox 51"/>
+          <p:cNvSpPr txBox="1"/>
+          <p:nvPr/>
+        </p:nvSpPr>
+        <p:spPr>
+          <a:xfrm>
+            <a:off x="862986" y="6068764"/>
+            <a:ext cx="11329014" cy="369332"/>
+          </a:xfrm>
+          <a:prstGeom prst="rect">
+            <a:avLst/>
+          </a:prstGeom>
+          <a:noFill/>
+        </p:spPr>
+        <p:txBody>
+          <a:bodyPr wrap="square" rtlCol="0">
+            <a:spAutoFit/>
+          </a:bodyPr>
+          <a:lstStyle/>
+          <a:p>
             <a:r>
               <a:rPr lang="en-US" dirty="0" smtClean="0"/>
-              <a:t>6</a:t>
-            </a:r>
-            <a:endParaRPr lang="en-US" dirty="0"/>
-          </a:p>
-        </p:txBody>
-      </p:sp>
-      <p:sp>
-        <p:nvSpPr>
-          <p:cNvPr id="39" name="Rectangle 38"/>
-          <p:cNvSpPr/>
-          <p:nvPr/>
-        </p:nvSpPr>
-        <p:spPr>
-          <a:xfrm>
-            <a:off x="6196550" y="4548792"/>
-            <a:ext cx="183148" cy="211003"/>
-          </a:xfrm>
-          <a:prstGeom prst="rect">
-            <a:avLst/>
-          </a:prstGeom>
-        </p:spPr>
-        <p:style>
-          <a:lnRef idx="2">
-            <a:schemeClr val="accent2">
-              <a:shade val="50000"/>
-            </a:schemeClr>
-          </a:lnRef>
-          <a:fillRef idx="1">
-            <a:schemeClr val="accent2"/>
-          </a:fillRef>
-          <a:effectRef idx="0">
-            <a:schemeClr val="accent2"/>
-          </a:effectRef>
-          <a:fontRef idx="minor">
-            <a:schemeClr val="lt1"/>
-          </a:fontRef>
-        </p:style>
-        <p:txBody>
-          <a:bodyPr rtlCol="0" anchor="ctr"/>
-          <a:lstStyle/>
-          <a:p>
-            <a:pPr algn="ctr"/>
-            <a:r>
-              <a:rPr lang="en-US" dirty="0" smtClean="0"/>
-              <a:t>5</a:t>
+              <a:t>When no more clustering possible, average patches in each cluster to obtain representative patch for each cluster.</a:t>
             </a:r>
             <a:endParaRPr lang="en-US" dirty="0"/>
           </a:p>
@@ -5534,7 +5731,7 @@
     </p:spTree>
     <p:extLst>
       <p:ext uri="{BB962C8B-B14F-4D97-AF65-F5344CB8AC3E}">
-        <p14:creationId xmlns:p14="http://schemas.microsoft.com/office/powerpoint/2010/main" val="477686783"/>
+        <p14:creationId xmlns:p14="http://schemas.microsoft.com/office/powerpoint/2010/main" val="523556827"/>
       </p:ext>
     </p:extLst>
   </p:cSld>
@@ -5571,19 +5768,79 @@
             <p:ph type="title"/>
           </p:nvPr>
         </p:nvSpPr>
-        <p:spPr>
-          <a:xfrm>
-            <a:off x="891021" y="386920"/>
-            <a:ext cx="10515600" cy="1325563"/>
-          </a:xfrm>
-        </p:spPr>
+        <p:spPr/>
         <p:txBody>
           <a:bodyPr/>
           <a:lstStyle/>
           <a:p>
             <a:r>
               <a:rPr lang="en-US" dirty="0" smtClean="0"/>
-              <a:t>Local code-book creation – Agglomerative Clustering</a:t>
+              <a:t>Local code-book creation: Input =&gt; Output</a:t>
+            </a:r>
+            <a:endParaRPr lang="en-US" dirty="0"/>
+          </a:p>
+        </p:txBody>
+      </p:sp>
+      <p:sp>
+        <p:nvSpPr>
+          <p:cNvPr id="5" name="TextBox 4"/>
+          <p:cNvSpPr txBox="1"/>
+          <p:nvPr/>
+        </p:nvSpPr>
+        <p:spPr>
+          <a:xfrm>
+            <a:off x="2389543" y="5401894"/>
+            <a:ext cx="2604687" cy="646331"/>
+          </a:xfrm>
+          <a:prstGeom prst="rect">
+            <a:avLst/>
+          </a:prstGeom>
+          <a:noFill/>
+        </p:spPr>
+        <p:txBody>
+          <a:bodyPr wrap="none" rtlCol="0">
+            <a:spAutoFit/>
+          </a:bodyPr>
+          <a:lstStyle/>
+          <a:p>
+            <a:r>
+              <a:rPr lang="en-US" b="1" dirty="0" smtClean="0"/>
+              <a:t>     Training images + </a:t>
+            </a:r>
+          </a:p>
+          <a:p>
+            <a:r>
+              <a:rPr lang="en-US" b="1" dirty="0" smtClean="0"/>
+              <a:t>Labels (object categories)</a:t>
+            </a:r>
+            <a:endParaRPr lang="en-US" b="1" dirty="0"/>
+          </a:p>
+        </p:txBody>
+      </p:sp>
+      <p:sp>
+        <p:nvSpPr>
+          <p:cNvPr id="6" name="Rectangle 5"/>
+          <p:cNvSpPr/>
+          <p:nvPr/>
+        </p:nvSpPr>
+        <p:spPr>
+          <a:xfrm>
+            <a:off x="3117894" y="4722662"/>
+            <a:ext cx="498855" cy="369332"/>
+          </a:xfrm>
+          <a:prstGeom prst="rect">
+            <a:avLst/>
+          </a:prstGeom>
+        </p:spPr>
+        <p:txBody>
+          <a:bodyPr wrap="none">
+            <a:spAutoFit/>
+          </a:bodyPr>
+          <a:lstStyle/>
+          <a:p>
+            <a:r>
+              <a:rPr lang="en-US" dirty="0" smtClean="0"/>
+              <a:t>Car</a:t>
             </a:r>
             <a:endParaRPr lang="en-US" dirty="0"/>
           </a:p>
@@ -5591,33 +5848,381 @@
       </p:sp>
       <p:pic>
         <p:nvPicPr>
-          <p:cNvPr id="4" name="Content Placeholder 3"/>
+          <p:cNvPr id="23" name="Picture 22"/>
           <p:cNvPicPr>
-            <a:picLocks noGrp="1" noChangeAspect="1"/>
+            <a:picLocks noChangeAspect="1"/>
           </p:cNvPicPr>
-          <p:nvPr>
-            <p:ph idx="1"/>
-          </p:nvPr>
+          <p:nvPr/>
         </p:nvPicPr>
-        <p:blipFill>
+        <p:blipFill rotWithShape="1">
           <a:blip r:embed="rId2"/>
-          <a:stretch>
-            <a:fillRect/>
-          </a:stretch>
+          <a:srcRect t="-1" b="50735"/>
+          <a:stretch/>
         </p:blipFill>
         <p:spPr>
           <a:xfrm>
-            <a:off x="8519434" y="3688647"/>
-            <a:ext cx="2887187" cy="503754"/>
+            <a:off x="7540551" y="1837711"/>
+            <a:ext cx="3093252" cy="1523914"/>
           </a:xfrm>
           <a:prstGeom prst="rect">
             <a:avLst/>
           </a:prstGeom>
         </p:spPr>
       </p:pic>
+      <p:sp>
+        <p:nvSpPr>
+          <p:cNvPr id="24" name="Rectangle 23"/>
+          <p:cNvSpPr/>
+          <p:nvPr/>
+        </p:nvSpPr>
+        <p:spPr>
+          <a:xfrm>
+            <a:off x="9457215" y="2722942"/>
+            <a:ext cx="183148" cy="211003"/>
+          </a:xfrm>
+          <a:prstGeom prst="rect">
+            <a:avLst/>
+          </a:prstGeom>
+        </p:spPr>
+        <p:style>
+          <a:lnRef idx="2">
+            <a:schemeClr val="accent2">
+              <a:shade val="50000"/>
+            </a:schemeClr>
+          </a:lnRef>
+          <a:fillRef idx="1">
+            <a:schemeClr val="accent2"/>
+          </a:fillRef>
+          <a:effectRef idx="0">
+            <a:schemeClr val="accent2"/>
+          </a:effectRef>
+          <a:fontRef idx="minor">
+            <a:schemeClr val="lt1"/>
+          </a:fontRef>
+        </p:style>
+        <p:txBody>
+          <a:bodyPr rtlCol="0" anchor="ctr"/>
+          <a:lstStyle/>
+          <a:p>
+            <a:pPr algn="ctr"/>
+            <a:r>
+              <a:rPr lang="en-US" dirty="0" smtClean="0"/>
+              <a:t>3</a:t>
+            </a:r>
+            <a:endParaRPr lang="en-US" dirty="0"/>
+          </a:p>
+        </p:txBody>
+      </p:sp>
+      <p:sp>
+        <p:nvSpPr>
+          <p:cNvPr id="25" name="Rectangle 24"/>
+          <p:cNvSpPr/>
+          <p:nvPr/>
+        </p:nvSpPr>
+        <p:spPr>
+          <a:xfrm>
+            <a:off x="8642111" y="2730674"/>
+            <a:ext cx="183148" cy="211003"/>
+          </a:xfrm>
+          <a:prstGeom prst="rect">
+            <a:avLst/>
+          </a:prstGeom>
+        </p:spPr>
+        <p:style>
+          <a:lnRef idx="2">
+            <a:schemeClr val="accent2">
+              <a:shade val="50000"/>
+            </a:schemeClr>
+          </a:lnRef>
+          <a:fillRef idx="1">
+            <a:schemeClr val="accent2"/>
+          </a:fillRef>
+          <a:effectRef idx="0">
+            <a:schemeClr val="accent2"/>
+          </a:effectRef>
+          <a:fontRef idx="minor">
+            <a:schemeClr val="lt1"/>
+          </a:fontRef>
+        </p:style>
+        <p:txBody>
+          <a:bodyPr rtlCol="0" anchor="ctr"/>
+          <a:lstStyle/>
+          <a:p>
+            <a:pPr algn="ctr"/>
+            <a:r>
+              <a:rPr lang="en-US" dirty="0" smtClean="0"/>
+              <a:t>6</a:t>
+            </a:r>
+            <a:endParaRPr lang="en-US" dirty="0"/>
+          </a:p>
+        </p:txBody>
+      </p:sp>
+      <p:sp>
+        <p:nvSpPr>
+          <p:cNvPr id="26" name="Rectangle 25"/>
+          <p:cNvSpPr/>
+          <p:nvPr/>
+        </p:nvSpPr>
+        <p:spPr>
+          <a:xfrm>
+            <a:off x="10344684" y="2704799"/>
+            <a:ext cx="183148" cy="211003"/>
+          </a:xfrm>
+          <a:prstGeom prst="rect">
+            <a:avLst/>
+          </a:prstGeom>
+        </p:spPr>
+        <p:style>
+          <a:lnRef idx="2">
+            <a:schemeClr val="accent2">
+              <a:shade val="50000"/>
+            </a:schemeClr>
+          </a:lnRef>
+          <a:fillRef idx="1">
+            <a:schemeClr val="accent2"/>
+          </a:fillRef>
+          <a:effectRef idx="0">
+            <a:schemeClr val="accent2"/>
+          </a:effectRef>
+          <a:fontRef idx="minor">
+            <a:schemeClr val="lt1"/>
+          </a:fontRef>
+        </p:style>
+        <p:txBody>
+          <a:bodyPr rtlCol="0" anchor="ctr"/>
+          <a:lstStyle/>
+          <a:p>
+            <a:pPr algn="ctr"/>
+            <a:r>
+              <a:rPr lang="en-US" dirty="0" smtClean="0"/>
+              <a:t>1</a:t>
+            </a:r>
+            <a:endParaRPr lang="en-US" dirty="0"/>
+          </a:p>
+        </p:txBody>
+      </p:sp>
+      <p:sp>
+        <p:nvSpPr>
+          <p:cNvPr id="27" name="Rectangle 26"/>
+          <p:cNvSpPr/>
+          <p:nvPr/>
+        </p:nvSpPr>
+        <p:spPr>
+          <a:xfrm>
+            <a:off x="10101932" y="2704800"/>
+            <a:ext cx="183148" cy="211003"/>
+          </a:xfrm>
+          <a:prstGeom prst="rect">
+            <a:avLst/>
+          </a:prstGeom>
+        </p:spPr>
+        <p:style>
+          <a:lnRef idx="2">
+            <a:schemeClr val="accent2">
+              <a:shade val="50000"/>
+            </a:schemeClr>
+          </a:lnRef>
+          <a:fillRef idx="1">
+            <a:schemeClr val="accent2"/>
+          </a:fillRef>
+          <a:effectRef idx="0">
+            <a:schemeClr val="accent2"/>
+          </a:effectRef>
+          <a:fontRef idx="minor">
+            <a:schemeClr val="lt1"/>
+          </a:fontRef>
+        </p:style>
+        <p:txBody>
+          <a:bodyPr rtlCol="0" anchor="ctr"/>
+          <a:lstStyle/>
+          <a:p>
+            <a:pPr algn="ctr"/>
+            <a:r>
+              <a:rPr lang="en-US" dirty="0" smtClean="0"/>
+              <a:t>2</a:t>
+            </a:r>
+            <a:endParaRPr lang="en-US" dirty="0"/>
+          </a:p>
+        </p:txBody>
+      </p:sp>
+      <p:sp>
+        <p:nvSpPr>
+          <p:cNvPr id="28" name="Rectangle 27"/>
+          <p:cNvSpPr/>
+          <p:nvPr/>
+        </p:nvSpPr>
+        <p:spPr>
+          <a:xfrm>
+            <a:off x="9217379" y="2721879"/>
+            <a:ext cx="183148" cy="211003"/>
+          </a:xfrm>
+          <a:prstGeom prst="rect">
+            <a:avLst/>
+          </a:prstGeom>
+        </p:spPr>
+        <p:style>
+          <a:lnRef idx="2">
+            <a:schemeClr val="accent2">
+              <a:shade val="50000"/>
+            </a:schemeClr>
+          </a:lnRef>
+          <a:fillRef idx="1">
+            <a:schemeClr val="accent2"/>
+          </a:fillRef>
+          <a:effectRef idx="0">
+            <a:schemeClr val="accent2"/>
+          </a:effectRef>
+          <a:fontRef idx="minor">
+            <a:schemeClr val="lt1"/>
+          </a:fontRef>
+        </p:style>
+        <p:txBody>
+          <a:bodyPr rtlCol="0" anchor="ctr"/>
+          <a:lstStyle/>
+          <a:p>
+            <a:pPr algn="ctr"/>
+            <a:r>
+              <a:rPr lang="en-US" dirty="0" smtClean="0"/>
+              <a:t>4</a:t>
+            </a:r>
+            <a:endParaRPr lang="en-US" dirty="0"/>
+          </a:p>
+        </p:txBody>
+      </p:sp>
+      <p:sp>
+        <p:nvSpPr>
+          <p:cNvPr id="29" name="Rectangle 28"/>
+          <p:cNvSpPr/>
+          <p:nvPr/>
+        </p:nvSpPr>
+        <p:spPr>
+          <a:xfrm>
+            <a:off x="7732412" y="2740612"/>
+            <a:ext cx="183148" cy="211003"/>
+          </a:xfrm>
+          <a:prstGeom prst="rect">
+            <a:avLst/>
+          </a:prstGeom>
+        </p:spPr>
+        <p:style>
+          <a:lnRef idx="2">
+            <a:schemeClr val="accent2">
+              <a:shade val="50000"/>
+            </a:schemeClr>
+          </a:lnRef>
+          <a:fillRef idx="1">
+            <a:schemeClr val="accent2"/>
+          </a:fillRef>
+          <a:effectRef idx="0">
+            <a:schemeClr val="accent2"/>
+          </a:effectRef>
+          <a:fontRef idx="minor">
+            <a:schemeClr val="lt1"/>
+          </a:fontRef>
+        </p:style>
+        <p:txBody>
+          <a:bodyPr rtlCol="0" anchor="ctr"/>
+          <a:lstStyle/>
+          <a:p>
+            <a:pPr algn="ctr"/>
+            <a:r>
+              <a:rPr lang="en-US" dirty="0"/>
+              <a:t>8</a:t>
+            </a:r>
+          </a:p>
+        </p:txBody>
+      </p:sp>
+      <p:sp>
+        <p:nvSpPr>
+          <p:cNvPr id="30" name="Rectangle 29"/>
+          <p:cNvSpPr/>
+          <p:nvPr/>
+        </p:nvSpPr>
+        <p:spPr>
+          <a:xfrm>
+            <a:off x="8868656" y="2731817"/>
+            <a:ext cx="183148" cy="211003"/>
+          </a:xfrm>
+          <a:prstGeom prst="rect">
+            <a:avLst/>
+          </a:prstGeom>
+        </p:spPr>
+        <p:style>
+          <a:lnRef idx="2">
+            <a:schemeClr val="accent2">
+              <a:shade val="50000"/>
+            </a:schemeClr>
+          </a:lnRef>
+          <a:fillRef idx="1">
+            <a:schemeClr val="accent2"/>
+          </a:fillRef>
+          <a:effectRef idx="0">
+            <a:schemeClr val="accent2"/>
+          </a:effectRef>
+          <a:fontRef idx="minor">
+            <a:schemeClr val="lt1"/>
+          </a:fontRef>
+        </p:style>
+        <p:txBody>
+          <a:bodyPr rtlCol="0" anchor="ctr"/>
+          <a:lstStyle/>
+          <a:p>
+            <a:pPr algn="ctr"/>
+            <a:r>
+              <a:rPr lang="en-US" dirty="0" smtClean="0"/>
+              <a:t>5</a:t>
+            </a:r>
+            <a:endParaRPr lang="en-US" dirty="0"/>
+          </a:p>
+        </p:txBody>
+      </p:sp>
+      <p:sp>
+        <p:nvSpPr>
+          <p:cNvPr id="31" name="Rectangle 30"/>
+          <p:cNvSpPr/>
+          <p:nvPr/>
+        </p:nvSpPr>
+        <p:spPr>
+          <a:xfrm>
+            <a:off x="7959025" y="2740612"/>
+            <a:ext cx="183148" cy="211003"/>
+          </a:xfrm>
+          <a:prstGeom prst="rect">
+            <a:avLst/>
+          </a:prstGeom>
+        </p:spPr>
+        <p:style>
+          <a:lnRef idx="2">
+            <a:schemeClr val="accent2">
+              <a:shade val="50000"/>
+            </a:schemeClr>
+          </a:lnRef>
+          <a:fillRef idx="1">
+            <a:schemeClr val="accent2"/>
+          </a:fillRef>
+          <a:effectRef idx="0">
+            <a:schemeClr val="accent2"/>
+          </a:effectRef>
+          <a:fontRef idx="minor">
+            <a:schemeClr val="lt1"/>
+          </a:fontRef>
+        </p:style>
+        <p:txBody>
+          <a:bodyPr rtlCol="0" anchor="ctr"/>
+          <a:lstStyle/>
+          <a:p>
+            <a:pPr algn="ctr"/>
+            <a:r>
+              <a:rPr lang="en-US" dirty="0" smtClean="0"/>
+              <a:t>7</a:t>
+            </a:r>
+            <a:endParaRPr lang="en-US" dirty="0"/>
+          </a:p>
+        </p:txBody>
+      </p:sp>
       <p:pic>
         <p:nvPicPr>
-          <p:cNvPr id="5" name="Picture 4"/>
+          <p:cNvPr id="32" name="Picture 31"/>
           <p:cNvPicPr>
             <a:picLocks noChangeAspect="1"/>
           </p:cNvPicPr>
@@ -5631,17 +6236,116 @@
         </p:blipFill>
         <p:spPr>
           <a:xfrm>
-            <a:off x="6746282" y="1807565"/>
-            <a:ext cx="3371850" cy="638175"/>
+            <a:off x="2389543" y="1714929"/>
+            <a:ext cx="1955558" cy="3007733"/>
           </a:xfrm>
           <a:prstGeom prst="rect">
             <a:avLst/>
           </a:prstGeom>
         </p:spPr>
       </p:pic>
+      <p:sp>
+        <p:nvSpPr>
+          <p:cNvPr id="34" name="TextBox 33"/>
+          <p:cNvSpPr txBox="1"/>
+          <p:nvPr/>
+        </p:nvSpPr>
+        <p:spPr>
+          <a:xfrm>
+            <a:off x="7813513" y="3361625"/>
+            <a:ext cx="2263889" cy="369332"/>
+          </a:xfrm>
+          <a:prstGeom prst="rect">
+            <a:avLst/>
+          </a:prstGeom>
+          <a:noFill/>
+        </p:spPr>
+        <p:txBody>
+          <a:bodyPr wrap="none" rtlCol="0">
+            <a:spAutoFit/>
+          </a:bodyPr>
+          <a:lstStyle/>
+          <a:p>
+            <a:r>
+              <a:rPr lang="en-US" b="1" dirty="0" smtClean="0"/>
+              <a:t>Interest Point Patches</a:t>
+            </a:r>
+            <a:endParaRPr lang="en-US" b="1" dirty="0"/>
+          </a:p>
+        </p:txBody>
+      </p:sp>
+      <p:sp>
+        <p:nvSpPr>
+          <p:cNvPr id="35" name="TextBox 34"/>
+          <p:cNvSpPr txBox="1"/>
+          <p:nvPr/>
+        </p:nvSpPr>
+        <p:spPr>
+          <a:xfrm>
+            <a:off x="7777101" y="5540393"/>
+            <a:ext cx="2715743" cy="369332"/>
+          </a:xfrm>
+          <a:prstGeom prst="rect">
+            <a:avLst/>
+          </a:prstGeom>
+          <a:noFill/>
+        </p:spPr>
+        <p:txBody>
+          <a:bodyPr wrap="none" rtlCol="0">
+            <a:spAutoFit/>
+          </a:bodyPr>
+          <a:lstStyle/>
+          <a:p>
+            <a:r>
+              <a:rPr lang="en-US" b="1" dirty="0" smtClean="0"/>
+              <a:t>Per object class code-book</a:t>
+            </a:r>
+          </a:p>
+        </p:txBody>
+      </p:sp>
+      <p:sp>
+        <p:nvSpPr>
+          <p:cNvPr id="3" name="Right Arrow 2"/>
+          <p:cNvSpPr/>
+          <p:nvPr/>
+        </p:nvSpPr>
+        <p:spPr>
+          <a:xfrm>
+            <a:off x="5310034" y="3175048"/>
+            <a:ext cx="1538545" cy="742486"/>
+          </a:xfrm>
+          <a:prstGeom prst="rightArrow">
+            <a:avLst/>
+          </a:prstGeom>
+        </p:spPr>
+        <p:style>
+          <a:lnRef idx="2">
+            <a:schemeClr val="accent1">
+              <a:shade val="50000"/>
+            </a:schemeClr>
+          </a:lnRef>
+          <a:fillRef idx="1">
+            <a:schemeClr val="accent1"/>
+          </a:fillRef>
+          <a:effectRef idx="0">
+            <a:schemeClr val="accent1"/>
+          </a:effectRef>
+          <a:fontRef idx="minor">
+            <a:schemeClr val="lt1"/>
+          </a:fontRef>
+        </p:style>
+        <p:txBody>
+          <a:bodyPr rtlCol="0" anchor="ctr"/>
+          <a:lstStyle/>
+          <a:p>
+            <a:pPr algn="ctr"/>
+            <a:endParaRPr lang="en-US"/>
+          </a:p>
+        </p:txBody>
+      </p:sp>
       <p:pic>
         <p:nvPicPr>
-          <p:cNvPr id="9" name="Picture 8"/>
+          <p:cNvPr id="4" name="Picture 3"/>
           <p:cNvPicPr>
             <a:picLocks noChangeAspect="1"/>
           </p:cNvPicPr>
@@ -5655,8 +6359,32 @@
         </p:blipFill>
         <p:spPr>
           <a:xfrm>
-            <a:off x="1893710" y="4617689"/>
-            <a:ext cx="1438275" cy="466725"/>
+            <a:off x="7587602" y="4479711"/>
+            <a:ext cx="969371" cy="950364"/>
+          </a:xfrm>
+          <a:prstGeom prst="rect">
+            <a:avLst/>
+          </a:prstGeom>
+        </p:spPr>
+      </p:pic>
+      <p:pic>
+        <p:nvPicPr>
+          <p:cNvPr id="7" name="Picture 6"/>
+          <p:cNvPicPr>
+            <a:picLocks noChangeAspect="1"/>
+          </p:cNvPicPr>
+          <p:nvPr/>
+        </p:nvPicPr>
+        <p:blipFill>
+          <a:blip r:embed="rId5"/>
+          <a:stretch>
+            <a:fillRect/>
+          </a:stretch>
+        </p:blipFill>
+        <p:spPr>
+          <a:xfrm>
+            <a:off x="8800640" y="4430893"/>
+            <a:ext cx="908347" cy="999182"/>
           </a:xfrm>
           <a:prstGeom prst="rect">
             <a:avLst/>
@@ -5672,68 +6400,6 @@
           <p:nvPr/>
         </p:nvPicPr>
         <p:blipFill>
-          <a:blip r:embed="rId5"/>
-          <a:stretch>
-            <a:fillRect/>
-          </a:stretch>
-        </p:blipFill>
-        <p:spPr>
-          <a:xfrm>
-            <a:off x="7722496" y="5356268"/>
-            <a:ext cx="1571625" cy="476250"/>
-          </a:xfrm>
-          <a:prstGeom prst="rect">
-            <a:avLst/>
-          </a:prstGeom>
-        </p:spPr>
-      </p:pic>
-      <p:sp>
-        <p:nvSpPr>
-          <p:cNvPr id="12" name="TextBox 11"/>
-          <p:cNvSpPr txBox="1"/>
-          <p:nvPr/>
-        </p:nvSpPr>
-        <p:spPr>
-          <a:xfrm>
-            <a:off x="908498" y="1941987"/>
-            <a:ext cx="5978175" cy="369332"/>
-          </a:xfrm>
-          <a:prstGeom prst="rect">
-            <a:avLst/>
-          </a:prstGeom>
-          <a:noFill/>
-        </p:spPr>
-        <p:txBody>
-          <a:bodyPr wrap="none" rtlCol="0">
-            <a:spAutoFit/>
-          </a:bodyPr>
-          <a:lstStyle/>
-          <a:p>
-            <a:r>
-              <a:rPr lang="en-US" dirty="0" smtClean="0"/>
-              <a:t>For a pair of patches (</a:t>
-            </a:r>
-            <a:r>
-              <a:rPr lang="en-US" dirty="0" err="1" smtClean="0"/>
-              <a:t>p,q</a:t>
-            </a:r>
-            <a:r>
-              <a:rPr lang="en-US" dirty="0" smtClean="0"/>
-              <a:t>): Normalized Grayscale correlation =</a:t>
-            </a:r>
-            <a:endParaRPr lang="en-US" dirty="0"/>
-          </a:p>
-        </p:txBody>
-      </p:sp>
-      <p:pic>
-        <p:nvPicPr>
-          <p:cNvPr id="13" name="Picture 12"/>
-          <p:cNvPicPr>
-            <a:picLocks noChangeAspect="1"/>
-          </p:cNvPicPr>
-          <p:nvPr/>
-        </p:nvPicPr>
-        <p:blipFill>
           <a:blip r:embed="rId6"/>
           <a:stretch>
             <a:fillRect/>
@@ -5741,678 +6407,18 @@
         </p:blipFill>
         <p:spPr>
           <a:xfrm>
-            <a:off x="3897585" y="2406401"/>
-            <a:ext cx="643729" cy="588944"/>
+            <a:off x="9833911" y="4479711"/>
+            <a:ext cx="799892" cy="844331"/>
           </a:xfrm>
           <a:prstGeom prst="rect">
             <a:avLst/>
           </a:prstGeom>
         </p:spPr>
       </p:pic>
-      <p:pic>
-        <p:nvPicPr>
-          <p:cNvPr id="14" name="Picture 13"/>
-          <p:cNvPicPr>
-            <a:picLocks noChangeAspect="1"/>
-          </p:cNvPicPr>
-          <p:nvPr/>
-        </p:nvPicPr>
-        <p:blipFill>
-          <a:blip r:embed="rId7"/>
-          <a:stretch>
-            <a:fillRect/>
-          </a:stretch>
-        </p:blipFill>
-        <p:spPr>
-          <a:xfrm>
-            <a:off x="4541314" y="2406401"/>
-            <a:ext cx="620451" cy="593475"/>
-          </a:xfrm>
-          <a:prstGeom prst="rect">
-            <a:avLst/>
-          </a:prstGeom>
-        </p:spPr>
-      </p:pic>
-      <p:sp>
-        <p:nvSpPr>
-          <p:cNvPr id="15" name="TextBox 14"/>
-          <p:cNvSpPr txBox="1"/>
-          <p:nvPr/>
-        </p:nvSpPr>
-        <p:spPr>
-          <a:xfrm>
-            <a:off x="5288397" y="2462754"/>
-            <a:ext cx="1116011" cy="369332"/>
-          </a:xfrm>
-          <a:prstGeom prst="rect">
-            <a:avLst/>
-          </a:prstGeom>
-          <a:noFill/>
-        </p:spPr>
-        <p:txBody>
-          <a:bodyPr wrap="none" rtlCol="0">
-            <a:spAutoFit/>
-          </a:bodyPr>
-          <a:lstStyle/>
-          <a:p>
-            <a:r>
-              <a:rPr lang="en-US" dirty="0" smtClean="0"/>
-              <a:t>NGC = 0.9</a:t>
-            </a:r>
-            <a:endParaRPr lang="en-US" dirty="0"/>
-          </a:p>
-        </p:txBody>
-      </p:sp>
-      <p:pic>
-        <p:nvPicPr>
-          <p:cNvPr id="17" name="Picture 16"/>
-          <p:cNvPicPr>
-            <a:picLocks noChangeAspect="1"/>
-          </p:cNvPicPr>
-          <p:nvPr/>
-        </p:nvPicPr>
-        <p:blipFill>
-          <a:blip r:embed="rId6"/>
-          <a:stretch>
-            <a:fillRect/>
-          </a:stretch>
-        </p:blipFill>
-        <p:spPr>
-          <a:xfrm>
-            <a:off x="3897585" y="3136838"/>
-            <a:ext cx="643729" cy="588944"/>
-          </a:xfrm>
-          <a:prstGeom prst="rect">
-            <a:avLst/>
-          </a:prstGeom>
-        </p:spPr>
-      </p:pic>
-      <p:pic>
-        <p:nvPicPr>
-          <p:cNvPr id="18" name="Picture 17"/>
-          <p:cNvPicPr>
-            <a:picLocks noChangeAspect="1"/>
-          </p:cNvPicPr>
-          <p:nvPr/>
-        </p:nvPicPr>
-        <p:blipFill>
-          <a:blip r:embed="rId8"/>
-          <a:stretch>
-            <a:fillRect/>
-          </a:stretch>
-        </p:blipFill>
-        <p:spPr>
-          <a:xfrm>
-            <a:off x="4549442" y="3132307"/>
-            <a:ext cx="612323" cy="599012"/>
-          </a:xfrm>
-          <a:prstGeom prst="rect">
-            <a:avLst/>
-          </a:prstGeom>
-        </p:spPr>
-      </p:pic>
-      <p:sp>
-        <p:nvSpPr>
-          <p:cNvPr id="21" name="TextBox 20"/>
-          <p:cNvSpPr txBox="1"/>
-          <p:nvPr/>
-        </p:nvSpPr>
-        <p:spPr>
-          <a:xfrm>
-            <a:off x="5282578" y="3246644"/>
-            <a:ext cx="1116011" cy="369332"/>
-          </a:xfrm>
-          <a:prstGeom prst="rect">
-            <a:avLst/>
-          </a:prstGeom>
-          <a:noFill/>
-        </p:spPr>
-        <p:txBody>
-          <a:bodyPr wrap="none" rtlCol="0">
-            <a:spAutoFit/>
-          </a:bodyPr>
-          <a:lstStyle/>
-          <a:p>
-            <a:r>
-              <a:rPr lang="en-US" dirty="0" smtClean="0"/>
-              <a:t>NGC = 0.4</a:t>
-            </a:r>
-            <a:endParaRPr lang="en-US" dirty="0"/>
-          </a:p>
-        </p:txBody>
-      </p:sp>
-      <p:sp>
-        <p:nvSpPr>
-          <p:cNvPr id="22" name="TextBox 21"/>
-          <p:cNvSpPr txBox="1"/>
-          <p:nvPr/>
-        </p:nvSpPr>
-        <p:spPr>
-          <a:xfrm>
-            <a:off x="908498" y="3803316"/>
-            <a:ext cx="8994123" cy="646331"/>
-          </a:xfrm>
-          <a:prstGeom prst="rect">
-            <a:avLst/>
-          </a:prstGeom>
-          <a:noFill/>
-        </p:spPr>
-        <p:txBody>
-          <a:bodyPr wrap="square" rtlCol="0">
-            <a:spAutoFit/>
-          </a:bodyPr>
-          <a:lstStyle/>
-          <a:p>
-            <a:r>
-              <a:rPr lang="en-US" dirty="0" smtClean="0"/>
-              <a:t>Start with each patch as a separate cluster. Merge two clusters if they are similar.</a:t>
-            </a:r>
-          </a:p>
-          <a:p>
-            <a:r>
-              <a:rPr lang="en-US" dirty="0" smtClean="0"/>
-              <a:t>(Average of pair-wise NGCs of each pair in C1 X C2. t = 0.7 for their experiments)</a:t>
-            </a:r>
-            <a:endParaRPr lang="en-US" dirty="0"/>
-          </a:p>
-        </p:txBody>
-      </p:sp>
-      <p:pic>
-        <p:nvPicPr>
-          <p:cNvPr id="23" name="Picture 22"/>
-          <p:cNvPicPr>
-            <a:picLocks noChangeAspect="1"/>
-          </p:cNvPicPr>
-          <p:nvPr/>
-        </p:nvPicPr>
-        <p:blipFill>
-          <a:blip r:embed="rId9"/>
-          <a:stretch>
-            <a:fillRect/>
-          </a:stretch>
-        </p:blipFill>
-        <p:spPr>
-          <a:xfrm>
-            <a:off x="1978551" y="5432468"/>
-            <a:ext cx="828675" cy="400050"/>
-          </a:xfrm>
-          <a:prstGeom prst="rect">
-            <a:avLst/>
-          </a:prstGeom>
-        </p:spPr>
-      </p:pic>
-      <p:pic>
-        <p:nvPicPr>
-          <p:cNvPr id="24" name="Picture 23"/>
-          <p:cNvPicPr>
-            <a:picLocks noChangeAspect="1"/>
-          </p:cNvPicPr>
-          <p:nvPr/>
-        </p:nvPicPr>
-        <p:blipFill>
-          <a:blip r:embed="rId4"/>
-          <a:stretch>
-            <a:fillRect/>
-          </a:stretch>
-        </p:blipFill>
-        <p:spPr>
-          <a:xfrm>
-            <a:off x="7722496" y="4557082"/>
-            <a:ext cx="1438275" cy="466725"/>
-          </a:xfrm>
-          <a:prstGeom prst="rect">
-            <a:avLst/>
-          </a:prstGeom>
-        </p:spPr>
-      </p:pic>
-      <p:cxnSp>
-        <p:nvCxnSpPr>
-          <p:cNvPr id="26" name="Straight Arrow Connector 25"/>
-          <p:cNvCxnSpPr/>
-          <p:nvPr/>
-        </p:nvCxnSpPr>
-        <p:spPr>
-          <a:xfrm>
-            <a:off x="2111604" y="5084414"/>
-            <a:ext cx="0" cy="348054"/>
-          </a:xfrm>
-          <a:prstGeom prst="straightConnector1">
-            <a:avLst/>
-          </a:prstGeom>
-          <a:ln>
-            <a:tailEnd type="triangle"/>
-          </a:ln>
-        </p:spPr>
-        <p:style>
-          <a:lnRef idx="1">
-            <a:schemeClr val="accent1"/>
-          </a:lnRef>
-          <a:fillRef idx="0">
-            <a:schemeClr val="accent1"/>
-          </a:fillRef>
-          <a:effectRef idx="0">
-            <a:schemeClr val="accent1"/>
-          </a:effectRef>
-          <a:fontRef idx="minor">
-            <a:schemeClr val="tx1"/>
-          </a:fontRef>
-        </p:style>
-      </p:cxnSp>
-      <p:sp>
-        <p:nvSpPr>
-          <p:cNvPr id="27" name="TextBox 26"/>
-          <p:cNvSpPr txBox="1"/>
-          <p:nvPr/>
-        </p:nvSpPr>
-        <p:spPr>
-          <a:xfrm>
-            <a:off x="1422369" y="5037316"/>
-            <a:ext cx="875561" cy="261610"/>
-          </a:xfrm>
-          <a:prstGeom prst="rect">
-            <a:avLst/>
-          </a:prstGeom>
-          <a:noFill/>
-        </p:spPr>
-        <p:txBody>
-          <a:bodyPr wrap="none" rtlCol="0">
-            <a:spAutoFit/>
-          </a:bodyPr>
-          <a:lstStyle/>
-          <a:p>
-            <a:r>
-              <a:rPr lang="en-US" sz="1100" dirty="0" smtClean="0"/>
-              <a:t>NGC</a:t>
-            </a:r>
-            <a:r>
-              <a:rPr lang="en-US" sz="1100" baseline="-25000" dirty="0" smtClean="0"/>
-              <a:t>0,0</a:t>
-            </a:r>
-            <a:r>
-              <a:rPr lang="en-US" sz="1100" dirty="0" smtClean="0"/>
-              <a:t> = 0.9</a:t>
-            </a:r>
-            <a:endParaRPr lang="en-US" sz="1100" dirty="0"/>
-          </a:p>
-        </p:txBody>
-      </p:sp>
-      <p:cxnSp>
-        <p:nvCxnSpPr>
-          <p:cNvPr id="28" name="Straight Arrow Connector 27"/>
-          <p:cNvCxnSpPr>
-            <a:stCxn id="27" idx="3"/>
-          </p:cNvCxnSpPr>
-          <p:nvPr/>
-        </p:nvCxnSpPr>
-        <p:spPr>
-          <a:xfrm>
-            <a:off x="2297930" y="5168121"/>
-            <a:ext cx="314917" cy="264347"/>
-          </a:xfrm>
-          <a:prstGeom prst="straightConnector1">
-            <a:avLst/>
-          </a:prstGeom>
-          <a:ln>
-            <a:tailEnd type="triangle"/>
-          </a:ln>
-        </p:spPr>
-        <p:style>
-          <a:lnRef idx="1">
-            <a:schemeClr val="accent1"/>
-          </a:lnRef>
-          <a:fillRef idx="0">
-            <a:schemeClr val="accent1"/>
-          </a:fillRef>
-          <a:effectRef idx="0">
-            <a:schemeClr val="accent1"/>
-          </a:effectRef>
-          <a:fontRef idx="minor">
-            <a:schemeClr val="tx1"/>
-          </a:fontRef>
-        </p:style>
-      </p:cxnSp>
-      <p:cxnSp>
-        <p:nvCxnSpPr>
-          <p:cNvPr id="31" name="Straight Arrow Connector 30"/>
-          <p:cNvCxnSpPr/>
-          <p:nvPr/>
-        </p:nvCxnSpPr>
-        <p:spPr>
-          <a:xfrm>
-            <a:off x="2612847" y="5084414"/>
-            <a:ext cx="0" cy="271854"/>
-          </a:xfrm>
-          <a:prstGeom prst="straightConnector1">
-            <a:avLst/>
-          </a:prstGeom>
-          <a:ln>
-            <a:tailEnd type="triangle"/>
-          </a:ln>
-        </p:spPr>
-        <p:style>
-          <a:lnRef idx="1">
-            <a:schemeClr val="accent1"/>
-          </a:lnRef>
-          <a:fillRef idx="0">
-            <a:schemeClr val="accent1"/>
-          </a:fillRef>
-          <a:effectRef idx="0">
-            <a:schemeClr val="accent1"/>
-          </a:effectRef>
-          <a:fontRef idx="minor">
-            <a:schemeClr val="tx1"/>
-          </a:fontRef>
-        </p:style>
-      </p:cxnSp>
-      <p:cxnSp>
-        <p:nvCxnSpPr>
-          <p:cNvPr id="32" name="Straight Arrow Connector 31"/>
-          <p:cNvCxnSpPr>
-            <a:stCxn id="9" idx="2"/>
-          </p:cNvCxnSpPr>
-          <p:nvPr/>
-        </p:nvCxnSpPr>
-        <p:spPr>
-          <a:xfrm flipH="1">
-            <a:off x="2111601" y="5084414"/>
-            <a:ext cx="501247" cy="298219"/>
-          </a:xfrm>
-          <a:prstGeom prst="straightConnector1">
-            <a:avLst/>
-          </a:prstGeom>
-          <a:ln>
-            <a:tailEnd type="triangle"/>
-          </a:ln>
-        </p:spPr>
-        <p:style>
-          <a:lnRef idx="1">
-            <a:schemeClr val="accent1"/>
-          </a:lnRef>
-          <a:fillRef idx="0">
-            <a:schemeClr val="accent1"/>
-          </a:fillRef>
-          <a:effectRef idx="0">
-            <a:schemeClr val="accent1"/>
-          </a:effectRef>
-          <a:fontRef idx="minor">
-            <a:schemeClr val="tx1"/>
-          </a:fontRef>
-        </p:style>
-      </p:cxnSp>
-      <p:cxnSp>
-        <p:nvCxnSpPr>
-          <p:cNvPr id="36" name="Straight Arrow Connector 35"/>
-          <p:cNvCxnSpPr/>
-          <p:nvPr/>
-        </p:nvCxnSpPr>
-        <p:spPr>
-          <a:xfrm flipH="1">
-            <a:off x="2111602" y="5037316"/>
-            <a:ext cx="952111" cy="395152"/>
-          </a:xfrm>
-          <a:prstGeom prst="straightConnector1">
-            <a:avLst/>
-          </a:prstGeom>
-          <a:ln>
-            <a:tailEnd type="triangle"/>
-          </a:ln>
-        </p:spPr>
-        <p:style>
-          <a:lnRef idx="1">
-            <a:schemeClr val="accent1"/>
-          </a:lnRef>
-          <a:fillRef idx="0">
-            <a:schemeClr val="accent1"/>
-          </a:fillRef>
-          <a:effectRef idx="0">
-            <a:schemeClr val="accent1"/>
-          </a:effectRef>
-          <a:fontRef idx="minor">
-            <a:schemeClr val="tx1"/>
-          </a:fontRef>
-        </p:style>
-      </p:cxnSp>
-      <p:cxnSp>
-        <p:nvCxnSpPr>
-          <p:cNvPr id="39" name="Straight Arrow Connector 38"/>
-          <p:cNvCxnSpPr/>
-          <p:nvPr/>
-        </p:nvCxnSpPr>
-        <p:spPr>
-          <a:xfrm flipH="1">
-            <a:off x="2600565" y="5037316"/>
-            <a:ext cx="463147" cy="395152"/>
-          </a:xfrm>
-          <a:prstGeom prst="straightConnector1">
-            <a:avLst/>
-          </a:prstGeom>
-          <a:ln>
-            <a:tailEnd type="triangle"/>
-          </a:ln>
-        </p:spPr>
-        <p:style>
-          <a:lnRef idx="1">
-            <a:schemeClr val="accent1"/>
-          </a:lnRef>
-          <a:fillRef idx="0">
-            <a:schemeClr val="accent1"/>
-          </a:fillRef>
-          <a:effectRef idx="0">
-            <a:schemeClr val="accent1"/>
-          </a:effectRef>
-          <a:fontRef idx="minor">
-            <a:schemeClr val="tx1"/>
-          </a:fontRef>
-        </p:style>
-      </p:cxnSp>
-      <p:sp>
-        <p:nvSpPr>
-          <p:cNvPr id="45" name="TextBox 44"/>
-          <p:cNvSpPr txBox="1"/>
-          <p:nvPr/>
-        </p:nvSpPr>
-        <p:spPr>
-          <a:xfrm>
-            <a:off x="3448334" y="5063136"/>
-            <a:ext cx="2707536" cy="646331"/>
-          </a:xfrm>
-          <a:prstGeom prst="rect">
-            <a:avLst/>
-          </a:prstGeom>
-          <a:noFill/>
-        </p:spPr>
-        <p:txBody>
-          <a:bodyPr wrap="none" rtlCol="0">
-            <a:spAutoFit/>
-          </a:bodyPr>
-          <a:lstStyle/>
-          <a:p>
-            <a:r>
-              <a:rPr lang="en-US" dirty="0" smtClean="0"/>
-              <a:t>Similarity(C1, C2) = 0.85</a:t>
-            </a:r>
-          </a:p>
-          <a:p>
-            <a:r>
-              <a:rPr lang="en-US" dirty="0" smtClean="0"/>
-              <a:t>(C1 and C2 will be merged)</a:t>
-            </a:r>
-            <a:endParaRPr lang="en-US" dirty="0"/>
-          </a:p>
-        </p:txBody>
-      </p:sp>
-      <p:sp>
-        <p:nvSpPr>
-          <p:cNvPr id="46" name="TextBox 45"/>
-          <p:cNvSpPr txBox="1"/>
-          <p:nvPr/>
-        </p:nvSpPr>
-        <p:spPr>
-          <a:xfrm>
-            <a:off x="9596181" y="4990836"/>
-            <a:ext cx="1571264" cy="369332"/>
-          </a:xfrm>
-          <a:prstGeom prst="rect">
-            <a:avLst/>
-          </a:prstGeom>
-          <a:noFill/>
-        </p:spPr>
-        <p:txBody>
-          <a:bodyPr wrap="none" rtlCol="0">
-            <a:spAutoFit/>
-          </a:bodyPr>
-          <a:lstStyle/>
-          <a:p>
-            <a:r>
-              <a:rPr lang="en-US" dirty="0" smtClean="0"/>
-              <a:t>Similarity = 0.4</a:t>
-            </a:r>
-            <a:endParaRPr lang="en-US" dirty="0"/>
-          </a:p>
-        </p:txBody>
-      </p:sp>
-      <p:sp>
-        <p:nvSpPr>
-          <p:cNvPr id="47" name="TextBox 46"/>
-          <p:cNvSpPr txBox="1"/>
-          <p:nvPr/>
-        </p:nvSpPr>
-        <p:spPr>
-          <a:xfrm>
-            <a:off x="1547146" y="4385711"/>
-            <a:ext cx="425116" cy="369332"/>
-          </a:xfrm>
-          <a:prstGeom prst="rect">
-            <a:avLst/>
-          </a:prstGeom>
-          <a:noFill/>
-        </p:spPr>
-        <p:txBody>
-          <a:bodyPr wrap="none" rtlCol="0">
-            <a:spAutoFit/>
-          </a:bodyPr>
-          <a:lstStyle/>
-          <a:p>
-            <a:r>
-              <a:rPr lang="en-US" dirty="0" smtClean="0"/>
-              <a:t>C1</a:t>
-            </a:r>
-            <a:endParaRPr lang="en-US" dirty="0"/>
-          </a:p>
-        </p:txBody>
-      </p:sp>
-      <p:sp>
-        <p:nvSpPr>
-          <p:cNvPr id="48" name="TextBox 47"/>
-          <p:cNvSpPr txBox="1"/>
-          <p:nvPr/>
-        </p:nvSpPr>
-        <p:spPr>
-          <a:xfrm>
-            <a:off x="1547146" y="5727533"/>
-            <a:ext cx="425116" cy="369332"/>
-          </a:xfrm>
-          <a:prstGeom prst="rect">
-            <a:avLst/>
-          </a:prstGeom>
-          <a:noFill/>
-        </p:spPr>
-        <p:txBody>
-          <a:bodyPr wrap="none" rtlCol="0">
-            <a:spAutoFit/>
-          </a:bodyPr>
-          <a:lstStyle/>
-          <a:p>
-            <a:r>
-              <a:rPr lang="en-US" dirty="0" smtClean="0"/>
-              <a:t>C2</a:t>
-            </a:r>
-            <a:endParaRPr lang="en-US" dirty="0"/>
-          </a:p>
-        </p:txBody>
-      </p:sp>
-      <p:pic>
-        <p:nvPicPr>
-          <p:cNvPr id="50" name="Picture 49"/>
-          <p:cNvPicPr>
-            <a:picLocks noChangeAspect="1"/>
-          </p:cNvPicPr>
-          <p:nvPr/>
-        </p:nvPicPr>
-        <p:blipFill>
-          <a:blip r:embed="rId10"/>
-          <a:stretch>
-            <a:fillRect/>
-          </a:stretch>
-        </p:blipFill>
-        <p:spPr>
-          <a:xfrm>
-            <a:off x="4352828" y="6364220"/>
-            <a:ext cx="3686891" cy="493780"/>
-          </a:xfrm>
-          <a:prstGeom prst="rect">
-            <a:avLst/>
-          </a:prstGeom>
-        </p:spPr>
-      </p:pic>
-      <p:pic>
-        <p:nvPicPr>
-          <p:cNvPr id="51" name="Picture 50"/>
-          <p:cNvPicPr>
-            <a:picLocks noChangeAspect="1"/>
-          </p:cNvPicPr>
-          <p:nvPr/>
-        </p:nvPicPr>
-        <p:blipFill>
-          <a:blip r:embed="rId11"/>
-          <a:stretch>
-            <a:fillRect/>
-          </a:stretch>
-        </p:blipFill>
-        <p:spPr>
-          <a:xfrm>
-            <a:off x="8039719" y="6404025"/>
-            <a:ext cx="838200" cy="414170"/>
-          </a:xfrm>
-          <a:prstGeom prst="rect">
-            <a:avLst/>
-          </a:prstGeom>
-        </p:spPr>
-      </p:pic>
-      <p:sp>
-        <p:nvSpPr>
-          <p:cNvPr id="52" name="TextBox 51"/>
-          <p:cNvSpPr txBox="1"/>
-          <p:nvPr/>
-        </p:nvSpPr>
-        <p:spPr>
-          <a:xfrm>
-            <a:off x="862986" y="6068764"/>
-            <a:ext cx="11329014" cy="369332"/>
-          </a:xfrm>
-          <a:prstGeom prst="rect">
-            <a:avLst/>
-          </a:prstGeom>
-          <a:noFill/>
-        </p:spPr>
-        <p:txBody>
-          <a:bodyPr wrap="square" rtlCol="0">
-            <a:spAutoFit/>
-          </a:bodyPr>
-          <a:lstStyle/>
-          <a:p>
-            <a:r>
-              <a:rPr lang="en-US" dirty="0" smtClean="0"/>
-              <a:t>When no more clustering possible, average patches in each cluster to obtain representative patch for each cluster.</a:t>
-            </a:r>
-            <a:endParaRPr lang="en-US" dirty="0"/>
-          </a:p>
-        </p:txBody>
-      </p:sp>
     </p:spTree>
     <p:extLst>
       <p:ext uri="{BB962C8B-B14F-4D97-AF65-F5344CB8AC3E}">
-        <p14:creationId xmlns:p14="http://schemas.microsoft.com/office/powerpoint/2010/main" val="523556827"/>
+        <p14:creationId xmlns:p14="http://schemas.microsoft.com/office/powerpoint/2010/main" val="1730852413"/>
       </p:ext>
     </p:extLst>
   </p:cSld>
@@ -6456,7 +6462,7 @@
           <a:p>
             <a:r>
               <a:rPr lang="en-US" dirty="0" smtClean="0"/>
-              <a:t>Local code-book creation: Input =&gt; Output</a:t>
+              <a:t>Implicit Shape Model creation from local code-book</a:t>
             </a:r>
             <a:endParaRPr lang="en-US" dirty="0"/>
           </a:p>
@@ -6464,102 +6470,139 @@
       </p:sp>
       <p:sp>
         <p:nvSpPr>
-          <p:cNvPr id="5" name="TextBox 4"/>
-          <p:cNvSpPr txBox="1"/>
-          <p:nvPr/>
-        </p:nvSpPr>
-        <p:spPr>
-          <a:xfrm>
-            <a:off x="2389543" y="5401894"/>
-            <a:ext cx="2604687" cy="646331"/>
-          </a:xfrm>
-          <a:prstGeom prst="rect">
-            <a:avLst/>
-          </a:prstGeom>
-          <a:noFill/>
-        </p:spPr>
-        <p:txBody>
-          <a:bodyPr wrap="none" rtlCol="0">
-            <a:spAutoFit/>
+          <p:cNvPr id="3" name="Content Placeholder 2"/>
+          <p:cNvSpPr>
+            <a:spLocks noGrp="1"/>
+          </p:cNvSpPr>
+          <p:nvPr>
+            <p:ph idx="1"/>
+          </p:nvPr>
+        </p:nvSpPr>
+        <p:spPr/>
+        <p:txBody>
+          <a:bodyPr>
+            <a:normAutofit/>
           </a:bodyPr>
           <a:lstStyle/>
           <a:p>
             <a:r>
-              <a:rPr lang="en-US" b="1" dirty="0" smtClean="0"/>
-              <a:t>     Training images + </a:t>
-            </a:r>
-          </a:p>
-          <a:p>
-            <a:r>
-              <a:rPr lang="en-US" b="1" dirty="0" smtClean="0"/>
-              <a:t>Labels (object categories)</a:t>
-            </a:r>
-            <a:endParaRPr lang="en-US" b="1" dirty="0"/>
-          </a:p>
-        </p:txBody>
-      </p:sp>
-      <p:sp>
-        <p:nvSpPr>
-          <p:cNvPr id="6" name="Rectangle 5"/>
-          <p:cNvSpPr/>
-          <p:nvPr/>
-        </p:nvSpPr>
-        <p:spPr>
-          <a:xfrm>
-            <a:off x="3117894" y="4722662"/>
-            <a:ext cx="498855" cy="369332"/>
-          </a:xfrm>
-          <a:prstGeom prst="rect">
-            <a:avLst/>
-          </a:prstGeom>
-        </p:spPr>
-        <p:txBody>
-          <a:bodyPr wrap="none">
-            <a:spAutoFit/>
-          </a:bodyPr>
-          <a:lstStyle/>
-          <a:p>
-            <a:r>
-              <a:rPr lang="en-US" dirty="0" smtClean="0"/>
-              <a:t>Car</a:t>
-            </a:r>
-            <a:endParaRPr lang="en-US" dirty="0"/>
+              <a:rPr lang="en-US" sz="2000" dirty="0" smtClean="0"/>
+              <a:t>For all training images, match codebook entries to interest point image patches using the similarity measure.</a:t>
+            </a:r>
+          </a:p>
+          <a:p>
+            <a:r>
+              <a:rPr lang="en-US" sz="2000" dirty="0" smtClean="0"/>
+              <a:t>Activate all entries whose similarity is above threshold ‘t’.</a:t>
+            </a:r>
+          </a:p>
+          <a:p>
+            <a:r>
+              <a:rPr lang="en-US" sz="2000" dirty="0" smtClean="0"/>
+              <a:t>For each activated entry, store positions it was activated in </a:t>
+            </a:r>
+            <a:r>
+              <a:rPr lang="en-US" sz="2000" dirty="0" err="1" smtClean="0"/>
+              <a:t>wrt</a:t>
+            </a:r>
+            <a:r>
+              <a:rPr lang="en-US" sz="2000" dirty="0" smtClean="0"/>
+              <a:t>. object center.</a:t>
+            </a:r>
+          </a:p>
+          <a:p>
+            <a:endParaRPr lang="en-US" sz="2000" dirty="0"/>
+          </a:p>
+          <a:p>
+            <a:endParaRPr lang="en-US" sz="2000" dirty="0" smtClean="0"/>
+          </a:p>
+          <a:p>
+            <a:endParaRPr lang="en-US" sz="2000" dirty="0"/>
+          </a:p>
+          <a:p>
+            <a:endParaRPr lang="en-US" sz="2000" dirty="0" smtClean="0"/>
+          </a:p>
+          <a:p>
+            <a:endParaRPr lang="en-US" sz="2000" b="1" dirty="0" smtClean="0"/>
+          </a:p>
+          <a:p>
+            <a:r>
+              <a:rPr lang="en-US" sz="2000" b="1" dirty="0" smtClean="0"/>
+              <a:t>Output: </a:t>
+            </a:r>
+            <a:r>
+              <a:rPr lang="en-US" sz="2000" b="1" dirty="0"/>
+              <a:t>o</a:t>
+            </a:r>
+            <a:r>
+              <a:rPr lang="en-US" sz="2000" b="1" dirty="0" smtClean="0"/>
+              <a:t>ne Implicit model per object class (encoding spatial locations of code-book entries)</a:t>
+            </a:r>
+            <a:endParaRPr lang="en-US" sz="2000" b="1" dirty="0"/>
+          </a:p>
+          <a:p>
+            <a:endParaRPr lang="en-US" sz="2000" dirty="0"/>
           </a:p>
         </p:txBody>
       </p:sp>
       <p:pic>
         <p:nvPicPr>
-          <p:cNvPr id="23" name="Picture 22"/>
+          <p:cNvPr id="5" name="Picture 4"/>
           <p:cNvPicPr>
             <a:picLocks noChangeAspect="1"/>
           </p:cNvPicPr>
           <p:nvPr/>
         </p:nvPicPr>
-        <p:blipFill rotWithShape="1">
+        <p:blipFill>
           <a:blip r:embed="rId2"/>
-          <a:srcRect t="-1" b="50735"/>
-          <a:stretch/>
+          <a:stretch>
+            <a:fillRect/>
+          </a:stretch>
         </p:blipFill>
         <p:spPr>
           <a:xfrm>
-            <a:off x="7540551" y="1837711"/>
-            <a:ext cx="3093252" cy="1523914"/>
+            <a:off x="4049937" y="3406838"/>
+            <a:ext cx="750216" cy="735506"/>
           </a:xfrm>
           <a:prstGeom prst="rect">
             <a:avLst/>
           </a:prstGeom>
         </p:spPr>
       </p:pic>
-      <p:sp>
-        <p:nvSpPr>
-          <p:cNvPr id="24" name="Rectangle 23"/>
+      <p:pic>
+        <p:nvPicPr>
+          <p:cNvPr id="12" name="Picture 11"/>
+          <p:cNvPicPr>
+            <a:picLocks noChangeAspect="1"/>
+          </p:cNvPicPr>
+          <p:nvPr/>
+        </p:nvPicPr>
+        <p:blipFill>
+          <a:blip r:embed="rId3"/>
+          <a:stretch>
+            <a:fillRect/>
+          </a:stretch>
+        </p:blipFill>
+        <p:spPr>
+          <a:xfrm>
+            <a:off x="1564114" y="3629906"/>
+            <a:ext cx="1411593" cy="1332191"/>
+          </a:xfrm>
+          <a:prstGeom prst="rect">
+            <a:avLst/>
+          </a:prstGeom>
+        </p:spPr>
+      </p:pic>
+      <p:sp>
+        <p:nvSpPr>
+          <p:cNvPr id="13" name="Rectangle 12"/>
           <p:cNvSpPr/>
           <p:nvPr/>
         </p:nvSpPr>
         <p:spPr>
           <a:xfrm>
-            <a:off x="9457215" y="2722942"/>
-            <a:ext cx="183148" cy="211003"/>
+            <a:off x="2632235" y="4322768"/>
+            <a:ext cx="139246" cy="135197"/>
           </a:xfrm>
           <a:prstGeom prst="rect">
             <a:avLst/>
@@ -6588,7 +6631,7 @@
             <a:pPr algn="ctr"/>
             <a:r>
               <a:rPr lang="en-US" dirty="0" smtClean="0"/>
-              <a:t>3</a:t>
+              <a:t>7</a:t>
             </a:r>
             <a:endParaRPr lang="en-US" dirty="0"/>
           </a:p>
@@ -6596,13 +6639,13 @@
       </p:sp>
       <p:sp>
         <p:nvSpPr>
-          <p:cNvPr id="25" name="Rectangle 24"/>
+          <p:cNvPr id="14" name="Rectangle 13"/>
           <p:cNvSpPr/>
           <p:nvPr/>
         </p:nvSpPr>
         <p:spPr>
           <a:xfrm>
-            <a:off x="8642111" y="2730674"/>
+            <a:off x="2269910" y="3958805"/>
             <a:ext cx="183148" cy="211003"/>
           </a:xfrm>
           <a:prstGeom prst="rect">
@@ -6632,7 +6675,7 @@
             <a:pPr algn="ctr"/>
             <a:r>
               <a:rPr lang="en-US" dirty="0" smtClean="0"/>
-              <a:t>6</a:t>
+              <a:t>5</a:t>
             </a:r>
             <a:endParaRPr lang="en-US" dirty="0"/>
           </a:p>
@@ -6640,13 +6683,253 @@
       </p:sp>
       <p:sp>
         <p:nvSpPr>
-          <p:cNvPr id="26" name="Rectangle 25"/>
+          <p:cNvPr id="15" name="TextBox 14"/>
+          <p:cNvSpPr txBox="1"/>
+          <p:nvPr/>
+        </p:nvSpPr>
+        <p:spPr>
+          <a:xfrm>
+            <a:off x="6808311" y="3589473"/>
+            <a:ext cx="3892412" cy="369332"/>
+          </a:xfrm>
+          <a:prstGeom prst="rect">
+            <a:avLst/>
+          </a:prstGeom>
+          <a:noFill/>
+        </p:spPr>
+        <p:txBody>
+          <a:bodyPr wrap="none" rtlCol="0">
+            <a:spAutoFit/>
+          </a:bodyPr>
+          <a:lstStyle/>
+          <a:p>
+            <a:r>
+              <a:rPr lang="en-US" dirty="0" smtClean="0"/>
+              <a:t>={&lt;x1, y1&gt;, &lt;x2, y2&gt;, &lt;x3, y3&gt;, &lt;x4, y4&gt;}</a:t>
+            </a:r>
+            <a:endParaRPr lang="en-US" dirty="0"/>
+          </a:p>
+        </p:txBody>
+      </p:sp>
+      <p:pic>
+        <p:nvPicPr>
+          <p:cNvPr id="16" name="Picture 15"/>
+          <p:cNvPicPr>
+            <a:picLocks noChangeAspect="1"/>
+          </p:cNvPicPr>
+          <p:nvPr/>
+        </p:nvPicPr>
+        <p:blipFill>
+          <a:blip r:embed="rId3"/>
+          <a:stretch>
+            <a:fillRect/>
+          </a:stretch>
+        </p:blipFill>
+        <p:spPr>
+          <a:xfrm>
+            <a:off x="5429124" y="3272406"/>
+            <a:ext cx="1064233" cy="1004370"/>
+          </a:xfrm>
+          <a:prstGeom prst="rect">
+            <a:avLst/>
+          </a:prstGeom>
+        </p:spPr>
+      </p:pic>
+      <p:sp>
+        <p:nvSpPr>
+          <p:cNvPr id="17" name="TextBox 16"/>
+          <p:cNvSpPr txBox="1"/>
+          <p:nvPr/>
+        </p:nvSpPr>
+        <p:spPr>
+          <a:xfrm>
+            <a:off x="5335488" y="4523954"/>
+            <a:ext cx="2382383" cy="369332"/>
+          </a:xfrm>
+          <a:prstGeom prst="rect">
+            <a:avLst/>
+          </a:prstGeom>
+          <a:noFill/>
+        </p:spPr>
+        <p:txBody>
+          <a:bodyPr wrap="none" rtlCol="0">
+            <a:spAutoFit/>
+          </a:bodyPr>
+          <a:lstStyle/>
+          <a:p>
+            <a:r>
+              <a:rPr lang="en-US" dirty="0" smtClean="0"/>
+              <a:t>={&lt;x1, y1&gt;, &lt;x7, y7&gt;, …}</a:t>
+            </a:r>
+            <a:endParaRPr lang="en-US" dirty="0"/>
+          </a:p>
+        </p:txBody>
+      </p:sp>
+      <p:pic>
+        <p:nvPicPr>
+          <p:cNvPr id="29" name="Picture 28"/>
+          <p:cNvPicPr>
+            <a:picLocks noChangeAspect="1"/>
+          </p:cNvPicPr>
+          <p:nvPr/>
+        </p:nvPicPr>
+        <p:blipFill>
+          <a:blip r:embed="rId4"/>
+          <a:stretch>
+            <a:fillRect/>
+          </a:stretch>
+        </p:blipFill>
+        <p:spPr>
+          <a:xfrm>
+            <a:off x="1731497" y="5600700"/>
+            <a:ext cx="1181100" cy="1152525"/>
+          </a:xfrm>
+          <a:prstGeom prst="rect">
+            <a:avLst/>
+          </a:prstGeom>
+        </p:spPr>
+      </p:pic>
+      <p:pic>
+        <p:nvPicPr>
+          <p:cNvPr id="30" name="Picture 29"/>
+          <p:cNvPicPr>
+            <a:picLocks noChangeAspect="1"/>
+          </p:cNvPicPr>
+          <p:nvPr/>
+        </p:nvPicPr>
+        <p:blipFill>
+          <a:blip r:embed="rId2"/>
+          <a:stretch>
+            <a:fillRect/>
+          </a:stretch>
+        </p:blipFill>
+        <p:spPr>
+          <a:xfrm>
+            <a:off x="4164199" y="5623076"/>
+            <a:ext cx="586912" cy="575404"/>
+          </a:xfrm>
+          <a:prstGeom prst="rect">
+            <a:avLst/>
+          </a:prstGeom>
+        </p:spPr>
+      </p:pic>
+      <p:pic>
+        <p:nvPicPr>
+          <p:cNvPr id="31" name="Picture 30"/>
+          <p:cNvPicPr>
+            <a:picLocks noChangeAspect="1"/>
+          </p:cNvPicPr>
+          <p:nvPr/>
+        </p:nvPicPr>
+        <p:blipFill>
+          <a:blip r:embed="rId5"/>
+          <a:stretch>
+            <a:fillRect/>
+          </a:stretch>
+        </p:blipFill>
+        <p:spPr>
+          <a:xfrm>
+            <a:off x="4196551" y="6176962"/>
+            <a:ext cx="553533" cy="608887"/>
+          </a:xfrm>
+          <a:prstGeom prst="rect">
+            <a:avLst/>
+          </a:prstGeom>
+        </p:spPr>
+      </p:pic>
+      <p:sp>
+        <p:nvSpPr>
+          <p:cNvPr id="32" name="TextBox 31"/>
+          <p:cNvSpPr txBox="1"/>
+          <p:nvPr/>
+        </p:nvSpPr>
+        <p:spPr>
+          <a:xfrm>
+            <a:off x="5045499" y="6245126"/>
+            <a:ext cx="1844800" cy="369332"/>
+          </a:xfrm>
+          <a:prstGeom prst="rect">
+            <a:avLst/>
+          </a:prstGeom>
+          <a:noFill/>
+        </p:spPr>
+        <p:txBody>
+          <a:bodyPr wrap="none" rtlCol="0">
+            <a:spAutoFit/>
+          </a:bodyPr>
+          <a:lstStyle/>
+          <a:p>
+            <a:r>
+              <a:rPr lang="en-US" dirty="0" smtClean="0"/>
+              <a:t>={&lt;Car, x9, y9&gt;,…}</a:t>
+            </a:r>
+            <a:endParaRPr lang="en-US" dirty="0"/>
+          </a:p>
+        </p:txBody>
+      </p:sp>
+      <p:sp>
+        <p:nvSpPr>
+          <p:cNvPr id="33" name="TextBox 32"/>
+          <p:cNvSpPr txBox="1"/>
+          <p:nvPr/>
+        </p:nvSpPr>
+        <p:spPr>
+          <a:xfrm>
+            <a:off x="5095775" y="5732318"/>
+            <a:ext cx="1844800" cy="369332"/>
+          </a:xfrm>
+          <a:prstGeom prst="rect">
+            <a:avLst/>
+          </a:prstGeom>
+          <a:noFill/>
+        </p:spPr>
+        <p:txBody>
+          <a:bodyPr wrap="none" rtlCol="0">
+            <a:spAutoFit/>
+          </a:bodyPr>
+          <a:lstStyle/>
+          <a:p>
+            <a:r>
+              <a:rPr lang="en-US" dirty="0" smtClean="0"/>
+              <a:t>={&lt;Car, x1, y1&gt;,…}</a:t>
+            </a:r>
+            <a:endParaRPr lang="en-US" dirty="0"/>
+          </a:p>
+        </p:txBody>
+      </p:sp>
+      <p:pic>
+        <p:nvPicPr>
+          <p:cNvPr id="34" name="Picture 33"/>
+          <p:cNvPicPr>
+            <a:picLocks noChangeAspect="1"/>
+          </p:cNvPicPr>
+          <p:nvPr/>
+        </p:nvPicPr>
+        <p:blipFill>
+          <a:blip r:embed="rId6"/>
+          <a:stretch>
+            <a:fillRect/>
+          </a:stretch>
+        </p:blipFill>
+        <p:spPr>
+          <a:xfrm>
+            <a:off x="4049937" y="4318647"/>
+            <a:ext cx="817086" cy="779946"/>
+          </a:xfrm>
+          <a:prstGeom prst="rect">
+            <a:avLst/>
+          </a:prstGeom>
+        </p:spPr>
+      </p:pic>
+      <p:sp>
+        <p:nvSpPr>
+          <p:cNvPr id="37" name="Rectangle 36"/>
           <p:cNvSpPr/>
           <p:nvPr/>
         </p:nvSpPr>
         <p:spPr>
           <a:xfrm>
-            <a:off x="10344684" y="2704799"/>
+            <a:off x="2675969" y="4062972"/>
             <a:ext cx="183148" cy="211003"/>
           </a:xfrm>
           <a:prstGeom prst="rect">
@@ -6676,7 +6959,7 @@
             <a:pPr algn="ctr"/>
             <a:r>
               <a:rPr lang="en-US" dirty="0" smtClean="0"/>
-              <a:t>1</a:t>
+              <a:t>6</a:t>
             </a:r>
             <a:endParaRPr lang="en-US" dirty="0"/>
           </a:p>
@@ -6684,14 +6967,14 @@
       </p:sp>
       <p:sp>
         <p:nvSpPr>
-          <p:cNvPr id="27" name="Rectangle 26"/>
+          <p:cNvPr id="38" name="Rectangle 37"/>
           <p:cNvSpPr/>
           <p:nvPr/>
         </p:nvSpPr>
         <p:spPr>
           <a:xfrm>
-            <a:off x="10101932" y="2704800"/>
-            <a:ext cx="183148" cy="211003"/>
+            <a:off x="2675969" y="6392789"/>
+            <a:ext cx="65989" cy="45719"/>
           </a:xfrm>
           <a:prstGeom prst="rect">
             <a:avLst/>
@@ -6719,23 +7002,220 @@
           <a:p>
             <a:pPr algn="ctr"/>
             <a:r>
-              <a:rPr lang="en-US" dirty="0" smtClean="0"/>
-              <a:t>2</a:t>
-            </a:r>
-            <a:endParaRPr lang="en-US" dirty="0"/>
-          </a:p>
-        </p:txBody>
-      </p:sp>
-      <p:sp>
-        <p:nvSpPr>
-          <p:cNvPr id="28" name="Rectangle 27"/>
+              <a:rPr lang="en-US" dirty="0"/>
+              <a:t>9</a:t>
+            </a:r>
+          </a:p>
+        </p:txBody>
+      </p:sp>
+      <p:cxnSp>
+        <p:nvCxnSpPr>
+          <p:cNvPr id="39" name="Straight Arrow Connector 38"/>
+          <p:cNvCxnSpPr/>
+          <p:nvPr/>
+        </p:nvCxnSpPr>
+        <p:spPr>
+          <a:xfrm flipV="1">
+            <a:off x="2269910" y="3629906"/>
+            <a:ext cx="1" cy="666095"/>
+          </a:xfrm>
+          <a:prstGeom prst="straightConnector1">
+            <a:avLst/>
+          </a:prstGeom>
+          <a:ln>
+            <a:tailEnd type="triangle"/>
+          </a:ln>
+        </p:spPr>
+        <p:style>
+          <a:lnRef idx="3">
+            <a:schemeClr val="accent4"/>
+          </a:lnRef>
+          <a:fillRef idx="0">
+            <a:schemeClr val="accent4"/>
+          </a:fillRef>
+          <a:effectRef idx="2">
+            <a:schemeClr val="accent4"/>
+          </a:effectRef>
+          <a:fontRef idx="minor">
+            <a:schemeClr val="tx1"/>
+          </a:fontRef>
+        </p:style>
+      </p:cxnSp>
+      <p:cxnSp>
+        <p:nvCxnSpPr>
+          <p:cNvPr id="40" name="Straight Arrow Connector 39"/>
+          <p:cNvCxnSpPr/>
+          <p:nvPr/>
+        </p:nvCxnSpPr>
+        <p:spPr>
+          <a:xfrm flipV="1">
+            <a:off x="2269910" y="4286575"/>
+            <a:ext cx="705797" cy="8743"/>
+          </a:xfrm>
+          <a:prstGeom prst="straightConnector1">
+            <a:avLst/>
+          </a:prstGeom>
+          <a:ln>
+            <a:tailEnd type="triangle"/>
+          </a:ln>
+        </p:spPr>
+        <p:style>
+          <a:lnRef idx="3">
+            <a:schemeClr val="accent4"/>
+          </a:lnRef>
+          <a:fillRef idx="0">
+            <a:schemeClr val="accent4"/>
+          </a:fillRef>
+          <a:effectRef idx="2">
+            <a:schemeClr val="accent4"/>
+          </a:effectRef>
+          <a:fontRef idx="minor">
+            <a:schemeClr val="tx1"/>
+          </a:fontRef>
+        </p:style>
+      </p:cxnSp>
+      <p:cxnSp>
+        <p:nvCxnSpPr>
+          <p:cNvPr id="41" name="Straight Arrow Connector 40"/>
+          <p:cNvCxnSpPr/>
+          <p:nvPr/>
+        </p:nvCxnSpPr>
+        <p:spPr>
+          <a:xfrm flipV="1">
+            <a:off x="1988679" y="5600700"/>
+            <a:ext cx="377" cy="271146"/>
+          </a:xfrm>
+          <a:prstGeom prst="straightConnector1">
+            <a:avLst/>
+          </a:prstGeom>
+          <a:ln>
+            <a:tailEnd type="triangle"/>
+          </a:ln>
+        </p:spPr>
+        <p:style>
+          <a:lnRef idx="3">
+            <a:schemeClr val="accent4"/>
+          </a:lnRef>
+          <a:fillRef idx="0">
+            <a:schemeClr val="accent4"/>
+          </a:fillRef>
+          <a:effectRef idx="2">
+            <a:schemeClr val="accent4"/>
+          </a:effectRef>
+          <a:fontRef idx="minor">
+            <a:schemeClr val="tx1"/>
+          </a:fontRef>
+        </p:style>
+      </p:cxnSp>
+      <p:cxnSp>
+        <p:nvCxnSpPr>
+          <p:cNvPr id="42" name="Straight Arrow Connector 41"/>
+          <p:cNvCxnSpPr/>
+          <p:nvPr/>
+        </p:nvCxnSpPr>
+        <p:spPr>
+          <a:xfrm>
+            <a:off x="1988679" y="5871163"/>
+            <a:ext cx="318939" cy="1736"/>
+          </a:xfrm>
+          <a:prstGeom prst="straightConnector1">
+            <a:avLst/>
+          </a:prstGeom>
+          <a:ln>
+            <a:tailEnd type="triangle"/>
+          </a:ln>
+        </p:spPr>
+        <p:style>
+          <a:lnRef idx="3">
+            <a:schemeClr val="accent4"/>
+          </a:lnRef>
+          <a:fillRef idx="0">
+            <a:schemeClr val="accent4"/>
+          </a:fillRef>
+          <a:effectRef idx="2">
+            <a:schemeClr val="accent4"/>
+          </a:effectRef>
+          <a:fontRef idx="minor">
+            <a:schemeClr val="tx1"/>
+          </a:fontRef>
+        </p:style>
+      </p:cxnSp>
+      <p:cxnSp>
+        <p:nvCxnSpPr>
+          <p:cNvPr id="49" name="Straight Arrow Connector 48"/>
+          <p:cNvCxnSpPr/>
+          <p:nvPr/>
+        </p:nvCxnSpPr>
+        <p:spPr>
+          <a:xfrm flipV="1">
+            <a:off x="2584137" y="6158453"/>
+            <a:ext cx="377" cy="271146"/>
+          </a:xfrm>
+          <a:prstGeom prst="straightConnector1">
+            <a:avLst/>
+          </a:prstGeom>
+          <a:ln>
+            <a:tailEnd type="triangle"/>
+          </a:ln>
+        </p:spPr>
+        <p:style>
+          <a:lnRef idx="3">
+            <a:schemeClr val="accent4"/>
+          </a:lnRef>
+          <a:fillRef idx="0">
+            <a:schemeClr val="accent4"/>
+          </a:fillRef>
+          <a:effectRef idx="2">
+            <a:schemeClr val="accent4"/>
+          </a:effectRef>
+          <a:fontRef idx="minor">
+            <a:schemeClr val="tx1"/>
+          </a:fontRef>
+        </p:style>
+      </p:cxnSp>
+      <p:cxnSp>
+        <p:nvCxnSpPr>
+          <p:cNvPr id="50" name="Straight Arrow Connector 49"/>
+          <p:cNvCxnSpPr/>
+          <p:nvPr/>
+        </p:nvCxnSpPr>
+        <p:spPr>
+          <a:xfrm>
+            <a:off x="2584137" y="6428916"/>
+            <a:ext cx="318939" cy="1736"/>
+          </a:xfrm>
+          <a:prstGeom prst="straightConnector1">
+            <a:avLst/>
+          </a:prstGeom>
+          <a:ln>
+            <a:tailEnd type="triangle"/>
+          </a:ln>
+        </p:spPr>
+        <p:style>
+          <a:lnRef idx="3">
+            <a:schemeClr val="accent4"/>
+          </a:lnRef>
+          <a:fillRef idx="0">
+            <a:schemeClr val="accent4"/>
+          </a:fillRef>
+          <a:effectRef idx="2">
+            <a:schemeClr val="accent4"/>
+          </a:effectRef>
+          <a:fontRef idx="minor">
+            <a:schemeClr val="tx1"/>
+          </a:fontRef>
+        </p:style>
+      </p:cxnSp>
+      <p:sp>
+        <p:nvSpPr>
+          <p:cNvPr id="53" name="Rectangle 52"/>
           <p:cNvSpPr/>
           <p:nvPr/>
         </p:nvSpPr>
         <p:spPr>
           <a:xfrm>
-            <a:off x="9217379" y="2721879"/>
-            <a:ext cx="183148" cy="211003"/>
+            <a:off x="2111934" y="5904166"/>
+            <a:ext cx="65989" cy="45719"/>
           </a:xfrm>
           <a:prstGeom prst="rect">
             <a:avLst/>
@@ -6764,342 +7244,16 @@
             <a:pPr algn="ctr"/>
             <a:r>
               <a:rPr lang="en-US" dirty="0" smtClean="0"/>
-              <a:t>4</a:t>
+              <a:t>1</a:t>
             </a:r>
             <a:endParaRPr lang="en-US" dirty="0"/>
           </a:p>
         </p:txBody>
       </p:sp>
-      <p:sp>
-        <p:nvSpPr>
-          <p:cNvPr id="29" name="Rectangle 28"/>
-          <p:cNvSpPr/>
-          <p:nvPr/>
-        </p:nvSpPr>
-        <p:spPr>
-          <a:xfrm>
-            <a:off x="7732412" y="2740612"/>
-            <a:ext cx="183148" cy="211003"/>
-          </a:xfrm>
-          <a:prstGeom prst="rect">
-            <a:avLst/>
-          </a:prstGeom>
-        </p:spPr>
-        <p:style>
-          <a:lnRef idx="2">
-            <a:schemeClr val="accent2">
-              <a:shade val="50000"/>
-            </a:schemeClr>
-          </a:lnRef>
-          <a:fillRef idx="1">
-            <a:schemeClr val="accent2"/>
-          </a:fillRef>
-          <a:effectRef idx="0">
-            <a:schemeClr val="accent2"/>
-          </a:effectRef>
-          <a:fontRef idx="minor">
-            <a:schemeClr val="lt1"/>
-          </a:fontRef>
-        </p:style>
-        <p:txBody>
-          <a:bodyPr rtlCol="0" anchor="ctr"/>
-          <a:lstStyle/>
-          <a:p>
-            <a:pPr algn="ctr"/>
-            <a:r>
-              <a:rPr lang="en-US" dirty="0"/>
-              <a:t>8</a:t>
-            </a:r>
-          </a:p>
-        </p:txBody>
-      </p:sp>
-      <p:sp>
-        <p:nvSpPr>
-          <p:cNvPr id="30" name="Rectangle 29"/>
-          <p:cNvSpPr/>
-          <p:nvPr/>
-        </p:nvSpPr>
-        <p:spPr>
-          <a:xfrm>
-            <a:off x="8868656" y="2731817"/>
-            <a:ext cx="183148" cy="211003"/>
-          </a:xfrm>
-          <a:prstGeom prst="rect">
-            <a:avLst/>
-          </a:prstGeom>
-        </p:spPr>
-        <p:style>
-          <a:lnRef idx="2">
-            <a:schemeClr val="accent2">
-              <a:shade val="50000"/>
-            </a:schemeClr>
-          </a:lnRef>
-          <a:fillRef idx="1">
-            <a:schemeClr val="accent2"/>
-          </a:fillRef>
-          <a:effectRef idx="0">
-            <a:schemeClr val="accent2"/>
-          </a:effectRef>
-          <a:fontRef idx="minor">
-            <a:schemeClr val="lt1"/>
-          </a:fontRef>
-        </p:style>
-        <p:txBody>
-          <a:bodyPr rtlCol="0" anchor="ctr"/>
-          <a:lstStyle/>
-          <a:p>
-            <a:pPr algn="ctr"/>
-            <a:r>
-              <a:rPr lang="en-US" dirty="0" smtClean="0"/>
-              <a:t>5</a:t>
-            </a:r>
-            <a:endParaRPr lang="en-US" dirty="0"/>
-          </a:p>
-        </p:txBody>
-      </p:sp>
-      <p:sp>
-        <p:nvSpPr>
-          <p:cNvPr id="31" name="Rectangle 30"/>
-          <p:cNvSpPr/>
-          <p:nvPr/>
-        </p:nvSpPr>
-        <p:spPr>
-          <a:xfrm>
-            <a:off x="7959025" y="2740612"/>
-            <a:ext cx="183148" cy="211003"/>
-          </a:xfrm>
-          <a:prstGeom prst="rect">
-            <a:avLst/>
-          </a:prstGeom>
-        </p:spPr>
-        <p:style>
-          <a:lnRef idx="2">
-            <a:schemeClr val="accent2">
-              <a:shade val="50000"/>
-            </a:schemeClr>
-          </a:lnRef>
-          <a:fillRef idx="1">
-            <a:schemeClr val="accent2"/>
-          </a:fillRef>
-          <a:effectRef idx="0">
-            <a:schemeClr val="accent2"/>
-          </a:effectRef>
-          <a:fontRef idx="minor">
-            <a:schemeClr val="lt1"/>
-          </a:fontRef>
-        </p:style>
-        <p:txBody>
-          <a:bodyPr rtlCol="0" anchor="ctr"/>
-          <a:lstStyle/>
-          <a:p>
-            <a:pPr algn="ctr"/>
-            <a:r>
-              <a:rPr lang="en-US" dirty="0" smtClean="0"/>
-              <a:t>7</a:t>
-            </a:r>
-            <a:endParaRPr lang="en-US" dirty="0"/>
-          </a:p>
-        </p:txBody>
-      </p:sp>
-      <p:pic>
-        <p:nvPicPr>
-          <p:cNvPr id="32" name="Picture 31"/>
-          <p:cNvPicPr>
-            <a:picLocks noChangeAspect="1"/>
-          </p:cNvPicPr>
-          <p:nvPr/>
-        </p:nvPicPr>
-        <p:blipFill>
-          <a:blip r:embed="rId3"/>
-          <a:stretch>
-            <a:fillRect/>
-          </a:stretch>
-        </p:blipFill>
-        <p:spPr>
-          <a:xfrm>
-            <a:off x="2389543" y="1714929"/>
-            <a:ext cx="1955558" cy="3007733"/>
-          </a:xfrm>
-          <a:prstGeom prst="rect">
-            <a:avLst/>
-          </a:prstGeom>
-        </p:spPr>
-      </p:pic>
-      <p:sp>
-        <p:nvSpPr>
-          <p:cNvPr id="34" name="TextBox 33"/>
-          <p:cNvSpPr txBox="1"/>
-          <p:nvPr/>
-        </p:nvSpPr>
-        <p:spPr>
-          <a:xfrm>
-            <a:off x="7813513" y="3361625"/>
-            <a:ext cx="2263889" cy="369332"/>
-          </a:xfrm>
-          <a:prstGeom prst="rect">
-            <a:avLst/>
-          </a:prstGeom>
-          <a:noFill/>
-        </p:spPr>
-        <p:txBody>
-          <a:bodyPr wrap="none" rtlCol="0">
-            <a:spAutoFit/>
-          </a:bodyPr>
-          <a:lstStyle/>
-          <a:p>
-            <a:r>
-              <a:rPr lang="en-US" b="1" dirty="0" smtClean="0"/>
-              <a:t>Interest Point Patches</a:t>
-            </a:r>
-            <a:endParaRPr lang="en-US" b="1" dirty="0"/>
-          </a:p>
-        </p:txBody>
-      </p:sp>
-      <p:sp>
-        <p:nvSpPr>
-          <p:cNvPr id="35" name="TextBox 34"/>
-          <p:cNvSpPr txBox="1"/>
-          <p:nvPr/>
-        </p:nvSpPr>
-        <p:spPr>
-          <a:xfrm>
-            <a:off x="7777101" y="5540393"/>
-            <a:ext cx="2214004" cy="369332"/>
-          </a:xfrm>
-          <a:prstGeom prst="rect">
-            <a:avLst/>
-          </a:prstGeom>
-          <a:noFill/>
-        </p:spPr>
-        <p:txBody>
-          <a:bodyPr wrap="none" rtlCol="0">
-            <a:spAutoFit/>
-          </a:bodyPr>
-          <a:lstStyle/>
-          <a:p>
-            <a:r>
-              <a:rPr lang="en-US" b="1" dirty="0" smtClean="0"/>
-              <a:t>Per object code-book</a:t>
-            </a:r>
-          </a:p>
-        </p:txBody>
-      </p:sp>
-      <p:sp>
-        <p:nvSpPr>
-          <p:cNvPr id="3" name="Right Arrow 2"/>
-          <p:cNvSpPr/>
-          <p:nvPr/>
-        </p:nvSpPr>
-        <p:spPr>
-          <a:xfrm>
-            <a:off x="5310034" y="3175048"/>
-            <a:ext cx="1538545" cy="742486"/>
-          </a:xfrm>
-          <a:prstGeom prst="rightArrow">
-            <a:avLst/>
-          </a:prstGeom>
-        </p:spPr>
-        <p:style>
-          <a:lnRef idx="2">
-            <a:schemeClr val="accent1">
-              <a:shade val="50000"/>
-            </a:schemeClr>
-          </a:lnRef>
-          <a:fillRef idx="1">
-            <a:schemeClr val="accent1"/>
-          </a:fillRef>
-          <a:effectRef idx="0">
-            <a:schemeClr val="accent1"/>
-          </a:effectRef>
-          <a:fontRef idx="minor">
-            <a:schemeClr val="lt1"/>
-          </a:fontRef>
-        </p:style>
-        <p:txBody>
-          <a:bodyPr rtlCol="0" anchor="ctr"/>
-          <a:lstStyle/>
-          <a:p>
-            <a:pPr algn="ctr"/>
-            <a:endParaRPr lang="en-US"/>
-          </a:p>
-        </p:txBody>
-      </p:sp>
-      <p:pic>
-        <p:nvPicPr>
-          <p:cNvPr id="4" name="Picture 3"/>
-          <p:cNvPicPr>
-            <a:picLocks noChangeAspect="1"/>
-          </p:cNvPicPr>
-          <p:nvPr/>
-        </p:nvPicPr>
-        <p:blipFill>
-          <a:blip r:embed="rId4"/>
-          <a:stretch>
-            <a:fillRect/>
-          </a:stretch>
-        </p:blipFill>
-        <p:spPr>
-          <a:xfrm>
-            <a:off x="7587602" y="4479711"/>
-            <a:ext cx="969371" cy="950364"/>
-          </a:xfrm>
-          <a:prstGeom prst="rect">
-            <a:avLst/>
-          </a:prstGeom>
-        </p:spPr>
-      </p:pic>
-      <p:pic>
-        <p:nvPicPr>
-          <p:cNvPr id="7" name="Picture 6"/>
-          <p:cNvPicPr>
-            <a:picLocks noChangeAspect="1"/>
-          </p:cNvPicPr>
-          <p:nvPr/>
-        </p:nvPicPr>
-        <p:blipFill>
-          <a:blip r:embed="rId5"/>
-          <a:stretch>
-            <a:fillRect/>
-          </a:stretch>
-        </p:blipFill>
-        <p:spPr>
-          <a:xfrm>
-            <a:off x="8800640" y="4430893"/>
-            <a:ext cx="908347" cy="999182"/>
-          </a:xfrm>
-          <a:prstGeom prst="rect">
-            <a:avLst/>
-          </a:prstGeom>
-        </p:spPr>
-      </p:pic>
-      <p:pic>
-        <p:nvPicPr>
-          <p:cNvPr id="11" name="Picture 10"/>
-          <p:cNvPicPr>
-            <a:picLocks noChangeAspect="1"/>
-          </p:cNvPicPr>
-          <p:nvPr/>
-        </p:nvPicPr>
-        <p:blipFill>
-          <a:blip r:embed="rId6"/>
-          <a:stretch>
-            <a:fillRect/>
-          </a:stretch>
-        </p:blipFill>
-        <p:spPr>
-          <a:xfrm>
-            <a:off x="9833911" y="4479711"/>
-            <a:ext cx="799892" cy="844331"/>
-          </a:xfrm>
-          <a:prstGeom prst="rect">
-            <a:avLst/>
-          </a:prstGeom>
-        </p:spPr>
-      </p:pic>
     </p:spTree>
     <p:extLst>
       <p:ext uri="{BB962C8B-B14F-4D97-AF65-F5344CB8AC3E}">
-        <p14:creationId xmlns:p14="http://schemas.microsoft.com/office/powerpoint/2010/main" val="1730852413"/>
+        <p14:creationId xmlns:p14="http://schemas.microsoft.com/office/powerpoint/2010/main" val="1203710201"/>
       </p:ext>
     </p:extLst>
   </p:cSld>
@@ -7143,50 +7297,7 @@
           <a:p>
             <a:r>
               <a:rPr lang="en-US" dirty="0" smtClean="0"/>
-              <a:t>Implicit Shape Model creation from local code-book</a:t>
-            </a:r>
-            <a:endParaRPr lang="en-US" dirty="0"/>
-          </a:p>
-        </p:txBody>
-      </p:sp>
-      <p:sp>
-        <p:nvSpPr>
-          <p:cNvPr id="3" name="Content Placeholder 2"/>
-          <p:cNvSpPr>
-            <a:spLocks noGrp="1"/>
-          </p:cNvSpPr>
-          <p:nvPr>
-            <p:ph idx="1"/>
-          </p:nvPr>
-        </p:nvSpPr>
-        <p:spPr/>
-        <p:txBody>
-          <a:bodyPr/>
-          <a:lstStyle/>
-          <a:p>
-            <a:r>
-              <a:rPr lang="en-US" dirty="0" smtClean="0"/>
-              <a:t>For all training images, match codebook entries to interest point image patches using the similarity measure.</a:t>
-            </a:r>
-          </a:p>
-          <a:p>
-            <a:r>
-              <a:rPr lang="en-US" dirty="0" smtClean="0"/>
-              <a:t>Activate all entries whose similarity is above threshold ‘t’.</a:t>
-            </a:r>
-          </a:p>
-          <a:p>
-            <a:r>
-              <a:rPr lang="en-US" dirty="0" smtClean="0"/>
-              <a:t>For each activated entry, store positions it was activated in </a:t>
-            </a:r>
-            <a:r>
-              <a:rPr lang="en-US" dirty="0" err="1" smtClean="0"/>
-              <a:t>wrt</a:t>
-            </a:r>
-            <a:r>
-              <a:rPr lang="en-US" dirty="0" smtClean="0"/>
-              <a:t>. object center.</a:t>
+              <a:t>Image Recognition at a glance</a:t>
             </a:r>
             <a:endParaRPr lang="en-US" dirty="0"/>
           </a:p>
@@ -7194,11 +7305,13 @@
       </p:sp>
       <p:pic>
         <p:nvPicPr>
-          <p:cNvPr id="5" name="Picture 4"/>
+          <p:cNvPr id="4" name="Content Placeholder 3"/>
           <p:cNvPicPr>
-            <a:picLocks noChangeAspect="1"/>
+            <a:picLocks noGrp="1" noChangeAspect="1"/>
           </p:cNvPicPr>
-          <p:nvPr/>
+          <p:nvPr>
+            <p:ph idx="1"/>
+          </p:nvPr>
         </p:nvPicPr>
         <p:blipFill>
           <a:blip r:embed="rId2"/>
@@ -7208,91 +7321,161 @@
         </p:blipFill>
         <p:spPr>
           <a:xfrm>
-            <a:off x="3814266" y="4330666"/>
-            <a:ext cx="750216" cy="735506"/>
+            <a:off x="2043112" y="1690688"/>
+            <a:ext cx="8105775" cy="3209925"/>
           </a:xfrm>
           <a:prstGeom prst="rect">
             <a:avLst/>
           </a:prstGeom>
         </p:spPr>
       </p:pic>
-      <p:pic>
-        <p:nvPicPr>
-          <p:cNvPr id="7" name="Picture 6"/>
-          <p:cNvPicPr>
-            <a:picLocks noChangeAspect="1"/>
-          </p:cNvPicPr>
-          <p:nvPr/>
-        </p:nvPicPr>
-        <p:blipFill>
-          <a:blip r:embed="rId3"/>
-          <a:stretch>
-            <a:fillRect/>
-          </a:stretch>
-        </p:blipFill>
-        <p:spPr>
-          <a:xfrm>
-            <a:off x="3862539" y="5219829"/>
-            <a:ext cx="750216" cy="825238"/>
-          </a:xfrm>
-          <a:prstGeom prst="rect">
-            <a:avLst/>
-          </a:prstGeom>
-        </p:spPr>
-      </p:pic>
-      <p:pic>
-        <p:nvPicPr>
-          <p:cNvPr id="12" name="Picture 11"/>
-          <p:cNvPicPr>
-            <a:picLocks noChangeAspect="1"/>
-          </p:cNvPicPr>
-          <p:nvPr/>
-        </p:nvPicPr>
-        <p:blipFill>
-          <a:blip r:embed="rId4"/>
-          <a:stretch>
-            <a:fillRect/>
-          </a:stretch>
-        </p:blipFill>
-        <p:spPr>
-          <a:xfrm>
-            <a:off x="1328443" y="4553734"/>
-            <a:ext cx="1411593" cy="1332191"/>
-          </a:xfrm>
-          <a:prstGeom prst="rect">
-            <a:avLst/>
-          </a:prstGeom>
-        </p:spPr>
-      </p:pic>
-      <p:sp>
-        <p:nvSpPr>
-          <p:cNvPr id="13" name="Rectangle 12"/>
+      <p:sp>
+        <p:nvSpPr>
+          <p:cNvPr id="5" name="TextBox 4"/>
+          <p:cNvSpPr txBox="1"/>
+          <p:nvPr/>
+        </p:nvSpPr>
+        <p:spPr>
+          <a:xfrm>
+            <a:off x="1049264" y="5272104"/>
+            <a:ext cx="10093469" cy="923330"/>
+          </a:xfrm>
+          <a:prstGeom prst="rect">
+            <a:avLst/>
+          </a:prstGeom>
+          <a:noFill/>
+        </p:spPr>
+        <p:txBody>
+          <a:bodyPr wrap="none" rtlCol="0">
+            <a:spAutoFit/>
+          </a:bodyPr>
+          <a:lstStyle/>
+          <a:p>
+            <a:r>
+              <a:rPr lang="en-US" dirty="0" smtClean="0"/>
+              <a:t>For a given image, find interest points and match against all code-book entries for all classes to find </a:t>
+            </a:r>
+          </a:p>
+          <a:p>
+            <a:r>
+              <a:rPr lang="en-US" dirty="0" smtClean="0"/>
+              <a:t>activated code-book entries. </a:t>
+            </a:r>
+            <a:r>
+              <a:rPr lang="en-US" i="1" dirty="0" smtClean="0"/>
+              <a:t>Note – each image patch can match multiple code-book entries, even across </a:t>
+            </a:r>
+          </a:p>
+          <a:p>
+            <a:r>
+              <a:rPr lang="en-US" i="1" dirty="0" smtClean="0"/>
+              <a:t>object code-books.</a:t>
+            </a:r>
+            <a:endParaRPr lang="en-US" i="1" dirty="0"/>
+          </a:p>
+        </p:txBody>
+      </p:sp>
+      <p:sp>
+        <p:nvSpPr>
+          <p:cNvPr id="7" name="Freeform 6"/>
           <p:cNvSpPr/>
           <p:nvPr/>
         </p:nvSpPr>
         <p:spPr>
           <a:xfrm>
-            <a:off x="2402673" y="5008826"/>
-            <a:ext cx="183148" cy="211003"/>
-          </a:xfrm>
-          <a:prstGeom prst="rect">
-            <a:avLst/>
-          </a:prstGeom>
+            <a:off x="2007909" y="1593130"/>
+            <a:ext cx="4911365" cy="2450969"/>
+          </a:xfrm>
+          <a:custGeom>
+            <a:avLst/>
+            <a:gdLst>
+              <a:gd name="connsiteX0" fmla="*/ 75415 w 4911365"/>
+              <a:gd name="connsiteY0" fmla="*/ 2441542 h 2450969"/>
+              <a:gd name="connsiteX1" fmla="*/ 1508289 w 4911365"/>
+              <a:gd name="connsiteY1" fmla="*/ 2450969 h 2450969"/>
+              <a:gd name="connsiteX2" fmla="*/ 1545996 w 4911365"/>
+              <a:gd name="connsiteY2" fmla="*/ 1687398 h 2450969"/>
+              <a:gd name="connsiteX3" fmla="*/ 4911365 w 4911365"/>
+              <a:gd name="connsiteY3" fmla="*/ 1687398 h 2450969"/>
+              <a:gd name="connsiteX4" fmla="*/ 4892512 w 4911365"/>
+              <a:gd name="connsiteY4" fmla="*/ 0 h 2450969"/>
+              <a:gd name="connsiteX5" fmla="*/ 0 w 4911365"/>
+              <a:gd name="connsiteY5" fmla="*/ 65988 h 2450969"/>
+              <a:gd name="connsiteX6" fmla="*/ 75415 w 4911365"/>
+              <a:gd name="connsiteY6" fmla="*/ 2441542 h 2450969"/>
+            </a:gdLst>
+            <a:ahLst/>
+            <a:cxnLst>
+              <a:cxn ang="0">
+                <a:pos x="connsiteX0" y="connsiteY0"/>
+              </a:cxn>
+              <a:cxn ang="0">
+                <a:pos x="connsiteX1" y="connsiteY1"/>
+              </a:cxn>
+              <a:cxn ang="0">
+                <a:pos x="connsiteX2" y="connsiteY2"/>
+              </a:cxn>
+              <a:cxn ang="0">
+                <a:pos x="connsiteX3" y="connsiteY3"/>
+              </a:cxn>
+              <a:cxn ang="0">
+                <a:pos x="connsiteX4" y="connsiteY4"/>
+              </a:cxn>
+              <a:cxn ang="0">
+                <a:pos x="connsiteX5" y="connsiteY5"/>
+              </a:cxn>
+              <a:cxn ang="0">
+                <a:pos x="connsiteX6" y="connsiteY6"/>
+              </a:cxn>
+            </a:cxnLst>
+            <a:rect l="l" t="t" r="r" b="b"/>
+            <a:pathLst>
+              <a:path w="4911365" h="2450969">
+                <a:moveTo>
+                  <a:pt x="75415" y="2441542"/>
+                </a:moveTo>
+                <a:lnTo>
+                  <a:pt x="1508289" y="2450969"/>
+                </a:lnTo>
+                <a:lnTo>
+                  <a:pt x="1545996" y="1687398"/>
+                </a:lnTo>
+                <a:lnTo>
+                  <a:pt x="4911365" y="1687398"/>
+                </a:lnTo>
+                <a:lnTo>
+                  <a:pt x="4892512" y="0"/>
+                </a:lnTo>
+                <a:lnTo>
+                  <a:pt x="0" y="65988"/>
+                </a:lnTo>
+                <a:lnTo>
+                  <a:pt x="75415" y="2441542"/>
+                </a:lnTo>
+                <a:close/>
+              </a:path>
+            </a:pathLst>
+          </a:custGeom>
+          <a:solidFill>
+            <a:schemeClr val="accent2">
+              <a:lumMod val="40000"/>
+              <a:lumOff val="60000"/>
+              <a:alpha val="32000"/>
+            </a:schemeClr>
+          </a:solidFill>
         </p:spPr>
         <p:style>
           <a:lnRef idx="2">
-            <a:schemeClr val="accent2">
-              <a:shade val="50000"/>
-            </a:schemeClr>
+            <a:schemeClr val="accent2"/>
           </a:lnRef>
           <a:fillRef idx="1">
-            <a:schemeClr val="accent2"/>
+            <a:schemeClr val="lt1"/>
           </a:fillRef>
           <a:effectRef idx="0">
             <a:schemeClr val="accent2"/>
           </a:effectRef>
           <a:fontRef idx="minor">
-            <a:schemeClr val="lt1"/>
+            <a:schemeClr val="dk1"/>
           </a:fontRef>
         </p:style>
         <p:txBody>
@@ -7300,214 +7483,18 @@
           <a:lstStyle/>
           <a:p>
             <a:pPr algn="ctr"/>
-            <a:r>
-              <a:rPr lang="en-US" dirty="0" smtClean="0"/>
-              <a:t>6</a:t>
-            </a:r>
-            <a:endParaRPr lang="en-US" dirty="0"/>
-          </a:p>
-        </p:txBody>
-      </p:sp>
-      <p:sp>
-        <p:nvSpPr>
-          <p:cNvPr id="14" name="Rectangle 13"/>
-          <p:cNvSpPr/>
-          <p:nvPr/>
-        </p:nvSpPr>
-        <p:spPr>
-          <a:xfrm>
-            <a:off x="2034239" y="4882633"/>
-            <a:ext cx="183148" cy="211003"/>
-          </a:xfrm>
-          <a:prstGeom prst="rect">
-            <a:avLst/>
-          </a:prstGeom>
-        </p:spPr>
-        <p:style>
-          <a:lnRef idx="2">
-            <a:schemeClr val="accent2">
-              <a:shade val="50000"/>
-            </a:schemeClr>
-          </a:lnRef>
-          <a:fillRef idx="1">
-            <a:schemeClr val="accent2"/>
-          </a:fillRef>
-          <a:effectRef idx="0">
-            <a:schemeClr val="accent2"/>
-          </a:effectRef>
-          <a:fontRef idx="minor">
-            <a:schemeClr val="lt1"/>
-          </a:fontRef>
-        </p:style>
-        <p:txBody>
-          <a:bodyPr rtlCol="0" anchor="ctr"/>
-          <a:lstStyle/>
-          <a:p>
-            <a:pPr algn="ctr"/>
-            <a:r>
-              <a:rPr lang="en-US" dirty="0" smtClean="0"/>
-              <a:t>5</a:t>
-            </a:r>
-            <a:endParaRPr lang="en-US" dirty="0"/>
-          </a:p>
-        </p:txBody>
-      </p:sp>
-      <p:sp>
-        <p:nvSpPr>
-          <p:cNvPr id="15" name="TextBox 14"/>
-          <p:cNvSpPr txBox="1"/>
-          <p:nvPr/>
-        </p:nvSpPr>
-        <p:spPr>
-          <a:xfrm>
-            <a:off x="6572640" y="4513301"/>
-            <a:ext cx="3892412" cy="369332"/>
-          </a:xfrm>
-          <a:prstGeom prst="rect">
-            <a:avLst/>
-          </a:prstGeom>
-          <a:noFill/>
-        </p:spPr>
-        <p:txBody>
-          <a:bodyPr wrap="none" rtlCol="0">
-            <a:spAutoFit/>
-          </a:bodyPr>
-          <a:lstStyle/>
-          <a:p>
-            <a:r>
-              <a:rPr lang="en-US" dirty="0" smtClean="0"/>
-              <a:t>={&lt;x1, y1&gt;, &lt;x2, y2&gt;, &lt;x3, y3&gt;, &lt;x4, y4&gt;}</a:t>
-            </a:r>
-            <a:endParaRPr lang="en-US" dirty="0"/>
-          </a:p>
-        </p:txBody>
-      </p:sp>
-      <p:pic>
-        <p:nvPicPr>
-          <p:cNvPr id="16" name="Picture 15"/>
-          <p:cNvPicPr>
-            <a:picLocks noChangeAspect="1"/>
-          </p:cNvPicPr>
-          <p:nvPr/>
-        </p:nvPicPr>
-        <p:blipFill>
-          <a:blip r:embed="rId4"/>
-          <a:stretch>
-            <a:fillRect/>
-          </a:stretch>
-        </p:blipFill>
-        <p:spPr>
-          <a:xfrm>
-            <a:off x="5193453" y="4196234"/>
-            <a:ext cx="1064233" cy="1004370"/>
-          </a:xfrm>
-          <a:prstGeom prst="rect">
-            <a:avLst/>
-          </a:prstGeom>
-        </p:spPr>
-      </p:pic>
-      <p:sp>
-        <p:nvSpPr>
-          <p:cNvPr id="17" name="TextBox 16"/>
-          <p:cNvSpPr txBox="1"/>
-          <p:nvPr/>
-        </p:nvSpPr>
-        <p:spPr>
-          <a:xfrm>
-            <a:off x="5099817" y="5447782"/>
-            <a:ext cx="1223412" cy="369332"/>
-          </a:xfrm>
-          <a:prstGeom prst="rect">
-            <a:avLst/>
-          </a:prstGeom>
-          <a:noFill/>
-        </p:spPr>
-        <p:txBody>
-          <a:bodyPr wrap="none" rtlCol="0">
-            <a:spAutoFit/>
-          </a:bodyPr>
-          <a:lstStyle/>
-          <a:p>
-            <a:r>
-              <a:rPr lang="en-US" dirty="0" smtClean="0"/>
-              <a:t>={&lt;x6, y6&gt;}</a:t>
-            </a:r>
-            <a:endParaRPr lang="en-US" dirty="0"/>
-          </a:p>
-        </p:txBody>
-      </p:sp>
-      <p:cxnSp>
-        <p:nvCxnSpPr>
-          <p:cNvPr id="23" name="Straight Arrow Connector 22"/>
-          <p:cNvCxnSpPr>
-            <a:endCxn id="12" idx="0"/>
-          </p:cNvCxnSpPr>
-          <p:nvPr/>
-        </p:nvCxnSpPr>
-        <p:spPr>
-          <a:xfrm flipV="1">
-            <a:off x="2034239" y="4553734"/>
-            <a:ext cx="1" cy="666095"/>
-          </a:xfrm>
-          <a:prstGeom prst="straightConnector1">
-            <a:avLst/>
-          </a:prstGeom>
-          <a:ln>
-            <a:tailEnd type="triangle"/>
-          </a:ln>
-        </p:spPr>
-        <p:style>
-          <a:lnRef idx="3">
-            <a:schemeClr val="accent4"/>
-          </a:lnRef>
-          <a:fillRef idx="0">
-            <a:schemeClr val="accent4"/>
-          </a:fillRef>
-          <a:effectRef idx="2">
-            <a:schemeClr val="accent4"/>
-          </a:effectRef>
-          <a:fontRef idx="minor">
-            <a:schemeClr val="tx1"/>
-          </a:fontRef>
-        </p:style>
-      </p:cxnSp>
-      <p:cxnSp>
-        <p:nvCxnSpPr>
-          <p:cNvPr id="24" name="Straight Arrow Connector 23"/>
-          <p:cNvCxnSpPr/>
-          <p:nvPr/>
-        </p:nvCxnSpPr>
-        <p:spPr>
-          <a:xfrm flipV="1">
-            <a:off x="2034239" y="5210403"/>
-            <a:ext cx="705797" cy="8743"/>
-          </a:xfrm>
-          <a:prstGeom prst="straightConnector1">
-            <a:avLst/>
-          </a:prstGeom>
-          <a:ln>
-            <a:tailEnd type="triangle"/>
-          </a:ln>
-        </p:spPr>
-        <p:style>
-          <a:lnRef idx="3">
-            <a:schemeClr val="accent4"/>
-          </a:lnRef>
-          <a:fillRef idx="0">
-            <a:schemeClr val="accent4"/>
-          </a:fillRef>
-          <a:effectRef idx="2">
-            <a:schemeClr val="accent4"/>
-          </a:effectRef>
-          <a:fontRef idx="minor">
-            <a:schemeClr val="tx1"/>
-          </a:fontRef>
-        </p:style>
-      </p:cxnSp>
+            <a:endParaRPr lang="en-US">
+              <a:solidFill>
+                <a:schemeClr val="accent2"/>
+              </a:solidFill>
+            </a:endParaRPr>
+          </a:p>
+        </p:txBody>
+      </p:sp>
     </p:spTree>
     <p:extLst>
       <p:ext uri="{BB962C8B-B14F-4D97-AF65-F5344CB8AC3E}">
-        <p14:creationId xmlns:p14="http://schemas.microsoft.com/office/powerpoint/2010/main" val="1203710201"/>
+        <p14:creationId xmlns:p14="http://schemas.microsoft.com/office/powerpoint/2010/main" val="1030925823"/>
       </p:ext>
     </p:extLst>
   </p:cSld>
@@ -7534,6 +7521,30 @@
           <a:chExt cx="0" cy="0"/>
         </a:xfrm>
       </p:grpSpPr>
+      <p:pic>
+        <p:nvPicPr>
+          <p:cNvPr id="25" name="Picture 24"/>
+          <p:cNvPicPr>
+            <a:picLocks noChangeAspect="1"/>
+          </p:cNvPicPr>
+          <p:nvPr/>
+        </p:nvPicPr>
+        <p:blipFill>
+          <a:blip r:embed="rId2"/>
+          <a:stretch>
+            <a:fillRect/>
+          </a:stretch>
+        </p:blipFill>
+        <p:spPr>
+          <a:xfrm>
+            <a:off x="2991601" y="4469648"/>
+            <a:ext cx="2708513" cy="2404185"/>
+          </a:xfrm>
+          <a:prstGeom prst="rect">
+            <a:avLst/>
+          </a:prstGeom>
+        </p:spPr>
+      </p:pic>
       <p:sp>
         <p:nvSpPr>
           <p:cNvPr id="2" name="Title 1"/>
@@ -7549,7 +7560,11 @@
           <a:bodyPr/>
           <a:lstStyle/>
           <a:p>
-            <a:endParaRPr lang="en-US"/>
+            <a:r>
+              <a:rPr lang="en-US" dirty="0" smtClean="0"/>
+              <a:t>Generalized Hough Transform - Voting</a:t>
+            </a:r>
+            <a:endParaRPr lang="en-US" dirty="0"/>
           </a:p>
         </p:txBody>
       </p:sp>
@@ -7563,19 +7578,584 @@
             <p:ph idx="1"/>
           </p:nvPr>
         </p:nvSpPr>
-        <p:spPr/>
+        <p:spPr>
+          <a:xfrm>
+            <a:off x="838200" y="1825625"/>
+            <a:ext cx="11353800" cy="4351338"/>
+          </a:xfrm>
+        </p:spPr>
         <p:txBody>
           <a:bodyPr/>
           <a:lstStyle/>
           <a:p>
-            <a:endParaRPr lang="en-US"/>
-          </a:p>
-        </p:txBody>
-      </p:sp>
+            <a:r>
+              <a:rPr lang="en-US" dirty="0" smtClean="0"/>
+              <a:t>Implicit Shape Model:         = </a:t>
+            </a:r>
+            <a:r>
+              <a:rPr lang="en-US" dirty="0" smtClean="0"/>
+              <a:t>{&lt;Object, x1, y1&gt;,…}. </a:t>
+            </a:r>
+            <a:r>
+              <a:rPr lang="en-US" dirty="0" smtClean="0"/>
+              <a:t>This is the same info as:</a:t>
+            </a:r>
+            <a:r>
+              <a:rPr lang="en-US" dirty="0" smtClean="0"/>
+              <a:t> </a:t>
+            </a:r>
+          </a:p>
+          <a:p>
+            <a:endParaRPr lang="en-US" dirty="0" smtClean="0"/>
+          </a:p>
+          <a:p>
+            <a:pPr marL="0" indent="0">
+              <a:buNone/>
+            </a:pPr>
+            <a:r>
+              <a:rPr lang="en-US" dirty="0" smtClean="0"/>
+              <a:t>=                                          = </a:t>
+            </a:r>
+          </a:p>
+          <a:p>
+            <a:endParaRPr lang="en-US" sz="1800" dirty="0" smtClean="0"/>
+          </a:p>
+          <a:p>
+            <a:endParaRPr lang="en-US" sz="1800" dirty="0" smtClean="0"/>
+          </a:p>
+          <a:p>
+            <a:r>
+              <a:rPr lang="en-US" sz="1800" dirty="0" smtClean="0"/>
+              <a:t>Each matched code-book entry for each Harris detected image-patch makes votes for </a:t>
+            </a:r>
+            <a:r>
+              <a:rPr lang="en-US" sz="1800" b="1" dirty="0" smtClean="0"/>
+              <a:t>objects</a:t>
+            </a:r>
+            <a:r>
+              <a:rPr lang="en-US" sz="1800" dirty="0" smtClean="0"/>
+              <a:t> &amp; their </a:t>
+            </a:r>
+            <a:r>
+              <a:rPr lang="en-US" sz="1800" b="1" dirty="0" smtClean="0"/>
+              <a:t>centers</a:t>
+            </a:r>
+            <a:endParaRPr lang="en-US" sz="1800" dirty="0"/>
+          </a:p>
+        </p:txBody>
+      </p:sp>
+      <p:pic>
+        <p:nvPicPr>
+          <p:cNvPr id="4" name="Picture 3"/>
+          <p:cNvPicPr>
+            <a:picLocks noChangeAspect="1"/>
+          </p:cNvPicPr>
+          <p:nvPr/>
+        </p:nvPicPr>
+        <p:blipFill>
+          <a:blip r:embed="rId3"/>
+          <a:stretch>
+            <a:fillRect/>
+          </a:stretch>
+        </p:blipFill>
+        <p:spPr>
+          <a:xfrm>
+            <a:off x="4390442" y="1825625"/>
+            <a:ext cx="586912" cy="575404"/>
+          </a:xfrm>
+          <a:prstGeom prst="rect">
+            <a:avLst/>
+          </a:prstGeom>
+        </p:spPr>
+      </p:pic>
+      <p:pic>
+        <p:nvPicPr>
+          <p:cNvPr id="6" name="Picture 5"/>
+          <p:cNvPicPr>
+            <a:picLocks noChangeAspect="1"/>
+          </p:cNvPicPr>
+          <p:nvPr/>
+        </p:nvPicPr>
+        <p:blipFill>
+          <a:blip r:embed="rId4"/>
+          <a:stretch>
+            <a:fillRect/>
+          </a:stretch>
+        </p:blipFill>
+        <p:spPr>
+          <a:xfrm>
+            <a:off x="1392719" y="2819478"/>
+            <a:ext cx="2846061" cy="1137366"/>
+          </a:xfrm>
+          <a:prstGeom prst="rect">
+            <a:avLst/>
+          </a:prstGeom>
+        </p:spPr>
+      </p:pic>
+      <p:pic>
+        <p:nvPicPr>
+          <p:cNvPr id="8" name="Picture 7"/>
+          <p:cNvPicPr>
+            <a:picLocks noChangeAspect="1"/>
+          </p:cNvPicPr>
+          <p:nvPr/>
+        </p:nvPicPr>
+        <p:blipFill>
+          <a:blip r:embed="rId5"/>
+          <a:stretch>
+            <a:fillRect/>
+          </a:stretch>
+        </p:blipFill>
+        <p:spPr>
+          <a:xfrm>
+            <a:off x="5552392" y="2807250"/>
+            <a:ext cx="2478049" cy="1011263"/>
+          </a:xfrm>
+          <a:prstGeom prst="rect">
+            <a:avLst/>
+          </a:prstGeom>
+        </p:spPr>
+      </p:pic>
+      <p:sp>
+        <p:nvSpPr>
+          <p:cNvPr id="9" name="TextBox 8"/>
+          <p:cNvSpPr txBox="1"/>
+          <p:nvPr/>
+        </p:nvSpPr>
+        <p:spPr>
+          <a:xfrm>
+            <a:off x="8142970" y="3157180"/>
+            <a:ext cx="779381" cy="261610"/>
+          </a:xfrm>
+          <a:prstGeom prst="rect">
+            <a:avLst/>
+          </a:prstGeom>
+          <a:noFill/>
+        </p:spPr>
+        <p:txBody>
+          <a:bodyPr wrap="none" rtlCol="0">
+            <a:spAutoFit/>
+          </a:bodyPr>
+          <a:lstStyle/>
+          <a:p>
+            <a:r>
+              <a:rPr lang="en-US" sz="1100" dirty="0" smtClean="0"/>
+              <a:t>Car center</a:t>
+            </a:r>
+            <a:endParaRPr lang="en-US" sz="1100" dirty="0"/>
+          </a:p>
+        </p:txBody>
+      </p:sp>
+      <p:sp>
+        <p:nvSpPr>
+          <p:cNvPr id="10" name="TextBox 9"/>
+          <p:cNvSpPr txBox="1"/>
+          <p:nvPr/>
+        </p:nvSpPr>
+        <p:spPr>
+          <a:xfrm>
+            <a:off x="5700114" y="2579083"/>
+            <a:ext cx="779381" cy="261610"/>
+          </a:xfrm>
+          <a:prstGeom prst="rect">
+            <a:avLst/>
+          </a:prstGeom>
+          <a:noFill/>
+        </p:spPr>
+        <p:txBody>
+          <a:bodyPr wrap="none" rtlCol="0">
+            <a:spAutoFit/>
+          </a:bodyPr>
+          <a:lstStyle/>
+          <a:p>
+            <a:r>
+              <a:rPr lang="en-US" sz="1100" dirty="0" smtClean="0"/>
+              <a:t>Car center</a:t>
+            </a:r>
+            <a:endParaRPr lang="en-US" sz="1100" dirty="0"/>
+          </a:p>
+        </p:txBody>
+      </p:sp>
+      <p:sp>
+        <p:nvSpPr>
+          <p:cNvPr id="11" name="TextBox 10"/>
+          <p:cNvSpPr txBox="1"/>
+          <p:nvPr/>
+        </p:nvSpPr>
+        <p:spPr>
+          <a:xfrm>
+            <a:off x="7406599" y="2629065"/>
+            <a:ext cx="779381" cy="261610"/>
+          </a:xfrm>
+          <a:prstGeom prst="rect">
+            <a:avLst/>
+          </a:prstGeom>
+          <a:noFill/>
+        </p:spPr>
+        <p:txBody>
+          <a:bodyPr wrap="none" rtlCol="0">
+            <a:spAutoFit/>
+          </a:bodyPr>
+          <a:lstStyle/>
+          <a:p>
+            <a:r>
+              <a:rPr lang="en-US" sz="1100" dirty="0" smtClean="0"/>
+              <a:t>Car center</a:t>
+            </a:r>
+            <a:endParaRPr lang="en-US" sz="1100" dirty="0"/>
+          </a:p>
+        </p:txBody>
+      </p:sp>
+      <p:sp>
+        <p:nvSpPr>
+          <p:cNvPr id="12" name="TextBox 11"/>
+          <p:cNvSpPr txBox="1"/>
+          <p:nvPr/>
+        </p:nvSpPr>
+        <p:spPr>
+          <a:xfrm>
+            <a:off x="3397741" y="2522186"/>
+            <a:ext cx="779381" cy="261610"/>
+          </a:xfrm>
+          <a:prstGeom prst="rect">
+            <a:avLst/>
+          </a:prstGeom>
+          <a:noFill/>
+        </p:spPr>
+        <p:txBody>
+          <a:bodyPr wrap="none" rtlCol="0">
+            <a:spAutoFit/>
+          </a:bodyPr>
+          <a:lstStyle/>
+          <a:p>
+            <a:r>
+              <a:rPr lang="en-US" sz="1100" dirty="0" smtClean="0"/>
+              <a:t>Car center</a:t>
+            </a:r>
+            <a:endParaRPr lang="en-US" sz="1100" dirty="0"/>
+          </a:p>
+        </p:txBody>
+      </p:sp>
+      <p:pic>
+        <p:nvPicPr>
+          <p:cNvPr id="16" name="Picture 15"/>
+          <p:cNvPicPr>
+            <a:picLocks noChangeAspect="1"/>
+          </p:cNvPicPr>
+          <p:nvPr/>
+        </p:nvPicPr>
+        <p:blipFill>
+          <a:blip r:embed="rId6">
+            <a:extLst>
+              <a:ext uri="{BEBA8EAE-BF5A-486C-A8C5-ECC9F3942E4B}">
+                <a14:imgProps xmlns:a14="http://schemas.microsoft.com/office/drawing/2010/main">
+                  <a14:imgLayer r:embed="rId7">
+                    <a14:imgEffect>
+                      <a14:backgroundRemoval t="10000" b="90000" l="10000" r="90000"/>
+                    </a14:imgEffect>
+                  </a14:imgLayer>
+                </a14:imgProps>
+              </a:ext>
+            </a:extLst>
+          </a:blip>
+          <a:stretch>
+            <a:fillRect/>
+          </a:stretch>
+        </p:blipFill>
+        <p:spPr>
+          <a:xfrm>
+            <a:off x="2403630" y="5056991"/>
+            <a:ext cx="3442755" cy="1404948"/>
+          </a:xfrm>
+          <a:prstGeom prst="rect">
+            <a:avLst/>
+          </a:prstGeom>
+        </p:spPr>
+      </p:pic>
+      <p:pic>
+        <p:nvPicPr>
+          <p:cNvPr id="14" name="Picture 13"/>
+          <p:cNvPicPr>
+            <a:picLocks noChangeAspect="1"/>
+          </p:cNvPicPr>
+          <p:nvPr/>
+        </p:nvPicPr>
+        <p:blipFill>
+          <a:blip r:embed="rId8"/>
+          <a:stretch>
+            <a:fillRect/>
+          </a:stretch>
+        </p:blipFill>
+        <p:spPr>
+          <a:xfrm>
+            <a:off x="3000684" y="6076059"/>
+            <a:ext cx="462159" cy="537104"/>
+          </a:xfrm>
+          <a:prstGeom prst="rect">
+            <a:avLst/>
+          </a:prstGeom>
+        </p:spPr>
+      </p:pic>
+      <p:cxnSp>
+        <p:nvCxnSpPr>
+          <p:cNvPr id="18" name="Straight Arrow Connector 17"/>
+          <p:cNvCxnSpPr>
+            <a:stCxn id="14" idx="3"/>
+          </p:cNvCxnSpPr>
+          <p:nvPr/>
+        </p:nvCxnSpPr>
+        <p:spPr>
+          <a:xfrm flipV="1">
+            <a:off x="3462843" y="5398990"/>
+            <a:ext cx="184314" cy="945621"/>
+          </a:xfrm>
+          <a:prstGeom prst="straightConnector1">
+            <a:avLst/>
+          </a:prstGeom>
+          <a:ln>
+            <a:tailEnd type="triangle"/>
+          </a:ln>
+        </p:spPr>
+        <p:style>
+          <a:lnRef idx="3">
+            <a:schemeClr val="accent2"/>
+          </a:lnRef>
+          <a:fillRef idx="0">
+            <a:schemeClr val="accent2"/>
+          </a:fillRef>
+          <a:effectRef idx="2">
+            <a:schemeClr val="accent2"/>
+          </a:effectRef>
+          <a:fontRef idx="minor">
+            <a:schemeClr val="tx1"/>
+          </a:fontRef>
+        </p:style>
+      </p:cxnSp>
+      <p:sp>
+        <p:nvSpPr>
+          <p:cNvPr id="21" name="TextBox 20"/>
+          <p:cNvSpPr txBox="1"/>
+          <p:nvPr/>
+        </p:nvSpPr>
+        <p:spPr>
+          <a:xfrm>
+            <a:off x="1392719" y="5110376"/>
+            <a:ext cx="1154675" cy="369332"/>
+          </a:xfrm>
+          <a:prstGeom prst="rect">
+            <a:avLst/>
+          </a:prstGeom>
+          <a:noFill/>
+        </p:spPr>
+        <p:txBody>
+          <a:bodyPr wrap="none" rtlCol="0">
+            <a:spAutoFit/>
+          </a:bodyPr>
+          <a:lstStyle/>
+          <a:p>
+            <a:r>
+              <a:rPr lang="en-US" dirty="0" smtClean="0"/>
+              <a:t>Car center</a:t>
+            </a:r>
+            <a:endParaRPr lang="en-US" dirty="0"/>
+          </a:p>
+        </p:txBody>
+      </p:sp>
+      <p:sp>
+        <p:nvSpPr>
+          <p:cNvPr id="22" name="TextBox 21"/>
+          <p:cNvSpPr txBox="1"/>
+          <p:nvPr/>
+        </p:nvSpPr>
+        <p:spPr>
+          <a:xfrm>
+            <a:off x="5224010" y="5305874"/>
+            <a:ext cx="1154675" cy="369332"/>
+          </a:xfrm>
+          <a:prstGeom prst="rect">
+            <a:avLst/>
+          </a:prstGeom>
+          <a:noFill/>
+        </p:spPr>
+        <p:txBody>
+          <a:bodyPr wrap="none" rtlCol="0">
+            <a:spAutoFit/>
+          </a:bodyPr>
+          <a:lstStyle/>
+          <a:p>
+            <a:r>
+              <a:rPr lang="en-US" dirty="0" smtClean="0"/>
+              <a:t>Car center</a:t>
+            </a:r>
+            <a:endParaRPr lang="en-US" dirty="0"/>
+          </a:p>
+        </p:txBody>
+      </p:sp>
+      <p:sp>
+        <p:nvSpPr>
+          <p:cNvPr id="23" name="TextBox 22"/>
+          <p:cNvSpPr txBox="1"/>
+          <p:nvPr/>
+        </p:nvSpPr>
+        <p:spPr>
+          <a:xfrm>
+            <a:off x="4033226" y="5319697"/>
+            <a:ext cx="1154675" cy="369332"/>
+          </a:xfrm>
+          <a:prstGeom prst="rect">
+            <a:avLst/>
+          </a:prstGeom>
+          <a:noFill/>
+        </p:spPr>
+        <p:txBody>
+          <a:bodyPr wrap="none" rtlCol="0">
+            <a:spAutoFit/>
+          </a:bodyPr>
+          <a:lstStyle/>
+          <a:p>
+            <a:r>
+              <a:rPr lang="en-US" dirty="0" smtClean="0"/>
+              <a:t>Car center</a:t>
+            </a:r>
+            <a:endParaRPr lang="en-US" dirty="0"/>
+          </a:p>
+        </p:txBody>
+      </p:sp>
+      <p:sp>
+        <p:nvSpPr>
+          <p:cNvPr id="24" name="TextBox 23"/>
+          <p:cNvSpPr txBox="1"/>
+          <p:nvPr/>
+        </p:nvSpPr>
+        <p:spPr>
+          <a:xfrm>
+            <a:off x="2988822" y="5000094"/>
+            <a:ext cx="1249958" cy="369332"/>
+          </a:xfrm>
+          <a:prstGeom prst="rect">
+            <a:avLst/>
+          </a:prstGeom>
+          <a:noFill/>
+        </p:spPr>
+        <p:txBody>
+          <a:bodyPr wrap="none" rtlCol="0">
+            <a:spAutoFit/>
+          </a:bodyPr>
+          <a:lstStyle/>
+          <a:p>
+            <a:r>
+              <a:rPr lang="en-US" dirty="0" smtClean="0"/>
+              <a:t>Cow center</a:t>
+            </a:r>
+            <a:endParaRPr lang="en-US" dirty="0"/>
+          </a:p>
+        </p:txBody>
+      </p:sp>
+      <p:cxnSp>
+        <p:nvCxnSpPr>
+          <p:cNvPr id="29" name="Straight Arrow Connector 28"/>
+          <p:cNvCxnSpPr/>
+          <p:nvPr/>
+        </p:nvCxnSpPr>
+        <p:spPr>
+          <a:xfrm flipV="1">
+            <a:off x="3462843" y="5630120"/>
+            <a:ext cx="927599" cy="300345"/>
+          </a:xfrm>
+          <a:prstGeom prst="straightConnector1">
+            <a:avLst/>
+          </a:prstGeom>
+          <a:ln>
+            <a:tailEnd type="triangle"/>
+          </a:ln>
+        </p:spPr>
+        <p:style>
+          <a:lnRef idx="3">
+            <a:schemeClr val="accent4"/>
+          </a:lnRef>
+          <a:fillRef idx="0">
+            <a:schemeClr val="accent4"/>
+          </a:fillRef>
+          <a:effectRef idx="2">
+            <a:schemeClr val="accent4"/>
+          </a:effectRef>
+          <a:fontRef idx="minor">
+            <a:schemeClr val="tx1"/>
+          </a:fontRef>
+        </p:style>
+      </p:cxnSp>
+      <p:cxnSp>
+        <p:nvCxnSpPr>
+          <p:cNvPr id="32" name="Straight Arrow Connector 31"/>
+          <p:cNvCxnSpPr/>
+          <p:nvPr/>
+        </p:nvCxnSpPr>
+        <p:spPr>
+          <a:xfrm flipV="1">
+            <a:off x="3469768" y="5611654"/>
+            <a:ext cx="2076899" cy="460050"/>
+          </a:xfrm>
+          <a:prstGeom prst="straightConnector1">
+            <a:avLst/>
+          </a:prstGeom>
+          <a:ln>
+            <a:tailEnd type="triangle"/>
+          </a:ln>
+        </p:spPr>
+        <p:style>
+          <a:lnRef idx="3">
+            <a:schemeClr val="accent4"/>
+          </a:lnRef>
+          <a:fillRef idx="0">
+            <a:schemeClr val="accent4"/>
+          </a:fillRef>
+          <a:effectRef idx="2">
+            <a:schemeClr val="accent4"/>
+          </a:effectRef>
+          <a:fontRef idx="minor">
+            <a:schemeClr val="tx1"/>
+          </a:fontRef>
+        </p:style>
+      </p:cxnSp>
+      <p:cxnSp>
+        <p:nvCxnSpPr>
+          <p:cNvPr id="35" name="Straight Arrow Connector 34"/>
+          <p:cNvCxnSpPr>
+            <a:endCxn id="21" idx="2"/>
+          </p:cNvCxnSpPr>
+          <p:nvPr/>
+        </p:nvCxnSpPr>
+        <p:spPr>
+          <a:xfrm flipH="1" flipV="1">
+            <a:off x="1970057" y="5479708"/>
+            <a:ext cx="943128" cy="420164"/>
+          </a:xfrm>
+          <a:prstGeom prst="straightConnector1">
+            <a:avLst/>
+          </a:prstGeom>
+          <a:ln>
+            <a:tailEnd type="triangle"/>
+          </a:ln>
+        </p:spPr>
+        <p:style>
+          <a:lnRef idx="3">
+            <a:schemeClr val="accent4"/>
+          </a:lnRef>
+          <a:fillRef idx="0">
+            <a:schemeClr val="accent4"/>
+          </a:fillRef>
+          <a:effectRef idx="2">
+            <a:schemeClr val="accent4"/>
+          </a:effectRef>
+          <a:fontRef idx="minor">
+            <a:schemeClr val="tx1"/>
+          </a:fontRef>
+        </p:style>
+      </p:cxnSp>
     </p:spTree>
     <p:extLst>
       <p:ext uri="{BB962C8B-B14F-4D97-AF65-F5344CB8AC3E}">
-        <p14:creationId xmlns:p14="http://schemas.microsoft.com/office/powerpoint/2010/main" val="1734775564"/>
+        <p14:creationId xmlns:p14="http://schemas.microsoft.com/office/powerpoint/2010/main" val="2064220409"/>
       </p:ext>
     </p:extLst>
   </p:cSld>
@@ -7619,7 +8199,57 @@
           <a:p>
             <a:r>
               <a:rPr lang="en-US" dirty="0" smtClean="0"/>
-              <a:t>At a glance</a:t>
+              <a:t>Mean-shift Mode estimation for maxima in </a:t>
+            </a:r>
+            <a:r>
+              <a:rPr lang="en-US" i="1" dirty="0" smtClean="0"/>
+              <a:t>continuous</a:t>
+            </a:r>
+            <a:r>
+              <a:rPr lang="en-US" dirty="0" smtClean="0"/>
+              <a:t> voting space</a:t>
+            </a:r>
+            <a:endParaRPr lang="en-US" dirty="0"/>
+          </a:p>
+        </p:txBody>
+      </p:sp>
+      <p:sp>
+        <p:nvSpPr>
+          <p:cNvPr id="3" name="Content Placeholder 2"/>
+          <p:cNvSpPr>
+            <a:spLocks noGrp="1"/>
+          </p:cNvSpPr>
+          <p:nvPr>
+            <p:ph idx="1"/>
+          </p:nvPr>
+        </p:nvSpPr>
+        <p:spPr>
+          <a:xfrm>
+            <a:off x="838200" y="1825625"/>
+            <a:ext cx="11256264" cy="4351338"/>
+          </a:xfrm>
+        </p:spPr>
+        <p:txBody>
+          <a:bodyPr/>
+          <a:lstStyle/>
+          <a:p>
+            <a:r>
+              <a:rPr lang="en-US" dirty="0" smtClean="0"/>
+              <a:t>The object centers would concentrate at valid </a:t>
+            </a:r>
+            <a:r>
+              <a:rPr lang="en-US" dirty="0" smtClean="0"/>
+              <a:t>hypothesized </a:t>
+            </a:r>
+            <a:r>
+              <a:rPr lang="en-US" dirty="0" smtClean="0"/>
+              <a:t>object centers. </a:t>
+            </a:r>
+          </a:p>
+          <a:p>
+            <a:r>
+              <a:rPr lang="en-US" dirty="0" smtClean="0"/>
+              <a:t>Mean-shift mode estimation - non-parametric way of finding mode(s) of the probability density function from which the object centers could have been drawn.</a:t>
             </a:r>
             <a:endParaRPr lang="en-US" dirty="0"/>
           </a:p>
@@ -7627,13 +8257,11 @@
       </p:sp>
       <p:pic>
         <p:nvPicPr>
-          <p:cNvPr id="4" name="Content Placeholder 3"/>
+          <p:cNvPr id="5" name="Picture 4"/>
           <p:cNvPicPr>
-            <a:picLocks noGrp="1" noChangeAspect="1"/>
+            <a:picLocks noChangeAspect="1"/>
           </p:cNvPicPr>
-          <p:nvPr>
-            <p:ph idx="1"/>
-          </p:nvPr>
+          <p:nvPr/>
         </p:nvPicPr>
         <p:blipFill>
           <a:blip r:embed="rId2"/>
@@ -7643,8 +8271,128 @@
         </p:blipFill>
         <p:spPr>
           <a:xfrm>
-            <a:off x="2043112" y="2396331"/>
-            <a:ext cx="8105775" cy="3209925"/>
+            <a:off x="4319283" y="5501207"/>
+            <a:ext cx="2054847" cy="1351510"/>
+          </a:xfrm>
+          <a:prstGeom prst="rect">
+            <a:avLst/>
+          </a:prstGeom>
+        </p:spPr>
+      </p:pic>
+      <p:pic>
+        <p:nvPicPr>
+          <p:cNvPr id="6" name="Picture 5"/>
+          <p:cNvPicPr>
+            <a:picLocks noChangeAspect="1"/>
+          </p:cNvPicPr>
+          <p:nvPr/>
+        </p:nvPicPr>
+        <p:blipFill>
+          <a:blip r:embed="rId3"/>
+          <a:stretch>
+            <a:fillRect/>
+          </a:stretch>
+        </p:blipFill>
+        <p:spPr>
+          <a:xfrm>
+            <a:off x="6782415" y="5283327"/>
+            <a:ext cx="2451882" cy="1496603"/>
+          </a:xfrm>
+          <a:prstGeom prst="rect">
+            <a:avLst/>
+          </a:prstGeom>
+        </p:spPr>
+      </p:pic>
+      <p:pic>
+        <p:nvPicPr>
+          <p:cNvPr id="9" name="Picture 8"/>
+          <p:cNvPicPr>
+            <a:picLocks noChangeAspect="1"/>
+          </p:cNvPicPr>
+          <p:nvPr/>
+        </p:nvPicPr>
+        <p:blipFill>
+          <a:blip r:embed="rId4"/>
+          <a:stretch>
+            <a:fillRect/>
+          </a:stretch>
+        </p:blipFill>
+        <p:spPr>
+          <a:xfrm>
+            <a:off x="1224915" y="3635502"/>
+            <a:ext cx="2305050" cy="1562100"/>
+          </a:xfrm>
+          <a:prstGeom prst="rect">
+            <a:avLst/>
+          </a:prstGeom>
+        </p:spPr>
+      </p:pic>
+      <p:pic>
+        <p:nvPicPr>
+          <p:cNvPr id="10" name="Picture 9"/>
+          <p:cNvPicPr>
+            <a:picLocks noChangeAspect="1"/>
+          </p:cNvPicPr>
+          <p:nvPr/>
+        </p:nvPicPr>
+        <p:blipFill>
+          <a:blip r:embed="rId5"/>
+          <a:stretch>
+            <a:fillRect/>
+          </a:stretch>
+        </p:blipFill>
+        <p:spPr>
+          <a:xfrm>
+            <a:off x="3916680" y="3549777"/>
+            <a:ext cx="2457450" cy="1733550"/>
+          </a:xfrm>
+          <a:prstGeom prst="rect">
+            <a:avLst/>
+          </a:prstGeom>
+        </p:spPr>
+      </p:pic>
+      <p:pic>
+        <p:nvPicPr>
+          <p:cNvPr id="11" name="Picture 10"/>
+          <p:cNvPicPr>
+            <a:picLocks noChangeAspect="1"/>
+          </p:cNvPicPr>
+          <p:nvPr/>
+        </p:nvPicPr>
+        <p:blipFill>
+          <a:blip r:embed="rId6"/>
+          <a:stretch>
+            <a:fillRect/>
+          </a:stretch>
+        </p:blipFill>
+        <p:spPr>
+          <a:xfrm>
+            <a:off x="6782415" y="3711702"/>
+            <a:ext cx="2333625" cy="1571625"/>
+          </a:xfrm>
+          <a:prstGeom prst="rect">
+            <a:avLst/>
+          </a:prstGeom>
+        </p:spPr>
+      </p:pic>
+      <p:pic>
+        <p:nvPicPr>
+          <p:cNvPr id="12" name="Picture 11"/>
+          <p:cNvPicPr>
+            <a:picLocks noChangeAspect="1"/>
+          </p:cNvPicPr>
+          <p:nvPr/>
+        </p:nvPicPr>
+        <p:blipFill>
+          <a:blip r:embed="rId7"/>
+          <a:stretch>
+            <a:fillRect/>
+          </a:stretch>
+        </p:blipFill>
+        <p:spPr>
+          <a:xfrm>
+            <a:off x="9411198" y="3705924"/>
+            <a:ext cx="2324100" cy="1495425"/>
           </a:xfrm>
           <a:prstGeom prst="rect">
             <a:avLst/>
@@ -7654,7 +8402,7 @@
     </p:spTree>
     <p:extLst>
       <p:ext uri="{BB962C8B-B14F-4D97-AF65-F5344CB8AC3E}">
-        <p14:creationId xmlns:p14="http://schemas.microsoft.com/office/powerpoint/2010/main" val="1030925823"/>
+        <p14:creationId xmlns:p14="http://schemas.microsoft.com/office/powerpoint/2010/main" val="1734775564"/>
       </p:ext>
     </p:extLst>
   </p:cSld>

--- a/ObjectCategorizationAndSegmentation_Leibe.pptx
+++ b/ObjectCategorizationAndSegmentation_Leibe.pptx
@@ -16,8 +16,9 @@
     <p:sldId id="265" r:id="rId10"/>
     <p:sldId id="267" r:id="rId11"/>
     <p:sldId id="269" r:id="rId12"/>
-    <p:sldId id="268" r:id="rId13"/>
-    <p:sldId id="262" r:id="rId14"/>
+    <p:sldId id="270" r:id="rId13"/>
+    <p:sldId id="268" r:id="rId14"/>
+    <p:sldId id="262" r:id="rId15"/>
   </p:sldIdLst>
   <p:sldSz cx="12192000" cy="6858000"/>
   <p:notesSz cx="6858000" cy="9144000"/>
@@ -3789,13 +3790,9 @@
           <a:p>
             <a:r>
               <a:rPr lang="en-US" dirty="0" smtClean="0"/>
-              <a:t>Reducing </a:t>
-            </a:r>
-            <a:r>
-              <a:rPr lang="en-US" smtClean="0"/>
-              <a:t>false positives</a:t>
-            </a:r>
-            <a:endParaRPr lang="en-US"/>
+              <a:t>Reducing false positives</a:t>
+            </a:r>
+            <a:endParaRPr lang="en-US" dirty="0"/>
           </a:p>
         </p:txBody>
       </p:sp>
@@ -3814,7 +3811,7 @@
           <a:bodyPr/>
           <a:lstStyle/>
           <a:p>
-            <a:endParaRPr lang="en-US"/>
+            <a:endParaRPr lang="en-US" dirty="0"/>
           </a:p>
         </p:txBody>
       </p:sp>
@@ -3863,6 +3860,74 @@
           <a:bodyPr/>
           <a:lstStyle/>
           <a:p>
+            <a:endParaRPr lang="en-US"/>
+          </a:p>
+        </p:txBody>
+      </p:sp>
+      <p:sp>
+        <p:nvSpPr>
+          <p:cNvPr id="3" name="Content Placeholder 2"/>
+          <p:cNvSpPr>
+            <a:spLocks noGrp="1"/>
+          </p:cNvSpPr>
+          <p:nvPr>
+            <p:ph idx="1"/>
+          </p:nvPr>
+        </p:nvSpPr>
+        <p:spPr/>
+        <p:txBody>
+          <a:bodyPr/>
+          <a:lstStyle/>
+          <a:p>
+            <a:endParaRPr lang="en-US"/>
+          </a:p>
+        </p:txBody>
+      </p:sp>
+    </p:spTree>
+    <p:extLst>
+      <p:ext uri="{BB962C8B-B14F-4D97-AF65-F5344CB8AC3E}">
+        <p14:creationId xmlns:p14="http://schemas.microsoft.com/office/powerpoint/2010/main" val="1648320891"/>
+      </p:ext>
+    </p:extLst>
+  </p:cSld>
+  <p:clrMapOvr>
+    <a:masterClrMapping/>
+  </p:clrMapOvr>
+</p:sld>
+</file>
+
+<file path=ppt/slides/slide13.xml><?xml version="1.0" encoding="utf-8"?>
+<p:sld xmlns:a="http://schemas.openxmlformats.org/drawingml/2006/main" xmlns:r="http://schemas.openxmlformats.org/officeDocument/2006/relationships" xmlns:p="http://schemas.openxmlformats.org/presentationml/2006/main">
+  <p:cSld>
+    <p:spTree>
+      <p:nvGrpSpPr>
+        <p:cNvPr id="1" name=""/>
+        <p:cNvGrpSpPr/>
+        <p:nvPr/>
+      </p:nvGrpSpPr>
+      <p:grpSpPr>
+        <a:xfrm>
+          <a:off x="0" y="0"/>
+          <a:ext cx="0" cy="0"/>
+          <a:chOff x="0" y="0"/>
+          <a:chExt cx="0" cy="0"/>
+        </a:xfrm>
+      </p:grpSpPr>
+      <p:sp>
+        <p:nvSpPr>
+          <p:cNvPr id="2" name="Title 1"/>
+          <p:cNvSpPr>
+            <a:spLocks noGrp="1"/>
+          </p:cNvSpPr>
+          <p:nvPr>
+            <p:ph type="title"/>
+          </p:nvPr>
+        </p:nvSpPr>
+        <p:spPr/>
+        <p:txBody>
+          <a:bodyPr/>
+          <a:lstStyle/>
+          <a:p>
             <a:r>
               <a:rPr lang="en-US" dirty="0" smtClean="0"/>
               <a:t>Object Segmentation</a:t>
@@ -3903,7 +3968,7 @@
 </p:sld>
 </file>
 
-<file path=ppt/slides/slide13.xml><?xml version="1.0" encoding="utf-8"?>
+<file path=ppt/slides/slide14.xml><?xml version="1.0" encoding="utf-8"?>
 <p:sld xmlns:a="http://schemas.openxmlformats.org/drawingml/2006/main" xmlns:r="http://schemas.openxmlformats.org/officeDocument/2006/relationships" xmlns:p="http://schemas.openxmlformats.org/presentationml/2006/main">
   <p:cSld>
     <p:spTree>
